--- a/slides/Slides Portfólio Israel J. M. Carvalho.pptx
+++ b/slides/Slides Portfólio Israel J. M. Carvalho.pptx
@@ -19,7 +19,6 @@
     <p:sldId id="272" r:id="rId13"/>
     <p:sldId id="280" r:id="rId14"/>
     <p:sldId id="282" r:id="rId15"/>
-    <p:sldId id="287" r:id="rId16"/>
   </p:sldIdLst>
   <p:sldSz cx="12192000" cy="6858000"/>
   <p:notesSz cx="6858000" cy="9144000"/>
@@ -7491,195 +7490,6 @@
 </p:sld>
 </file>
 
-<file path=ppt/slides/slide15.xml><?xml version="1.0" encoding="utf-8"?>
-<p:sld xmlns:a="http://schemas.openxmlformats.org/drawingml/2006/main" xmlns:r="http://schemas.openxmlformats.org/officeDocument/2006/relationships" xmlns:p="http://schemas.openxmlformats.org/presentationml/2006/main">
-  <p:cSld>
-    <p:bg>
-      <p:bgPr>
-        <a:solidFill>
-          <a:srgbClr val="FF0000"/>
-        </a:solidFill>
-        <a:effectLst/>
-      </p:bgPr>
-    </p:bg>
-    <p:spTree>
-      <p:nvGrpSpPr>
-        <p:cNvPr id="1" name=""/>
-        <p:cNvGrpSpPr/>
-        <p:nvPr/>
-      </p:nvGrpSpPr>
-      <p:grpSpPr>
-        <a:xfrm>
-          <a:off x="0" y="0"/>
-          <a:ext cx="0" cy="0"/>
-          <a:chOff x="0" y="0"/>
-          <a:chExt cx="0" cy="0"/>
-        </a:xfrm>
-      </p:grpSpPr>
-      <p:pic>
-        <p:nvPicPr>
-          <p:cNvPr id="5" name="Picture 4">
-            <a:extLst>
-              <a:ext uri="{FF2B5EF4-FFF2-40B4-BE49-F238E27FC236}">
-                <a16:creationId xmlns:a16="http://schemas.microsoft.com/office/drawing/2014/main" id="{B032D60E-8F54-0780-FBF7-4B6B6A876D29}"/>
-              </a:ext>
-            </a:extLst>
-          </p:cNvPr>
-          <p:cNvPicPr>
-            <a:picLocks noChangeAspect="1"/>
-          </p:cNvPicPr>
-          <p:nvPr/>
-        </p:nvPicPr>
-        <p:blipFill>
-          <a:blip r:embed="rId2"/>
-          <a:stretch>
-            <a:fillRect/>
-          </a:stretch>
-        </p:blipFill>
-        <p:spPr>
-          <a:xfrm>
-            <a:off x="458112" y="1007360"/>
-            <a:ext cx="4234904" cy="2911497"/>
-          </a:xfrm>
-          <a:prstGeom prst="rect">
-            <a:avLst/>
-          </a:prstGeom>
-        </p:spPr>
-      </p:pic>
-      <p:sp>
-        <p:nvSpPr>
-          <p:cNvPr id="15" name="TextBox 14">
-            <a:extLst>
-              <a:ext uri="{FF2B5EF4-FFF2-40B4-BE49-F238E27FC236}">
-                <a16:creationId xmlns:a16="http://schemas.microsoft.com/office/drawing/2014/main" id="{09D7C17B-F66C-6C74-CE6E-D91D15052AAB}"/>
-              </a:ext>
-            </a:extLst>
-          </p:cNvPr>
-          <p:cNvSpPr txBox="1"/>
-          <p:nvPr/>
-        </p:nvSpPr>
-        <p:spPr>
-          <a:xfrm>
-            <a:off x="2906643" y="2099686"/>
-            <a:ext cx="3616078" cy="276999"/>
-          </a:xfrm>
-          <a:prstGeom prst="rect">
-            <a:avLst/>
-          </a:prstGeom>
-          <a:noFill/>
-        </p:spPr>
-        <p:txBody>
-          <a:bodyPr wrap="square">
-            <a:spAutoFit/>
-          </a:bodyPr>
-          <a:lstStyle/>
-          <a:p>
-            <a:r>
-              <a:rPr lang="pt-BR" sz="1200" dirty="0">
-                <a:highlight>
-                  <a:srgbClr val="00FF00"/>
-                </a:highlight>
-              </a:rPr>
-              <a:t>https://github.com/israeljmcarvalho/portfolioicarvalho</a:t>
-            </a:r>
-          </a:p>
-        </p:txBody>
-      </p:sp>
-      <p:sp>
-        <p:nvSpPr>
-          <p:cNvPr id="17" name="TextBox 16">
-            <a:extLst>
-              <a:ext uri="{FF2B5EF4-FFF2-40B4-BE49-F238E27FC236}">
-                <a16:creationId xmlns:a16="http://schemas.microsoft.com/office/drawing/2014/main" id="{97408BF2-2C19-F3BB-A2DA-2347239F3016}"/>
-              </a:ext>
-            </a:extLst>
-          </p:cNvPr>
-          <p:cNvSpPr txBox="1"/>
-          <p:nvPr/>
-        </p:nvSpPr>
-        <p:spPr>
-          <a:xfrm>
-            <a:off x="3403655" y="2501208"/>
-            <a:ext cx="1838906" cy="261610"/>
-          </a:xfrm>
-          <a:prstGeom prst="rect">
-            <a:avLst/>
-          </a:prstGeom>
-          <a:noFill/>
-        </p:spPr>
-        <p:txBody>
-          <a:bodyPr wrap="square">
-            <a:spAutoFit/>
-          </a:bodyPr>
-          <a:lstStyle>
-            <a:defPPr>
-              <a:defRPr lang="pt-BR"/>
-            </a:defPPr>
-          </a:lstStyle>
-          <a:p>
-            <a:r>
-              <a:rPr lang="pt-BR" sz="1100" dirty="0">
-                <a:highlight>
-                  <a:srgbClr val="00FF00"/>
-                </a:highlight>
-              </a:rPr>
-              <a:t>http://54.233.191.133:3000/</a:t>
-            </a:r>
-          </a:p>
-        </p:txBody>
-      </p:sp>
-      <p:sp>
-        <p:nvSpPr>
-          <p:cNvPr id="21" name="TextBox 20">
-            <a:extLst>
-              <a:ext uri="{FF2B5EF4-FFF2-40B4-BE49-F238E27FC236}">
-                <a16:creationId xmlns:a16="http://schemas.microsoft.com/office/drawing/2014/main" id="{AF22E4CA-48D5-56B7-7FB8-E145EC6AD28C}"/>
-              </a:ext>
-            </a:extLst>
-          </p:cNvPr>
-          <p:cNvSpPr txBox="1"/>
-          <p:nvPr/>
-        </p:nvSpPr>
-        <p:spPr>
-          <a:xfrm>
-            <a:off x="2843072" y="2305558"/>
-            <a:ext cx="5226729" cy="276999"/>
-          </a:xfrm>
-          <a:prstGeom prst="rect">
-            <a:avLst/>
-          </a:prstGeom>
-          <a:noFill/>
-        </p:spPr>
-        <p:txBody>
-          <a:bodyPr wrap="square">
-            <a:spAutoFit/>
-          </a:bodyPr>
-          <a:lstStyle/>
-          <a:p>
-            <a:r>
-              <a:rPr lang="pt-BR" sz="1200" dirty="0">
-                <a:highlight>
-                  <a:srgbClr val="00FF00"/>
-                </a:highlight>
-              </a:rPr>
-              <a:t>https://sonarcloud.io/summary/overall?id=israeljmcarvalho_portfolioicarvalho</a:t>
-            </a:r>
-          </a:p>
-        </p:txBody>
-      </p:sp>
-    </p:spTree>
-    <p:extLst>
-      <p:ext uri="{BB962C8B-B14F-4D97-AF65-F5344CB8AC3E}">
-        <p14:creationId xmlns:p14="http://schemas.microsoft.com/office/powerpoint/2010/main" val="2018608426"/>
-      </p:ext>
-    </p:extLst>
-  </p:cSld>
-  <p:clrMapOvr>
-    <a:masterClrMapping/>
-  </p:clrMapOvr>
-</p:sld>
-</file>
-
 <file path=ppt/slides/slide2.xml><?xml version="1.0" encoding="utf-8"?>
 <p:sld xmlns:a="http://schemas.openxmlformats.org/drawingml/2006/main" xmlns:r="http://schemas.openxmlformats.org/officeDocument/2006/relationships" xmlns:p="http://schemas.openxmlformats.org/presentationml/2006/main">
   <p:cSld>
@@ -12402,66 +12212,6 @@
           <a:chExt cx="0" cy="0"/>
         </a:xfrm>
       </p:grpSpPr>
-      <p:sp useBgFill="1">
-        <p:nvSpPr>
-          <p:cNvPr id="12" name="Rectangle 11">
-            <a:extLst>
-              <a:ext uri="{FF2B5EF4-FFF2-40B4-BE49-F238E27FC236}">
-                <a16:creationId xmlns:a16="http://schemas.microsoft.com/office/drawing/2014/main" id="{201CC55D-ED54-4C5C-95E6-10947BD1103B}"/>
-              </a:ext>
-              <a:ext uri="{C183D7F6-B498-43B3-948B-1728B52AA6E4}">
-                <adec:decorative xmlns:adec="http://schemas.microsoft.com/office/drawing/2017/decorative" val="1"/>
-              </a:ext>
-            </a:extLst>
-          </p:cNvPr>
-          <p:cNvSpPr>
-            <a:spLocks noGrp="1" noRot="1" noChangeAspect="1" noMove="1" noResize="1" noEditPoints="1" noAdjustHandles="1" noChangeArrowheads="1" noChangeShapeType="1" noTextEdit="1"/>
-          </p:cNvSpPr>
-          <p:nvPr>
-            <p:extLst>
-              <p:ext uri="{386F3935-93C4-4BCD-93E2-E3B085C9AB24}">
-                <p16:designElem xmlns:p16="http://schemas.microsoft.com/office/powerpoint/2015/main" val="1"/>
-              </p:ext>
-            </p:extLst>
-          </p:nvPr>
-        </p:nvSpPr>
-        <p:spPr>
-          <a:xfrm>
-            <a:off x="0" y="0"/>
-            <a:ext cx="12191999" cy="6857365"/>
-          </a:xfrm>
-          <a:prstGeom prst="rect">
-            <a:avLst/>
-          </a:prstGeom>
-          <a:ln>
-            <a:noFill/>
-          </a:ln>
-        </p:spPr>
-        <p:style>
-          <a:lnRef idx="2">
-            <a:schemeClr val="accent1">
-              <a:shade val="50000"/>
-            </a:schemeClr>
-          </a:lnRef>
-          <a:fillRef idx="1">
-            <a:schemeClr val="accent1"/>
-          </a:fillRef>
-          <a:effectRef idx="0">
-            <a:schemeClr val="accent1"/>
-          </a:effectRef>
-          <a:fontRef idx="minor">
-            <a:schemeClr val="lt1"/>
-          </a:fontRef>
-        </p:style>
-        <p:txBody>
-          <a:bodyPr rtlCol="0" anchor="ctr"/>
-          <a:lstStyle/>
-          <a:p>
-            <a:pPr algn="ctr"/>
-            <a:endParaRPr lang="en-US"/>
-          </a:p>
-        </p:txBody>
-      </p:sp>
       <p:grpSp>
         <p:nvGrpSpPr>
           <p:cNvPr id="14" name="Group 13">
@@ -12826,7 +12576,7 @@
         </p:nvSpPr>
         <p:spPr>
           <a:xfrm>
-            <a:off x="9837220" y="4221174"/>
+            <a:off x="9886359" y="3346516"/>
             <a:ext cx="1289789" cy="584775"/>
           </a:xfrm>
           <a:prstGeom prst="rect">
@@ -13164,7 +12914,7 @@
         </p:blipFill>
         <p:spPr>
           <a:xfrm>
-            <a:off x="7907180" y="4152194"/>
+            <a:off x="7956319" y="3277536"/>
             <a:ext cx="1184602" cy="666339"/>
           </a:xfrm>
           <a:prstGeom prst="rect">
@@ -13200,7 +12950,7 @@
         </p:blipFill>
         <p:spPr>
           <a:xfrm>
-            <a:off x="7929299" y="2557550"/>
+            <a:off x="7978438" y="1936892"/>
             <a:ext cx="1064112" cy="641169"/>
           </a:xfrm>
           <a:prstGeom prst="rect">
@@ -13236,7 +12986,7 @@
         </p:blipFill>
         <p:spPr>
           <a:xfrm>
-            <a:off x="5854994" y="2578061"/>
+            <a:off x="5904133" y="1957403"/>
             <a:ext cx="1743346" cy="611780"/>
           </a:xfrm>
           <a:prstGeom prst="rect">
@@ -13272,7 +13022,7 @@
         </p:blipFill>
         <p:spPr>
           <a:xfrm>
-            <a:off x="6442422" y="4164780"/>
+            <a:off x="6491561" y="3290122"/>
             <a:ext cx="641169" cy="641169"/>
           </a:xfrm>
           <a:prstGeom prst="rect">
@@ -13308,7 +13058,7 @@
         </p:blipFill>
         <p:spPr>
           <a:xfrm>
-            <a:off x="9206793" y="2286848"/>
+            <a:off x="9255932" y="1666190"/>
             <a:ext cx="2181530" cy="1211961"/>
           </a:xfrm>
           <a:prstGeom prst="rect">
@@ -13389,6 +13139,83 @@
           </a:p>
         </p:txBody>
       </p:sp>
+      <p:pic>
+        <p:nvPicPr>
+          <p:cNvPr id="1026" name="Picture 2" descr="Media Assets | New Relic">
+            <a:extLst>
+              <a:ext uri="{FF2B5EF4-FFF2-40B4-BE49-F238E27FC236}">
+                <a16:creationId xmlns:a16="http://schemas.microsoft.com/office/drawing/2014/main" id="{BE4E5674-0AFA-041C-8E8D-7A05655F73F8}"/>
+              </a:ext>
+            </a:extLst>
+          </p:cNvPr>
+          <p:cNvPicPr>
+            <a:picLocks noChangeAspect="1" noChangeArrowheads="1"/>
+          </p:cNvPicPr>
+          <p:nvPr/>
+        </p:nvPicPr>
+        <p:blipFill>
+          <a:blip r:embed="rId8">
+            <a:extLst>
+              <a:ext uri="{28A0092B-C50C-407E-A947-70E740481C1C}">
+                <a14:useLocalDpi xmlns:a14="http://schemas.microsoft.com/office/drawing/2010/main" val="0"/>
+              </a:ext>
+            </a:extLst>
+          </a:blip>
+          <a:srcRect/>
+          <a:stretch>
+            <a:fillRect/>
+          </a:stretch>
+        </p:blipFill>
+        <p:spPr bwMode="auto">
+          <a:xfrm>
+            <a:off x="6555061" y="4589438"/>
+            <a:ext cx="1625360" cy="316183"/>
+          </a:xfrm>
+          <a:prstGeom prst="rect">
+            <a:avLst/>
+          </a:prstGeom>
+          <a:noFill/>
+          <a:extLst>
+            <a:ext uri="{909E8E84-426E-40DD-AFC4-6F175D3DCCD1}">
+              <a14:hiddenFill xmlns:a14="http://schemas.microsoft.com/office/drawing/2010/main">
+                <a:solidFill>
+                  <a:srgbClr val="FFFFFF"/>
+                </a:solidFill>
+              </a14:hiddenFill>
+            </a:ext>
+          </a:extLst>
+        </p:spPr>
+      </p:pic>
+      <p:pic>
+        <p:nvPicPr>
+          <p:cNvPr id="13" name="Picture 12">
+            <a:extLst>
+              <a:ext uri="{FF2B5EF4-FFF2-40B4-BE49-F238E27FC236}">
+                <a16:creationId xmlns:a16="http://schemas.microsoft.com/office/drawing/2014/main" id="{2CFC6777-AAC3-DDE0-413E-B3ED739E80D5}"/>
+              </a:ext>
+            </a:extLst>
+          </p:cNvPr>
+          <p:cNvPicPr>
+            <a:picLocks noChangeAspect="1"/>
+          </p:cNvPicPr>
+          <p:nvPr/>
+        </p:nvPicPr>
+        <p:blipFill>
+          <a:blip r:embed="rId9"/>
+          <a:stretch>
+            <a:fillRect/>
+          </a:stretch>
+        </p:blipFill>
+        <p:spPr>
+          <a:xfrm>
+            <a:off x="9252746" y="4556673"/>
+            <a:ext cx="1803728" cy="381713"/>
+          </a:xfrm>
+          <a:prstGeom prst="rect">
+            <a:avLst/>
+          </a:prstGeom>
+        </p:spPr>
+      </p:pic>
     </p:spTree>
     <p:extLst>
       <p:ext uri="{BB962C8B-B14F-4D97-AF65-F5344CB8AC3E}">
@@ -13408,7 +13235,7 @@
     <p:bg>
       <p:bgPr>
         <a:solidFill>
-          <a:srgbClr val="FF0000"/>
+          <a:schemeClr val="bg1"/>
         </a:solidFill>
         <a:effectLst/>
       </p:bgPr>
@@ -13852,7 +13679,7 @@
         <p:spPr>
           <a:xfrm>
             <a:off x="355196" y="2757020"/>
-            <a:ext cx="5741931" cy="2308324"/>
+            <a:ext cx="8344304" cy="3359061"/>
           </a:xfrm>
           <a:prstGeom prst="rect">
             <a:avLst/>
@@ -13866,6 +13693,9 @@
           <a:lstStyle/>
           <a:p>
             <a:pPr lvl="2" indent="-342900">
+              <a:lnSpc>
+                <a:spcPct val="150000"/>
+              </a:lnSpc>
               <a:buFont typeface="Arial" panose="020B0604020202020204" pitchFamily="34" charset="0"/>
               <a:buChar char="•"/>
               <a:defRPr/>
@@ -13904,6 +13734,9 @@
           </a:p>
           <a:p>
             <a:pPr lvl="2" indent="-342900">
+              <a:lnSpc>
+                <a:spcPct val="150000"/>
+              </a:lnSpc>
               <a:buFont typeface="Arial" panose="020B0604020202020204" pitchFamily="34" charset="0"/>
               <a:buChar char="•"/>
               <a:defRPr/>
@@ -13915,11 +13748,32 @@
                 </a:solidFill>
                 <a:latin typeface="+mj-lt"/>
               </a:rPr>
-              <a:t>Testes Unitários</a:t>
+              <a:t>Testes Unitários (</a:t>
+            </a:r>
+            <a:r>
+              <a:rPr lang="pt-BR" sz="2400" b="1" dirty="0" err="1">
+                <a:solidFill>
+                  <a:prstClr val="black"/>
+                </a:solidFill>
+                <a:latin typeface="+mj-lt"/>
+              </a:rPr>
+              <a:t>Jest</a:t>
+            </a:r>
+            <a:r>
+              <a:rPr lang="pt-BR" sz="2400" b="1" dirty="0">
+                <a:solidFill>
+                  <a:prstClr val="black"/>
+                </a:solidFill>
+                <a:latin typeface="+mj-lt"/>
+              </a:rPr>
+              <a:t>)</a:t>
             </a:r>
           </a:p>
           <a:p>
             <a:pPr lvl="2" indent="-342900">
+              <a:lnSpc>
+                <a:spcPct val="150000"/>
+              </a:lnSpc>
               <a:buFont typeface="Arial" panose="020B0604020202020204" pitchFamily="34" charset="0"/>
               <a:buChar char="•"/>
               <a:defRPr/>
@@ -13931,11 +13785,14 @@
                 </a:solidFill>
                 <a:latin typeface="+mj-lt"/>
               </a:rPr>
-              <a:t>Cobertura</a:t>
+              <a:t>Cobertura (Sonar)</a:t>
             </a:r>
           </a:p>
           <a:p>
             <a:pPr lvl="2" indent="-342900">
+              <a:lnSpc>
+                <a:spcPct val="150000"/>
+              </a:lnSpc>
               <a:buFont typeface="Arial" panose="020B0604020202020204" pitchFamily="34" charset="0"/>
               <a:buChar char="•"/>
               <a:defRPr/>
@@ -13956,11 +13813,14 @@
                 </a:solidFill>
                 <a:latin typeface="+mj-lt"/>
               </a:rPr>
-              <a:t> em produção</a:t>
+              <a:t> em produção (AWS)</a:t>
             </a:r>
           </a:p>
           <a:p>
             <a:pPr lvl="2" indent="-342900">
+              <a:lnSpc>
+                <a:spcPct val="150000"/>
+              </a:lnSpc>
               <a:buFont typeface="Arial" panose="020B0604020202020204" pitchFamily="34" charset="0"/>
               <a:buChar char="•"/>
               <a:defRPr/>
@@ -13972,11 +13832,14 @@
                 </a:solidFill>
                 <a:latin typeface="+mj-lt"/>
               </a:rPr>
-              <a:t>Pipeline de CI/CD e monitoramento</a:t>
+              <a:t>Pipeline de CI/CD (Github CI/CD)</a:t>
             </a:r>
           </a:p>
           <a:p>
             <a:pPr lvl="2" indent="-342900">
+              <a:lnSpc>
+                <a:spcPct val="150000"/>
+              </a:lnSpc>
               <a:buFont typeface="Arial" panose="020B0604020202020204" pitchFamily="34" charset="0"/>
               <a:buChar char="•"/>
               <a:defRPr/>
@@ -13988,14 +13851,45 @@
                 </a:solidFill>
                 <a:latin typeface="+mj-lt"/>
               </a:rPr>
-              <a:t>Sonar</a:t>
-            </a:r>
-            <a:endParaRPr lang="pt-BR" sz="2400" b="1" dirty="0">
-              <a:solidFill>
-                <a:prstClr val="black"/>
-              </a:solidFill>
-              <a:latin typeface="+mj-lt"/>
-            </a:endParaRPr>
+              <a:t>Monitoramento (NewRelic)</a:t>
+            </a:r>
+          </a:p>
+        </p:txBody>
+      </p:sp>
+      <p:sp>
+        <p:nvSpPr>
+          <p:cNvPr id="21" name="TextBox 20">
+            <a:extLst>
+              <a:ext uri="{FF2B5EF4-FFF2-40B4-BE49-F238E27FC236}">
+                <a16:creationId xmlns:a16="http://schemas.microsoft.com/office/drawing/2014/main" id="{D2B0B4CE-7B37-7CA8-7B23-722C1C24D572}"/>
+              </a:ext>
+            </a:extLst>
+          </p:cNvPr>
+          <p:cNvSpPr txBox="1"/>
+          <p:nvPr/>
+        </p:nvSpPr>
+        <p:spPr>
+          <a:xfrm>
+            <a:off x="761056" y="964999"/>
+            <a:ext cx="3184620" cy="584775"/>
+          </a:xfrm>
+          <a:prstGeom prst="rect">
+            <a:avLst/>
+          </a:prstGeom>
+          <a:noFill/>
+        </p:spPr>
+        <p:txBody>
+          <a:bodyPr wrap="square">
+            <a:spAutoFit/>
+          </a:bodyPr>
+          <a:lstStyle/>
+          <a:p>
+            <a:r>
+              <a:rPr lang="pt-BR" sz="3200" b="1" dirty="0">
+                <a:latin typeface="+mj-lt"/>
+              </a:rPr>
+              <a:t>Estrutura </a:t>
+            </a:r>
           </a:p>
         </p:txBody>
       </p:sp>
@@ -14018,7 +13912,7 @@
     <p:bg>
       <p:bgPr>
         <a:solidFill>
-          <a:srgbClr val="FF0000"/>
+          <a:schemeClr val="bg1"/>
         </a:solidFill>
         <a:effectLst/>
       </p:bgPr>
@@ -14461,7 +14355,7 @@
         </p:nvSpPr>
         <p:spPr>
           <a:xfrm>
-            <a:off x="574580" y="469802"/>
+            <a:off x="665085" y="752897"/>
             <a:ext cx="1289789" cy="584775"/>
           </a:xfrm>
           <a:prstGeom prst="rect">
@@ -14693,7 +14587,7 @@
                 </a:solidFill>
                 <a:latin typeface="+mj-lt"/>
               </a:rPr>
-              <a:t>, R e PM2 (para rodar </a:t>
+              <a:t>, R, PM2 (para rodar </a:t>
             </a:r>
             <a:r>
               <a:rPr lang="pt-BR" sz="2000" dirty="0" err="1">
@@ -14711,7 +14605,25 @@
                 </a:solidFill>
                 <a:latin typeface="+mj-lt"/>
               </a:rPr>
-              <a:t>)</a:t>
+              <a:t>)  e </a:t>
+            </a:r>
+            <a:r>
+              <a:rPr lang="pt-BR" sz="2000" dirty="0" err="1">
+                <a:solidFill>
+                  <a:prstClr val="black"/>
+                </a:solidFill>
+                <a:latin typeface="+mj-lt"/>
+              </a:rPr>
+              <a:t>NewRelic</a:t>
+            </a:r>
+            <a:r>
+              <a:rPr lang="pt-BR" sz="2000" dirty="0">
+                <a:solidFill>
+                  <a:prstClr val="black"/>
+                </a:solidFill>
+                <a:latin typeface="+mj-lt"/>
+              </a:rPr>
+              <a:t> (Monitoramento)</a:t>
             </a:r>
           </a:p>
           <a:p>

--- a/slides/Slides Portfólio Israel J. M. Carvalho.pptx
+++ b/slides/Slides Portfólio Israel J. M. Carvalho.pptx
@@ -19,6 +19,7 @@
     <p:sldId id="272" r:id="rId13"/>
     <p:sldId id="280" r:id="rId14"/>
     <p:sldId id="282" r:id="rId15"/>
+    <p:sldId id="287" r:id="rId16"/>
   </p:sldIdLst>
   <p:sldSz cx="12192000" cy="6858000"/>
   <p:notesSz cx="6858000" cy="9144000"/>
@@ -401,7 +402,7 @@
           <a:p>
             <a:fld id="{588D7303-1349-4B3B-906B-0AD17F7A84D3}" type="datetimeFigureOut">
               <a:rPr lang="pt-BR" smtClean="0"/>
-              <a:t>30/11/2023</a:t>
+              <a:t>05/12/2023</a:t>
             </a:fld>
             <a:endParaRPr lang="pt-BR"/>
           </a:p>
@@ -609,7 +610,7 @@
           <a:p>
             <a:fld id="{588D7303-1349-4B3B-906B-0AD17F7A84D3}" type="datetimeFigureOut">
               <a:rPr lang="pt-BR" smtClean="0"/>
-              <a:t>30/11/2023</a:t>
+              <a:t>05/12/2023</a:t>
             </a:fld>
             <a:endParaRPr lang="pt-BR"/>
           </a:p>
@@ -807,7 +808,7 @@
           <a:p>
             <a:fld id="{588D7303-1349-4B3B-906B-0AD17F7A84D3}" type="datetimeFigureOut">
               <a:rPr lang="pt-BR" smtClean="0"/>
-              <a:t>30/11/2023</a:t>
+              <a:t>05/12/2023</a:t>
             </a:fld>
             <a:endParaRPr lang="pt-BR"/>
           </a:p>
@@ -1082,7 +1083,7 @@
           <a:p>
             <a:fld id="{588D7303-1349-4B3B-906B-0AD17F7A84D3}" type="datetimeFigureOut">
               <a:rPr lang="pt-BR" smtClean="0"/>
-              <a:t>30/11/2023</a:t>
+              <a:t>05/12/2023</a:t>
             </a:fld>
             <a:endParaRPr lang="pt-BR"/>
           </a:p>
@@ -1347,7 +1348,7 @@
           <a:p>
             <a:fld id="{588D7303-1349-4B3B-906B-0AD17F7A84D3}" type="datetimeFigureOut">
               <a:rPr lang="pt-BR" smtClean="0"/>
-              <a:t>30/11/2023</a:t>
+              <a:t>05/12/2023</a:t>
             </a:fld>
             <a:endParaRPr lang="pt-BR"/>
           </a:p>
@@ -1759,7 +1760,7 @@
           <a:p>
             <a:fld id="{588D7303-1349-4B3B-906B-0AD17F7A84D3}" type="datetimeFigureOut">
               <a:rPr lang="pt-BR" smtClean="0"/>
-              <a:t>30/11/2023</a:t>
+              <a:t>05/12/2023</a:t>
             </a:fld>
             <a:endParaRPr lang="pt-BR"/>
           </a:p>
@@ -1900,7 +1901,7 @@
           <a:p>
             <a:fld id="{588D7303-1349-4B3B-906B-0AD17F7A84D3}" type="datetimeFigureOut">
               <a:rPr lang="pt-BR" smtClean="0"/>
-              <a:t>30/11/2023</a:t>
+              <a:t>05/12/2023</a:t>
             </a:fld>
             <a:endParaRPr lang="pt-BR"/>
           </a:p>
@@ -2013,7 +2014,7 @@
           <a:p>
             <a:fld id="{588D7303-1349-4B3B-906B-0AD17F7A84D3}" type="datetimeFigureOut">
               <a:rPr lang="pt-BR" smtClean="0"/>
-              <a:t>30/11/2023</a:t>
+              <a:t>05/12/2023</a:t>
             </a:fld>
             <a:endParaRPr lang="pt-BR"/>
           </a:p>
@@ -2324,7 +2325,7 @@
           <a:p>
             <a:fld id="{588D7303-1349-4B3B-906B-0AD17F7A84D3}" type="datetimeFigureOut">
               <a:rPr lang="pt-BR" smtClean="0"/>
-              <a:t>30/11/2023</a:t>
+              <a:t>05/12/2023</a:t>
             </a:fld>
             <a:endParaRPr lang="pt-BR"/>
           </a:p>
@@ -2612,7 +2613,7 @@
           <a:p>
             <a:fld id="{588D7303-1349-4B3B-906B-0AD17F7A84D3}" type="datetimeFigureOut">
               <a:rPr lang="pt-BR" smtClean="0"/>
-              <a:t>30/11/2023</a:t>
+              <a:t>05/12/2023</a:t>
             </a:fld>
             <a:endParaRPr lang="pt-BR"/>
           </a:p>
@@ -2862,7 +2863,7 @@
           <a:p>
             <a:fld id="{588D7303-1349-4B3B-906B-0AD17F7A84D3}" type="datetimeFigureOut">
               <a:rPr lang="pt-BR" smtClean="0"/>
-              <a:t>30/11/2023</a:t>
+              <a:t>05/12/2023</a:t>
             </a:fld>
             <a:endParaRPr lang="pt-BR"/>
           </a:p>
@@ -3772,12 +3773,14 @@
           <a:p>
             <a:r>
               <a:rPr lang="pt-BR" sz="2800" b="1" dirty="0" err="1">
-                <a:latin typeface="+mj-lt"/>
+                <a:latin typeface="72 Black" panose="020B0A04030603020204" pitchFamily="34" charset="0"/>
+                <a:cs typeface="72 Black" panose="020B0A04030603020204" pitchFamily="34" charset="0"/>
               </a:rPr>
               <a:t>DataScience</a:t>
             </a:r>
             <a:endParaRPr lang="pt-BR" sz="2800" b="1" dirty="0">
-              <a:latin typeface="+mj-lt"/>
+              <a:latin typeface="72 Black" panose="020B0A04030603020204" pitchFamily="34" charset="0"/>
+              <a:cs typeface="72 Black" panose="020B0A04030603020204" pitchFamily="34" charset="0"/>
             </a:endParaRPr>
           </a:p>
           <a:p>
@@ -7318,7 +7321,7 @@
               <a:rPr lang="pt-BR" sz="3200" b="1" dirty="0">
                 <a:latin typeface="+mj-lt"/>
               </a:rPr>
-              <a:t>Considerações Finais</a:t>
+              <a:t>Desafios e Aprendizados</a:t>
             </a:r>
           </a:p>
         </p:txBody>
@@ -7390,7 +7393,7 @@
         <p:spPr>
           <a:xfrm>
             <a:off x="43681" y="2713871"/>
-            <a:ext cx="11091914" cy="1429622"/>
+            <a:ext cx="11091914" cy="967957"/>
           </a:xfrm>
           <a:prstGeom prst="rect">
             <a:avLst/>
@@ -7412,6 +7415,23 @@
               <a:defRPr/>
             </a:pPr>
             <a:r>
+              <a:rPr kumimoji="0" lang="pt-BR" sz="2000" b="1" i="0" u="none" strike="noStrike" kern="1200" cap="none" spc="0" normalizeH="0" baseline="0" noProof="0" dirty="0" err="1">
+                <a:ln>
+                  <a:noFill/>
+                </a:ln>
+                <a:solidFill>
+                  <a:prstClr val="black"/>
+                </a:solidFill>
+                <a:effectLst/>
+                <a:uLnTx/>
+                <a:uFillTx/>
+                <a:latin typeface="+mj-lt"/>
+                <a:ea typeface="+mn-ea"/>
+                <a:cs typeface="+mn-cs"/>
+              </a:rPr>
+              <a:t>Algorítimo</a:t>
+            </a:r>
+            <a:r>
               <a:rPr kumimoji="0" lang="pt-BR" sz="2000" b="1" i="0" u="none" strike="noStrike" kern="1200" cap="none" spc="0" normalizeH="0" baseline="0" noProof="0" dirty="0">
                 <a:ln>
                   <a:noFill/>
@@ -7426,8 +7446,39 @@
                 <a:ea typeface="+mn-ea"/>
                 <a:cs typeface="+mn-cs"/>
               </a:rPr>
-              <a:t>Grande potencial a ser explorado</a:t>
-            </a:r>
+              <a:t> </a:t>
+            </a:r>
+            <a:r>
+              <a:rPr kumimoji="0" lang="pt-BR" sz="2000" b="1" i="0" u="none" strike="noStrike" kern="1200" cap="none" spc="0" normalizeH="0" baseline="0" noProof="0" dirty="0" err="1">
+                <a:ln>
+                  <a:noFill/>
+                </a:ln>
+                <a:solidFill>
+                  <a:prstClr val="black"/>
+                </a:solidFill>
+                <a:effectLst/>
+                <a:uLnTx/>
+                <a:uFillTx/>
+                <a:latin typeface="+mj-lt"/>
+                <a:ea typeface="+mn-ea"/>
+                <a:cs typeface="+mn-cs"/>
+              </a:rPr>
+              <a:t>Clustering</a:t>
+            </a:r>
+            <a:endParaRPr kumimoji="0" lang="pt-BR" sz="2000" b="1" i="0" u="none" strike="noStrike" kern="1200" cap="none" spc="0" normalizeH="0" baseline="0" noProof="0" dirty="0">
+              <a:ln>
+                <a:noFill/>
+              </a:ln>
+              <a:solidFill>
+                <a:prstClr val="black"/>
+              </a:solidFill>
+              <a:effectLst/>
+              <a:uLnTx/>
+              <a:uFillTx/>
+              <a:latin typeface="+mj-lt"/>
+              <a:ea typeface="+mn-ea"/>
+              <a:cs typeface="+mn-cs"/>
+            </a:endParaRPr>
           </a:p>
           <a:p>
             <a:pPr marL="1257300" lvl="2" indent="-342900">
@@ -7445,35 +7496,22 @@
                 </a:solidFill>
                 <a:latin typeface="+mj-lt"/>
               </a:rPr>
-              <a:t>Vasta área ainda inexplorada</a:t>
-            </a:r>
-          </a:p>
-          <a:p>
-            <a:pPr marL="1257300" lvl="2" indent="-342900">
-              <a:lnSpc>
-                <a:spcPct val="150000"/>
-              </a:lnSpc>
-              <a:buFontTx/>
-              <a:buChar char="-"/>
-              <a:defRPr/>
-            </a:pPr>
-            <a:r>
-              <a:rPr kumimoji="0" lang="pt-BR" sz="2000" b="1" i="0" u="none" strike="noStrike" kern="1200" cap="none" spc="0" normalizeH="0" baseline="0" noProof="0" dirty="0">
-                <a:ln>
-                  <a:noFill/>
-                </a:ln>
-                <a:solidFill>
-                  <a:prstClr val="black"/>
-                </a:solidFill>
-                <a:effectLst/>
-                <a:uLnTx/>
-                <a:uFillTx/>
-                <a:latin typeface="+mj-lt"/>
-                <a:ea typeface="+mn-ea"/>
-                <a:cs typeface="+mn-cs"/>
-              </a:rPr>
-              <a:t>Possibilidade de mudar a história através da análise de dados</a:t>
-            </a:r>
+              <a:t>Distribuição Web</a:t>
+            </a:r>
+            <a:endParaRPr kumimoji="0" lang="pt-BR" sz="2000" b="1" i="0" u="none" strike="noStrike" kern="1200" cap="none" spc="0" normalizeH="0" baseline="0" noProof="0" dirty="0">
+              <a:ln>
+                <a:noFill/>
+              </a:ln>
+              <a:solidFill>
+                <a:prstClr val="black"/>
+              </a:solidFill>
+              <a:effectLst/>
+              <a:uLnTx/>
+              <a:uFillTx/>
+              <a:latin typeface="+mj-lt"/>
+              <a:ea typeface="+mn-ea"/>
+              <a:cs typeface="+mn-cs"/>
+            </a:endParaRPr>
           </a:p>
         </p:txBody>
       </p:sp>
@@ -7490,7 +7528,7 @@
 </p:sld>
 </file>
 
-<file path=ppt/slides/slide2.xml><?xml version="1.0" encoding="utf-8"?>
+<file path=ppt/slides/slide15.xml><?xml version="1.0" encoding="utf-8"?>
 <p:sld xmlns:a="http://schemas.openxmlformats.org/drawingml/2006/main" xmlns:r="http://schemas.openxmlformats.org/officeDocument/2006/relationships" xmlns:p="http://schemas.openxmlformats.org/presentationml/2006/main">
   <p:cSld>
     <p:bg>
@@ -7940,7 +7978,7 @@
         <p:spPr>
           <a:xfrm>
             <a:off x="665085" y="1172169"/>
-            <a:ext cx="6836546" cy="584775"/>
+            <a:ext cx="4297680" cy="584775"/>
           </a:xfrm>
           <a:prstGeom prst="rect">
             <a:avLst/>
@@ -7957,29 +7995,69 @@
               <a:rPr lang="pt-BR" sz="3200" b="1" dirty="0">
                 <a:latin typeface="+mj-lt"/>
               </a:rPr>
-              <a:t>Cenário Atual </a:t>
-            </a:r>
-            <a:r>
-              <a:rPr lang="pt-BR" sz="3200" b="1" i="1" dirty="0" err="1">
-                <a:latin typeface="+mj-lt"/>
-              </a:rPr>
-              <a:t>vs</a:t>
-            </a:r>
-            <a:r>
-              <a:rPr lang="pt-BR" sz="3200" b="1" dirty="0">
-                <a:latin typeface="+mj-lt"/>
-              </a:rPr>
-              <a:t> Oportunidade</a:t>
+              <a:t>Considerações Finais</a:t>
             </a:r>
           </a:p>
         </p:txBody>
       </p:sp>
       <p:sp>
         <p:nvSpPr>
-          <p:cNvPr id="25" name="TextBox 24">
-            <a:extLst>
-              <a:ext uri="{FF2B5EF4-FFF2-40B4-BE49-F238E27FC236}">
-                <a16:creationId xmlns:a16="http://schemas.microsoft.com/office/drawing/2014/main" id="{87731077-956E-C74D-D33E-AEF60C297989}"/>
+          <p:cNvPr id="10" name="Rectangle 9">
+            <a:extLst>
+              <a:ext uri="{FF2B5EF4-FFF2-40B4-BE49-F238E27FC236}">
+                <a16:creationId xmlns:a16="http://schemas.microsoft.com/office/drawing/2014/main" id="{595E0489-8DDD-EE93-B311-E4A8EA20C93C}"/>
+              </a:ext>
+            </a:extLst>
+          </p:cNvPr>
+          <p:cNvSpPr/>
+          <p:nvPr/>
+        </p:nvSpPr>
+        <p:spPr>
+          <a:xfrm>
+            <a:off x="5211097" y="206477"/>
+            <a:ext cx="5486573" cy="6449962"/>
+          </a:xfrm>
+          <a:prstGeom prst="rect">
+            <a:avLst/>
+          </a:prstGeom>
+          <a:solidFill>
+            <a:schemeClr val="bg1"/>
+          </a:solidFill>
+          <a:ln>
+            <a:noFill/>
+          </a:ln>
+        </p:spPr>
+        <p:style>
+          <a:lnRef idx="2">
+            <a:schemeClr val="accent1">
+              <a:shade val="50000"/>
+            </a:schemeClr>
+          </a:lnRef>
+          <a:fillRef idx="1">
+            <a:schemeClr val="accent1"/>
+          </a:fillRef>
+          <a:effectRef idx="0">
+            <a:schemeClr val="accent1"/>
+          </a:effectRef>
+          <a:fontRef idx="minor">
+            <a:schemeClr val="lt1"/>
+          </a:fontRef>
+        </p:style>
+        <p:txBody>
+          <a:bodyPr rtlCol="0" anchor="ctr"/>
+          <a:lstStyle/>
+          <a:p>
+            <a:pPr algn="ctr"/>
+            <a:endParaRPr lang="pt-BR"/>
+          </a:p>
+        </p:txBody>
+      </p:sp>
+      <p:sp>
+        <p:nvSpPr>
+          <p:cNvPr id="9" name="TextBox 8">
+            <a:extLst>
+              <a:ext uri="{FF2B5EF4-FFF2-40B4-BE49-F238E27FC236}">
+                <a16:creationId xmlns:a16="http://schemas.microsoft.com/office/drawing/2014/main" id="{3B8F9553-96F6-7288-1069-6E70F2AD7D5E}"/>
               </a:ext>
             </a:extLst>
           </p:cNvPr>
@@ -7988,8 +8066,8 @@
         </p:nvSpPr>
         <p:spPr>
           <a:xfrm>
-            <a:off x="753576" y="2539841"/>
-            <a:ext cx="8870822" cy="461665"/>
+            <a:off x="43681" y="2713871"/>
+            <a:ext cx="11091914" cy="1429622"/>
           </a:xfrm>
           <a:prstGeom prst="rect">
             <a:avLst/>
@@ -8002,8 +8080,16 @@
           </a:bodyPr>
           <a:lstStyle/>
           <a:p>
-            <a:r>
-              <a:rPr kumimoji="0" lang="pt-BR" sz="2400" b="1" i="0" u="none" strike="noStrike" kern="1200" cap="none" spc="0" normalizeH="0" baseline="0" noProof="0" dirty="0">
+            <a:pPr marL="1257300" lvl="2" indent="-342900">
+              <a:lnSpc>
+                <a:spcPct val="150000"/>
+              </a:lnSpc>
+              <a:buFontTx/>
+              <a:buChar char="-"/>
+              <a:defRPr/>
+            </a:pPr>
+            <a:r>
+              <a:rPr kumimoji="0" lang="pt-BR" sz="2000" b="1" i="0" u="none" strike="noStrike" kern="1200" cap="none" spc="0" normalizeH="0" baseline="0" noProof="0" dirty="0">
                 <a:ln>
                   <a:noFill/>
                 </a:ln>
@@ -8017,50 +8103,10 @@
                 <a:ea typeface="+mn-ea"/>
                 <a:cs typeface="+mn-cs"/>
               </a:rPr>
-              <a:t>Método tradicionalmente praticado para analisar Pacientes</a:t>
-            </a:r>
-            <a:endParaRPr lang="pt-BR" sz="2400" b="1" dirty="0">
-              <a:latin typeface="+mj-lt"/>
-            </a:endParaRPr>
-          </a:p>
-        </p:txBody>
-      </p:sp>
-      <p:sp>
-        <p:nvSpPr>
-          <p:cNvPr id="13" name="Espaço Reservado para Conteúdo 2">
-            <a:extLst>
-              <a:ext uri="{FF2B5EF4-FFF2-40B4-BE49-F238E27FC236}">
-                <a16:creationId xmlns:a16="http://schemas.microsoft.com/office/drawing/2014/main" id="{D0F088F0-4EE0-6035-3407-FBA6F579EA81}"/>
-              </a:ext>
-            </a:extLst>
-          </p:cNvPr>
-          <p:cNvSpPr>
-            <a:spLocks noGrp="1"/>
-          </p:cNvSpPr>
-          <p:nvPr>
-            <p:ph idx="1"/>
-          </p:nvPr>
-        </p:nvSpPr>
-        <p:spPr>
-          <a:xfrm>
-            <a:off x="713978" y="3131731"/>
-            <a:ext cx="9943662" cy="1329462"/>
-          </a:xfrm>
-        </p:spPr>
-        <p:txBody>
-          <a:bodyPr>
-            <a:noAutofit/>
-          </a:bodyPr>
-          <a:lstStyle/>
-          <a:p>
-            <a:pPr>
-              <a:lnSpc>
-                <a:spcPct val="100000"/>
-              </a:lnSpc>
-              <a:defRPr/>
-            </a:pPr>
-            <a:r>
-              <a:rPr kumimoji="0" lang="pt-BR" sz="2000" b="0" i="0" u="none" strike="noStrike" kern="1200" cap="none" spc="0" normalizeH="0" baseline="0" noProof="0" dirty="0">
+              <a:t>Grande potencial a ser explorado (</a:t>
+            </a:r>
+            <a:r>
+              <a:rPr kumimoji="0" lang="pt-BR" sz="2000" b="1" i="0" u="none" strike="noStrike" kern="1200" cap="none" spc="0" normalizeH="0" baseline="0" noProof="0" dirty="0" err="1">
                 <a:ln>
                   <a:noFill/>
                 </a:ln>
@@ -8074,18 +8120,10 @@
                 <a:ea typeface="+mn-ea"/>
                 <a:cs typeface="+mn-cs"/>
               </a:rPr>
-              <a:t>Dificuldades em analisar dados</a:t>
-            </a:r>
-          </a:p>
-          <a:p>
-            <a:pPr>
-              <a:lnSpc>
-                <a:spcPct val="100000"/>
-              </a:lnSpc>
-              <a:defRPr/>
-            </a:pPr>
-            <a:r>
-              <a:rPr kumimoji="0" lang="pt-BR" sz="1800" b="0" i="0" u="none" strike="noStrike" kern="1200" cap="none" spc="0" normalizeH="0" baseline="0" noProof="0" dirty="0">
+              <a:t>DataSciece</a:t>
+            </a:r>
+            <a:r>
+              <a:rPr kumimoji="0" lang="pt-BR" sz="2000" b="1" i="0" u="none" strike="noStrike" kern="1200" cap="none" spc="0" normalizeH="0" baseline="0" noProof="0" dirty="0">
                 <a:ln>
                   <a:noFill/>
                 </a:ln>
@@ -8099,107 +8137,10 @@
                 <a:ea typeface="+mn-ea"/>
                 <a:cs typeface="+mn-cs"/>
               </a:rPr>
-              <a:t>Dificuldades em agrupar pacientes</a:t>
-            </a:r>
-          </a:p>
-          <a:p>
-            <a:pPr>
-              <a:lnSpc>
-                <a:spcPct val="100000"/>
-              </a:lnSpc>
-              <a:defRPr/>
-            </a:pPr>
-            <a:r>
-              <a:rPr lang="pt-BR" sz="1800" dirty="0">
-                <a:solidFill>
-                  <a:prstClr val="black"/>
-                </a:solidFill>
-                <a:latin typeface="+mj-lt"/>
-              </a:rPr>
-              <a:t>Ponderação arbitrária na hora de comparar um paciente com outro (sob a ótica do paciente completo)</a:t>
-            </a:r>
-          </a:p>
-        </p:txBody>
-      </p:sp>
-      <p:sp>
-        <p:nvSpPr>
-          <p:cNvPr id="17" name="TextBox 16">
-            <a:extLst>
-              <a:ext uri="{FF2B5EF4-FFF2-40B4-BE49-F238E27FC236}">
-                <a16:creationId xmlns:a16="http://schemas.microsoft.com/office/drawing/2014/main" id="{C98D631E-6799-45D0-B68A-0D808199FEFE}"/>
-              </a:ext>
-            </a:extLst>
-          </p:cNvPr>
-          <p:cNvSpPr txBox="1"/>
-          <p:nvPr/>
-        </p:nvSpPr>
-        <p:spPr>
-          <a:xfrm>
-            <a:off x="713978" y="4651833"/>
-            <a:ext cx="8870822" cy="461665"/>
-          </a:xfrm>
-          <a:prstGeom prst="rect">
-            <a:avLst/>
-          </a:prstGeom>
-          <a:noFill/>
-        </p:spPr>
-        <p:txBody>
-          <a:bodyPr wrap="square">
-            <a:spAutoFit/>
-          </a:bodyPr>
-          <a:lstStyle/>
-          <a:p>
-            <a:r>
-              <a:rPr lang="pt-BR" sz="2400" b="1" dirty="0">
-                <a:solidFill>
-                  <a:prstClr val="black"/>
-                </a:solidFill>
-                <a:latin typeface="+mj-lt"/>
-              </a:rPr>
-              <a:t>Grande oportunidade</a:t>
-            </a:r>
-            <a:endParaRPr lang="pt-BR" sz="2400" b="1" dirty="0">
-              <a:latin typeface="+mj-lt"/>
-            </a:endParaRPr>
-          </a:p>
-        </p:txBody>
-      </p:sp>
-      <p:sp>
-        <p:nvSpPr>
-          <p:cNvPr id="21" name="TextBox 20">
-            <a:extLst>
-              <a:ext uri="{FF2B5EF4-FFF2-40B4-BE49-F238E27FC236}">
-                <a16:creationId xmlns:a16="http://schemas.microsoft.com/office/drawing/2014/main" id="{E7904E7B-44A3-11F0-6559-7BA2C76B31A5}"/>
-              </a:ext>
-            </a:extLst>
-          </p:cNvPr>
-          <p:cNvSpPr txBox="1"/>
-          <p:nvPr/>
-        </p:nvSpPr>
-        <p:spPr>
-          <a:xfrm>
-            <a:off x="753576" y="5160071"/>
-            <a:ext cx="11018214" cy="1272143"/>
-          </a:xfrm>
-          <a:prstGeom prst="rect">
-            <a:avLst/>
-          </a:prstGeom>
-        </p:spPr>
-        <p:txBody>
-          <a:bodyPr vert="horz" lIns="91440" tIns="45720" rIns="91440" bIns="45720" rtlCol="0">
-            <a:noAutofit/>
-          </a:bodyPr>
-          <a:lstStyle>
-            <a:lvl1pPr marL="228600" indent="-228600">
-              <a:lnSpc>
-                <a:spcPct val="100000"/>
-              </a:lnSpc>
-              <a:spcBef>
-                <a:spcPts val="1000"/>
-              </a:spcBef>
-              <a:buFont typeface="Arial" panose="020B0604020202020204" pitchFamily="34" charset="0"/>
-              <a:buChar char="•"/>
-              <a:defRPr kumimoji="0" sz="2000" b="0" i="0" u="none" strike="noStrike" cap="none" spc="0" normalizeH="0" baseline="0">
+              <a:t> / </a:t>
+            </a:r>
+            <a:r>
+              <a:rPr kumimoji="0" lang="pt-BR" sz="2000" b="1" i="0" u="none" strike="noStrike" kern="1200" cap="none" spc="0" normalizeH="0" baseline="0" noProof="0" dirty="0" err="1">
                 <a:ln>
                   <a:noFill/>
                 </a:ln>
@@ -8210,111 +8151,73 @@
                 <a:uLnTx/>
                 <a:uFillTx/>
                 <a:latin typeface="+mj-lt"/>
-              </a:defRPr>
-            </a:lvl1pPr>
-            <a:lvl2pPr marL="685800" indent="-228600">
+                <a:ea typeface="+mn-ea"/>
+                <a:cs typeface="+mn-cs"/>
+              </a:rPr>
+              <a:t>Machine</a:t>
+            </a:r>
+            <a:r>
+              <a:rPr kumimoji="0" lang="pt-BR" sz="2000" b="1" i="0" u="none" strike="noStrike" kern="1200" cap="none" spc="0" normalizeH="0" baseline="0" noProof="0" dirty="0">
+                <a:ln>
+                  <a:noFill/>
+                </a:ln>
+                <a:solidFill>
+                  <a:prstClr val="black"/>
+                </a:solidFill>
+                <a:effectLst/>
+                <a:uLnTx/>
+                <a:uFillTx/>
+                <a:latin typeface="+mj-lt"/>
+                <a:ea typeface="+mn-ea"/>
+                <a:cs typeface="+mn-cs"/>
+              </a:rPr>
+              <a:t> Learning)</a:t>
+            </a:r>
+          </a:p>
+          <a:p>
+            <a:pPr marL="1257300" lvl="2" indent="-342900">
               <a:lnSpc>
-                <a:spcPct val="90000"/>
+                <a:spcPct val="150000"/>
               </a:lnSpc>
-              <a:spcBef>
-                <a:spcPts val="500"/>
-              </a:spcBef>
-              <a:buFont typeface="Arial" panose="020B0604020202020204" pitchFamily="34" charset="0"/>
-              <a:buChar char="•"/>
-              <a:defRPr sz="2400"/>
-            </a:lvl2pPr>
-            <a:lvl3pPr marL="1143000" indent="-228600">
+              <a:buFontTx/>
+              <a:buChar char="-"/>
+              <a:defRPr/>
+            </a:pPr>
+            <a:r>
+              <a:rPr lang="pt-BR" sz="2000" b="1" dirty="0">
+                <a:solidFill>
+                  <a:prstClr val="black"/>
+                </a:solidFill>
+                <a:latin typeface="+mj-lt"/>
+              </a:rPr>
+              <a:t>Vasta área ainda inexplorada</a:t>
+            </a:r>
+          </a:p>
+          <a:p>
+            <a:pPr marL="1257300" lvl="2" indent="-342900">
               <a:lnSpc>
-                <a:spcPct val="90000"/>
+                <a:spcPct val="150000"/>
               </a:lnSpc>
-              <a:spcBef>
-                <a:spcPts val="500"/>
-              </a:spcBef>
-              <a:buFont typeface="Arial" panose="020B0604020202020204" pitchFamily="34" charset="0"/>
-              <a:buChar char="•"/>
-              <a:defRPr sz="2000"/>
-            </a:lvl3pPr>
-            <a:lvl4pPr marL="1600200" indent="-228600">
-              <a:lnSpc>
-                <a:spcPct val="90000"/>
-              </a:lnSpc>
-              <a:spcBef>
-                <a:spcPts val="500"/>
-              </a:spcBef>
-              <a:buFont typeface="Arial" panose="020B0604020202020204" pitchFamily="34" charset="0"/>
-              <a:buChar char="•"/>
-            </a:lvl4pPr>
-            <a:lvl5pPr marL="2057400" indent="-228600">
-              <a:lnSpc>
-                <a:spcPct val="90000"/>
-              </a:lnSpc>
-              <a:spcBef>
-                <a:spcPts val="500"/>
-              </a:spcBef>
-              <a:buFont typeface="Arial" panose="020B0604020202020204" pitchFamily="34" charset="0"/>
-              <a:buChar char="•"/>
-            </a:lvl5pPr>
-            <a:lvl6pPr marL="2514600" indent="-228600">
-              <a:lnSpc>
-                <a:spcPct val="90000"/>
-              </a:lnSpc>
-              <a:spcBef>
-                <a:spcPts val="500"/>
-              </a:spcBef>
-              <a:buFont typeface="Arial" panose="020B0604020202020204" pitchFamily="34" charset="0"/>
-              <a:buChar char="•"/>
-            </a:lvl6pPr>
-            <a:lvl7pPr marL="2971800" indent="-228600">
-              <a:lnSpc>
-                <a:spcPct val="90000"/>
-              </a:lnSpc>
-              <a:spcBef>
-                <a:spcPts val="500"/>
-              </a:spcBef>
-              <a:buFont typeface="Arial" panose="020B0604020202020204" pitchFamily="34" charset="0"/>
-              <a:buChar char="•"/>
-            </a:lvl7pPr>
-            <a:lvl8pPr marL="3429000" indent="-228600">
-              <a:lnSpc>
-                <a:spcPct val="90000"/>
-              </a:lnSpc>
-              <a:spcBef>
-                <a:spcPts val="500"/>
-              </a:spcBef>
-              <a:buFont typeface="Arial" panose="020B0604020202020204" pitchFamily="34" charset="0"/>
-              <a:buChar char="•"/>
-            </a:lvl8pPr>
-            <a:lvl9pPr marL="3886200" indent="-228600">
-              <a:lnSpc>
-                <a:spcPct val="90000"/>
-              </a:lnSpc>
-              <a:spcBef>
-                <a:spcPts val="500"/>
-              </a:spcBef>
-              <a:buFont typeface="Arial" panose="020B0604020202020204" pitchFamily="34" charset="0"/>
-              <a:buChar char="•"/>
-            </a:lvl9pPr>
-          </a:lstStyle>
-          <a:p>
-            <a:r>
-              <a:rPr lang="pt-BR" dirty="0"/>
-              <a:t>Poder agrupar pacientes com características afim</a:t>
-            </a:r>
-          </a:p>
-          <a:p>
-            <a:r>
-              <a:rPr lang="pt-BR" dirty="0"/>
-              <a:t>Poder analisar um comportamentos de um grupo </a:t>
-            </a:r>
-          </a:p>
-          <a:p>
-            <a:r>
-              <a:rPr lang="pt-BR" dirty="0"/>
-              <a:t>Possibilidade de Identificação de padrões de comportamento </a:t>
-            </a:r>
-            <a:r>
-              <a:rPr lang="pt-BR" b="1" dirty="0"/>
-              <a:t>sem ponderação arbitrária</a:t>
+              <a:buFontTx/>
+              <a:buChar char="-"/>
+              <a:defRPr/>
+            </a:pPr>
+            <a:r>
+              <a:rPr kumimoji="0" lang="pt-BR" sz="2000" b="1" i="0" u="none" strike="noStrike" kern="1200" cap="none" spc="0" normalizeH="0" baseline="0" noProof="0" dirty="0">
+                <a:ln>
+                  <a:noFill/>
+                </a:ln>
+                <a:solidFill>
+                  <a:prstClr val="black"/>
+                </a:solidFill>
+                <a:effectLst/>
+                <a:uLnTx/>
+                <a:uFillTx/>
+                <a:latin typeface="+mj-lt"/>
+                <a:ea typeface="+mn-ea"/>
+                <a:cs typeface="+mn-cs"/>
+              </a:rPr>
+              <a:t>Possibilidade de mudar a história através da análise de dados</a:t>
             </a:r>
           </a:p>
         </p:txBody>
@@ -8322,7 +8225,7 @@
     </p:spTree>
     <p:extLst>
       <p:ext uri="{BB962C8B-B14F-4D97-AF65-F5344CB8AC3E}">
-        <p14:creationId xmlns:p14="http://schemas.microsoft.com/office/powerpoint/2010/main" val="3355279519"/>
+        <p14:creationId xmlns:p14="http://schemas.microsoft.com/office/powerpoint/2010/main" val="978756111"/>
       </p:ext>
     </p:extLst>
   </p:cSld>
@@ -8332,7 +8235,7 @@
 </p:sld>
 </file>
 
-<file path=ppt/slides/slide3.xml><?xml version="1.0" encoding="utf-8"?>
+<file path=ppt/slides/slide2.xml><?xml version="1.0" encoding="utf-8"?>
 <p:sld xmlns:a="http://schemas.openxmlformats.org/drawingml/2006/main" xmlns:r="http://schemas.openxmlformats.org/officeDocument/2006/relationships" xmlns:p="http://schemas.openxmlformats.org/presentationml/2006/main">
   <p:cSld>
     <p:bg>
@@ -8782,7 +8685,7 @@
         <p:spPr>
           <a:xfrm>
             <a:off x="665085" y="1172169"/>
-            <a:ext cx="4297680" cy="584775"/>
+            <a:ext cx="6836546" cy="584775"/>
           </a:xfrm>
           <a:prstGeom prst="rect">
             <a:avLst/>
@@ -8799,17 +8702,29 @@
               <a:rPr lang="pt-BR" sz="3200" b="1" dirty="0">
                 <a:latin typeface="+mj-lt"/>
               </a:rPr>
-              <a:t>Amostra</a:t>
+              <a:t>Cenário Atual </a:t>
+            </a:r>
+            <a:r>
+              <a:rPr lang="pt-BR" sz="3200" b="1" i="1" dirty="0" err="1">
+                <a:latin typeface="+mj-lt"/>
+              </a:rPr>
+              <a:t>vs</a:t>
+            </a:r>
+            <a:r>
+              <a:rPr lang="pt-BR" sz="3200" b="1" dirty="0">
+                <a:latin typeface="+mj-lt"/>
+              </a:rPr>
+              <a:t> Oportunidade</a:t>
             </a:r>
           </a:p>
         </p:txBody>
       </p:sp>
       <p:sp>
         <p:nvSpPr>
-          <p:cNvPr id="11" name="TextBox 10">
-            <a:extLst>
-              <a:ext uri="{FF2B5EF4-FFF2-40B4-BE49-F238E27FC236}">
-                <a16:creationId xmlns:a16="http://schemas.microsoft.com/office/drawing/2014/main" id="{A30CCC7A-A557-6EB9-C7CC-A8BB3A0ABFC2}"/>
+          <p:cNvPr id="25" name="TextBox 24">
+            <a:extLst>
+              <a:ext uri="{FF2B5EF4-FFF2-40B4-BE49-F238E27FC236}">
+                <a16:creationId xmlns:a16="http://schemas.microsoft.com/office/drawing/2014/main" id="{87731077-956E-C74D-D33E-AEF60C297989}"/>
               </a:ext>
             </a:extLst>
           </p:cNvPr>
@@ -8818,8 +8733,8 @@
         </p:nvSpPr>
         <p:spPr>
           <a:xfrm>
-            <a:off x="4357597" y="750051"/>
-            <a:ext cx="7405142" cy="5594096"/>
+            <a:off x="753576" y="2539841"/>
+            <a:ext cx="8870822" cy="461665"/>
           </a:xfrm>
           <a:prstGeom prst="rect">
             <a:avLst/>
@@ -8832,394 +8747,131 @@
           </a:bodyPr>
           <a:lstStyle/>
           <a:p>
-            <a:pPr lvl="2">
+            <a:r>
+              <a:rPr kumimoji="0" lang="pt-BR" sz="2400" b="1" i="0" u="none" strike="noStrike" kern="1200" cap="none" spc="0" normalizeH="0" baseline="0" noProof="0" dirty="0">
+                <a:ln>
+                  <a:noFill/>
+                </a:ln>
+                <a:solidFill>
+                  <a:prstClr val="black"/>
+                </a:solidFill>
+                <a:effectLst/>
+                <a:uLnTx/>
+                <a:uFillTx/>
+                <a:latin typeface="+mj-lt"/>
+                <a:ea typeface="+mn-ea"/>
+                <a:cs typeface="+mn-cs"/>
+              </a:rPr>
+              <a:t>Método tradicionalmente praticado para analisar Pacientes</a:t>
+            </a:r>
+            <a:endParaRPr lang="pt-BR" sz="2400" b="1" dirty="0">
+              <a:latin typeface="+mj-lt"/>
+            </a:endParaRPr>
+          </a:p>
+        </p:txBody>
+      </p:sp>
+      <p:sp>
+        <p:nvSpPr>
+          <p:cNvPr id="13" name="Espaço Reservado para Conteúdo 2">
+            <a:extLst>
+              <a:ext uri="{FF2B5EF4-FFF2-40B4-BE49-F238E27FC236}">
+                <a16:creationId xmlns:a16="http://schemas.microsoft.com/office/drawing/2014/main" id="{D0F088F0-4EE0-6035-3407-FBA6F579EA81}"/>
+              </a:ext>
+            </a:extLst>
+          </p:cNvPr>
+          <p:cNvSpPr>
+            <a:spLocks noGrp="1"/>
+          </p:cNvSpPr>
+          <p:nvPr>
+            <p:ph idx="1"/>
+          </p:nvPr>
+        </p:nvSpPr>
+        <p:spPr>
+          <a:xfrm>
+            <a:off x="713978" y="3131731"/>
+            <a:ext cx="9943662" cy="1329462"/>
+          </a:xfrm>
+        </p:spPr>
+        <p:txBody>
+          <a:bodyPr>
+            <a:noAutofit/>
+          </a:bodyPr>
+          <a:lstStyle/>
+          <a:p>
+            <a:pPr>
               <a:lnSpc>
-                <a:spcPct val="150000"/>
+                <a:spcPct val="100000"/>
               </a:lnSpc>
               <a:defRPr/>
             </a:pPr>
             <a:r>
-              <a:rPr lang="pt-BR" sz="2400" b="1" dirty="0">
+              <a:rPr kumimoji="0" lang="pt-BR" sz="2000" b="0" i="0" u="none" strike="noStrike" kern="1200" cap="none" spc="0" normalizeH="0" baseline="0" noProof="0" dirty="0">
+                <a:ln>
+                  <a:noFill/>
+                </a:ln>
                 <a:solidFill>
                   <a:prstClr val="black"/>
                 </a:solidFill>
-                <a:latin typeface="+mj-lt"/>
-              </a:rPr>
-              <a:t>	  Variáveis Quantitativas</a:t>
-            </a:r>
-          </a:p>
-          <a:p>
-            <a:pPr lvl="2">
+                <a:effectLst/>
+                <a:uLnTx/>
+                <a:uFillTx/>
+                <a:latin typeface="+mj-lt"/>
+                <a:ea typeface="+mn-ea"/>
+                <a:cs typeface="+mn-cs"/>
+              </a:rPr>
+              <a:t>Dificuldades em analisar dados</a:t>
+            </a:r>
+          </a:p>
+          <a:p>
+            <a:pPr>
               <a:lnSpc>
-                <a:spcPct val="150000"/>
+                <a:spcPct val="100000"/>
               </a:lnSpc>
               <a:defRPr/>
             </a:pPr>
-            <a:endParaRPr kumimoji="0" lang="pt-BR" sz="2400" b="1" i="0" u="none" strike="noStrike" kern="1200" cap="none" spc="0" normalizeH="0" baseline="0" noProof="0" dirty="0">
-              <a:ln>
-                <a:noFill/>
-              </a:ln>
-              <a:solidFill>
-                <a:prstClr val="black"/>
-              </a:solidFill>
-              <a:effectLst/>
-              <a:uLnTx/>
-              <a:uFillTx/>
-              <a:latin typeface="+mj-lt"/>
-              <a:ea typeface="+mn-ea"/>
-              <a:cs typeface="+mn-cs"/>
-            </a:endParaRPr>
-          </a:p>
-          <a:p>
-            <a:pPr marL="1714500" lvl="3" indent="-342900">
+            <a:r>
+              <a:rPr kumimoji="0" lang="pt-BR" sz="1800" b="0" i="0" u="none" strike="noStrike" kern="1200" cap="none" spc="0" normalizeH="0" baseline="0" noProof="0" dirty="0">
+                <a:ln>
+                  <a:noFill/>
+                </a:ln>
+                <a:solidFill>
+                  <a:prstClr val="black"/>
+                </a:solidFill>
+                <a:effectLst/>
+                <a:uLnTx/>
+                <a:uFillTx/>
+                <a:latin typeface="+mj-lt"/>
+                <a:ea typeface="+mn-ea"/>
+                <a:cs typeface="+mn-cs"/>
+              </a:rPr>
+              <a:t>Dificuldades em agrupar pacientes</a:t>
+            </a:r>
+          </a:p>
+          <a:p>
+            <a:pPr>
               <a:lnSpc>
-                <a:spcPct val="150000"/>
+                <a:spcPct val="100000"/>
               </a:lnSpc>
-              <a:buFont typeface="Arial" panose="020B0604020202020204" pitchFamily="34" charset="0"/>
-              <a:buChar char="•"/>
+              <a:defRPr/>
             </a:pPr>
             <a:r>
-              <a:rPr lang="pt-BR" sz="1600" dirty="0">
-                <a:latin typeface="+mj-lt"/>
-              </a:rPr>
-              <a:t>Idade em Anos </a:t>
-            </a:r>
-            <a:r>
-              <a:rPr lang="pt-BR" sz="1600" i="1" dirty="0">
-                <a:solidFill>
-                  <a:srgbClr val="FF0000"/>
-                </a:solidFill>
-                <a:latin typeface="+mj-lt"/>
-              </a:rPr>
-              <a:t>(Atribuição aleatória)</a:t>
-            </a:r>
-          </a:p>
-          <a:p>
-            <a:pPr marL="1714500" lvl="3" indent="-342900">
-              <a:lnSpc>
-                <a:spcPct val="150000"/>
-              </a:lnSpc>
-              <a:buFont typeface="Arial" panose="020B0604020202020204" pitchFamily="34" charset="0"/>
-              <a:buChar char="•"/>
-            </a:pPr>
-            <a:r>
-              <a:rPr lang="pt-BR" sz="1600" dirty="0">
-                <a:latin typeface="+mj-lt"/>
-              </a:rPr>
-              <a:t>Peso em </a:t>
-            </a:r>
-            <a:r>
-              <a:rPr lang="pt-BR" sz="1600" dirty="0" err="1">
-                <a:latin typeface="+mj-lt"/>
-              </a:rPr>
-              <a:t>Kilograma</a:t>
-            </a:r>
-            <a:r>
-              <a:rPr lang="pt-BR" sz="1600" dirty="0">
-                <a:latin typeface="+mj-lt"/>
-              </a:rPr>
-              <a:t> </a:t>
-            </a:r>
-            <a:r>
-              <a:rPr lang="pt-BR" sz="1600" i="1" dirty="0">
-                <a:solidFill>
-                  <a:srgbClr val="FF0000"/>
-                </a:solidFill>
-                <a:latin typeface="+mj-lt"/>
-              </a:rPr>
-              <a:t>(</a:t>
-            </a:r>
-            <a:r>
-              <a:rPr lang="pt-BR" sz="1600" i="1" dirty="0" err="1">
-                <a:solidFill>
-                  <a:srgbClr val="FF0000"/>
-                </a:solidFill>
-                <a:latin typeface="+mj-lt"/>
-              </a:rPr>
-              <a:t>Atribuido</a:t>
-            </a:r>
-            <a:r>
-              <a:rPr lang="pt-BR" sz="1600" i="1" dirty="0">
-                <a:solidFill>
-                  <a:srgbClr val="FF0000"/>
-                </a:solidFill>
-                <a:latin typeface="+mj-lt"/>
-              </a:rPr>
-              <a:t> massa corpórea conforme idade adicionando um fator multiplicativo randômico variando 25% para mais ou para menos sobre o peso ideal da idade)</a:t>
-            </a:r>
-          </a:p>
-          <a:p>
-            <a:pPr marL="1714500" lvl="3" indent="-342900">
-              <a:lnSpc>
-                <a:spcPct val="150000"/>
-              </a:lnSpc>
-              <a:buFont typeface="Arial" panose="020B0604020202020204" pitchFamily="34" charset="0"/>
-              <a:buChar char="•"/>
-            </a:pPr>
-            <a:r>
-              <a:rPr lang="pt-BR" sz="1600" dirty="0">
-                <a:latin typeface="+mj-lt"/>
-              </a:rPr>
-              <a:t>Glicemia em </a:t>
-            </a:r>
-            <a:r>
-              <a:rPr lang="pt-BR" sz="1600" dirty="0" err="1">
-                <a:latin typeface="+mj-lt"/>
-              </a:rPr>
-              <a:t>mgdl</a:t>
-            </a:r>
-            <a:r>
-              <a:rPr lang="pt-BR" sz="1600" dirty="0">
-                <a:latin typeface="+mj-lt"/>
-              </a:rPr>
-              <a:t> </a:t>
-            </a:r>
-            <a:r>
-              <a:rPr lang="pt-BR" sz="1600" i="1" dirty="0">
-                <a:solidFill>
-                  <a:srgbClr val="FF0000"/>
-                </a:solidFill>
-                <a:latin typeface="+mj-lt"/>
-              </a:rPr>
-              <a:t>(Atribuição aleatória)</a:t>
-            </a:r>
-          </a:p>
-          <a:p>
-            <a:pPr marL="1714500" lvl="3" indent="-342900">
-              <a:lnSpc>
-                <a:spcPct val="150000"/>
-              </a:lnSpc>
-              <a:buFont typeface="Arial" panose="020B0604020202020204" pitchFamily="34" charset="0"/>
-              <a:buChar char="•"/>
-            </a:pPr>
-            <a:r>
-              <a:rPr lang="pt-BR" sz="1600" dirty="0">
-                <a:latin typeface="+mj-lt"/>
-              </a:rPr>
-              <a:t>Prolactina em </a:t>
-            </a:r>
-            <a:r>
-              <a:rPr lang="pt-BR" sz="1600" dirty="0" err="1">
-                <a:latin typeface="+mj-lt"/>
-              </a:rPr>
-              <a:t>ngml</a:t>
-            </a:r>
-            <a:r>
-              <a:rPr lang="pt-BR" sz="1600" dirty="0">
-                <a:latin typeface="+mj-lt"/>
-              </a:rPr>
-              <a:t> </a:t>
-            </a:r>
-            <a:r>
-              <a:rPr lang="pt-BR" sz="1600" i="1" dirty="0">
-                <a:solidFill>
-                  <a:srgbClr val="FF0000"/>
-                </a:solidFill>
-                <a:latin typeface="+mj-lt"/>
-              </a:rPr>
-              <a:t>(Atribuição aleatória)</a:t>
-            </a:r>
-          </a:p>
-          <a:p>
-            <a:pPr marL="1714500" lvl="3" indent="-342900">
-              <a:lnSpc>
-                <a:spcPct val="150000"/>
-              </a:lnSpc>
-              <a:buFont typeface="Arial" panose="020B0604020202020204" pitchFamily="34" charset="0"/>
-              <a:buChar char="•"/>
-            </a:pPr>
-            <a:r>
-              <a:rPr lang="pt-BR" sz="1600" dirty="0" err="1">
-                <a:latin typeface="+mj-lt"/>
-              </a:rPr>
-              <a:t>HDLb</a:t>
-            </a:r>
-            <a:r>
-              <a:rPr lang="pt-BR" sz="1600" dirty="0">
-                <a:latin typeface="+mj-lt"/>
-              </a:rPr>
-              <a:t> em </a:t>
-            </a:r>
-            <a:r>
-              <a:rPr lang="pt-BR" sz="1600" dirty="0" err="1">
-                <a:latin typeface="+mj-lt"/>
-              </a:rPr>
-              <a:t>mgdl</a:t>
-            </a:r>
-            <a:r>
-              <a:rPr lang="pt-BR" sz="1600" dirty="0">
-                <a:latin typeface="+mj-lt"/>
-              </a:rPr>
-              <a:t> </a:t>
-            </a:r>
-            <a:r>
-              <a:rPr lang="pt-BR" sz="1600" i="1" dirty="0">
-                <a:solidFill>
-                  <a:srgbClr val="FF0000"/>
-                </a:solidFill>
-                <a:latin typeface="+mj-lt"/>
-              </a:rPr>
-              <a:t>(Atribuição aleatória)</a:t>
-            </a:r>
-          </a:p>
-          <a:p>
-            <a:pPr marL="1714500" lvl="3" indent="-342900">
-              <a:lnSpc>
-                <a:spcPct val="150000"/>
-              </a:lnSpc>
-              <a:buFont typeface="Arial" panose="020B0604020202020204" pitchFamily="34" charset="0"/>
-              <a:buChar char="•"/>
-            </a:pPr>
-            <a:r>
-              <a:rPr lang="pt-BR" sz="1600" dirty="0" err="1">
-                <a:latin typeface="+mj-lt"/>
-              </a:rPr>
-              <a:t>LDLr</a:t>
-            </a:r>
-            <a:r>
-              <a:rPr lang="pt-BR" sz="1600" dirty="0">
-                <a:latin typeface="+mj-lt"/>
-              </a:rPr>
-              <a:t> em </a:t>
-            </a:r>
-            <a:r>
-              <a:rPr lang="pt-BR" sz="1600" dirty="0" err="1">
-                <a:latin typeface="+mj-lt"/>
-              </a:rPr>
-              <a:t>mgdl</a:t>
-            </a:r>
-            <a:r>
-              <a:rPr lang="pt-BR" sz="1600" dirty="0">
-                <a:latin typeface="+mj-lt"/>
-              </a:rPr>
-              <a:t> </a:t>
-            </a:r>
-            <a:r>
-              <a:rPr lang="pt-BR" sz="1600" i="1" dirty="0">
-                <a:solidFill>
-                  <a:srgbClr val="FF0000"/>
-                </a:solidFill>
-                <a:latin typeface="+mj-lt"/>
-              </a:rPr>
-              <a:t>(Atribuição aleatória)</a:t>
-            </a:r>
-          </a:p>
-          <a:p>
-            <a:pPr marL="1714500" lvl="3" indent="-342900">
-              <a:lnSpc>
-                <a:spcPct val="150000"/>
-              </a:lnSpc>
-              <a:buFont typeface="Arial" panose="020B0604020202020204" pitchFamily="34" charset="0"/>
-              <a:buChar char="•"/>
-            </a:pPr>
-            <a:r>
-              <a:rPr lang="pt-BR" sz="1600" dirty="0">
-                <a:latin typeface="+mj-lt"/>
-              </a:rPr>
-              <a:t>Triglicérides em </a:t>
-            </a:r>
-            <a:r>
-              <a:rPr lang="pt-BR" sz="1600" dirty="0" err="1">
-                <a:latin typeface="+mj-lt"/>
-              </a:rPr>
-              <a:t>mgdl</a:t>
-            </a:r>
-            <a:r>
-              <a:rPr lang="pt-BR" sz="1600" dirty="0">
-                <a:latin typeface="+mj-lt"/>
-              </a:rPr>
-              <a:t> </a:t>
-            </a:r>
-            <a:r>
-              <a:rPr lang="pt-BR" sz="1600" i="1" dirty="0">
-                <a:solidFill>
-                  <a:srgbClr val="FF0000"/>
-                </a:solidFill>
-                <a:latin typeface="+mj-lt"/>
-              </a:rPr>
-              <a:t>(Atribuição aleatória)</a:t>
-            </a:r>
-          </a:p>
-          <a:p>
-            <a:pPr marL="1714500" lvl="3" indent="-342900">
-              <a:lnSpc>
-                <a:spcPct val="150000"/>
-              </a:lnSpc>
-              <a:buFont typeface="Arial" panose="020B0604020202020204" pitchFamily="34" charset="0"/>
-              <a:buChar char="•"/>
-            </a:pPr>
-            <a:r>
-              <a:rPr lang="pt-BR" sz="1600" dirty="0">
-                <a:latin typeface="+mj-lt"/>
-              </a:rPr>
-              <a:t>Dosagem diária de </a:t>
-            </a:r>
-            <a:r>
-              <a:rPr lang="pt-BR" sz="1600" dirty="0" err="1">
-                <a:latin typeface="+mj-lt"/>
-              </a:rPr>
-              <a:t>Risperidona</a:t>
-            </a:r>
-            <a:r>
-              <a:rPr lang="pt-BR" sz="1600" dirty="0">
-                <a:latin typeface="+mj-lt"/>
-              </a:rPr>
-              <a:t> consumida mg  </a:t>
-            </a:r>
-            <a:r>
-              <a:rPr lang="pt-BR" sz="1600" i="1" dirty="0">
-                <a:solidFill>
-                  <a:srgbClr val="FF0000"/>
-                </a:solidFill>
-                <a:latin typeface="+mj-lt"/>
-              </a:rPr>
-              <a:t>(Atribuição aleatória)</a:t>
-            </a:r>
-          </a:p>
-          <a:p>
-            <a:pPr marL="1828800" lvl="3" indent="-457200">
-              <a:lnSpc>
-                <a:spcPct val="150000"/>
-              </a:lnSpc>
-              <a:buFont typeface="Arial" panose="020B0604020202020204" pitchFamily="34" charset="0"/>
-              <a:buChar char="•"/>
-            </a:pPr>
-            <a:r>
-              <a:rPr lang="pt-BR" sz="1600" dirty="0">
-                <a:latin typeface="+mj-lt"/>
-              </a:rPr>
-              <a:t>Dosagem diária de </a:t>
-            </a:r>
-            <a:r>
-              <a:rPr lang="pt-BR" sz="1600" dirty="0" err="1">
-                <a:latin typeface="+mj-lt"/>
-              </a:rPr>
-              <a:t>Valproato</a:t>
-            </a:r>
-            <a:r>
-              <a:rPr lang="pt-BR" sz="1600" dirty="0">
-                <a:latin typeface="+mj-lt"/>
-              </a:rPr>
-              <a:t> consumida mg </a:t>
-            </a:r>
-            <a:r>
-              <a:rPr lang="pt-BR" sz="1600" i="1" dirty="0">
-                <a:solidFill>
-                  <a:srgbClr val="FF0000"/>
-                </a:solidFill>
-                <a:latin typeface="+mj-lt"/>
-              </a:rPr>
-              <a:t>(Atribuição aleatória)</a:t>
+              <a:rPr lang="pt-BR" sz="1800" dirty="0">
+                <a:solidFill>
+                  <a:prstClr val="black"/>
+                </a:solidFill>
+                <a:latin typeface="+mj-lt"/>
+              </a:rPr>
+              <a:t>Ponderação arbitrária na hora de comparar um paciente com outro (sob a ótica do paciente completo)</a:t>
             </a:r>
           </a:p>
         </p:txBody>
       </p:sp>
       <p:sp>
         <p:nvSpPr>
-          <p:cNvPr id="13" name="TextBox 12">
-            <a:extLst>
-              <a:ext uri="{FF2B5EF4-FFF2-40B4-BE49-F238E27FC236}">
-                <a16:creationId xmlns:a16="http://schemas.microsoft.com/office/drawing/2014/main" id="{C4F2079A-87EE-5976-EDF6-D183EAA0B8A6}"/>
+          <p:cNvPr id="17" name="TextBox 16">
+            <a:extLst>
+              <a:ext uri="{FF2B5EF4-FFF2-40B4-BE49-F238E27FC236}">
+                <a16:creationId xmlns:a16="http://schemas.microsoft.com/office/drawing/2014/main" id="{C98D631E-6799-45D0-B68A-0D808199FEFE}"/>
               </a:ext>
             </a:extLst>
           </p:cNvPr>
@@ -9228,8 +8880,8 @@
         </p:nvSpPr>
         <p:spPr>
           <a:xfrm>
-            <a:off x="-755981" y="2468465"/>
-            <a:ext cx="6687097" cy="2215991"/>
+            <a:off x="713978" y="4651833"/>
+            <a:ext cx="8870822" cy="461665"/>
           </a:xfrm>
           <a:prstGeom prst="rect">
             <a:avLst/>
@@ -9242,11 +8894,57 @@
           </a:bodyPr>
           <a:lstStyle/>
           <a:p>
-            <a:pPr lvl="2">
-              <a:defRPr/>
-            </a:pPr>
-            <a:r>
-              <a:rPr kumimoji="0" lang="pt-BR" sz="2400" b="1" i="0" u="none" strike="noStrike" kern="1200" cap="none" spc="0" normalizeH="0" baseline="0" noProof="0" dirty="0">
+            <a:r>
+              <a:rPr lang="pt-BR" sz="2400" b="1" dirty="0">
+                <a:solidFill>
+                  <a:prstClr val="black"/>
+                </a:solidFill>
+                <a:latin typeface="+mj-lt"/>
+              </a:rPr>
+              <a:t>Grande oportunidade</a:t>
+            </a:r>
+            <a:endParaRPr lang="pt-BR" sz="2400" b="1" dirty="0">
+              <a:latin typeface="+mj-lt"/>
+            </a:endParaRPr>
+          </a:p>
+        </p:txBody>
+      </p:sp>
+      <p:sp>
+        <p:nvSpPr>
+          <p:cNvPr id="21" name="TextBox 20">
+            <a:extLst>
+              <a:ext uri="{FF2B5EF4-FFF2-40B4-BE49-F238E27FC236}">
+                <a16:creationId xmlns:a16="http://schemas.microsoft.com/office/drawing/2014/main" id="{E7904E7B-44A3-11F0-6559-7BA2C76B31A5}"/>
+              </a:ext>
+            </a:extLst>
+          </p:cNvPr>
+          <p:cNvSpPr txBox="1"/>
+          <p:nvPr/>
+        </p:nvSpPr>
+        <p:spPr>
+          <a:xfrm>
+            <a:off x="753576" y="5160071"/>
+            <a:ext cx="11018214" cy="1272143"/>
+          </a:xfrm>
+          <a:prstGeom prst="rect">
+            <a:avLst/>
+          </a:prstGeom>
+        </p:spPr>
+        <p:txBody>
+          <a:bodyPr vert="horz" lIns="91440" tIns="45720" rIns="91440" bIns="45720" rtlCol="0">
+            <a:noAutofit/>
+          </a:bodyPr>
+          <a:lstStyle>
+            <a:lvl1pPr marL="228600" indent="-228600">
+              <a:lnSpc>
+                <a:spcPct val="100000"/>
+              </a:lnSpc>
+              <a:spcBef>
+                <a:spcPts val="1000"/>
+              </a:spcBef>
+              <a:buFont typeface="Arial" panose="020B0604020202020204" pitchFamily="34" charset="0"/>
+              <a:buChar char="•"/>
+              <a:defRPr kumimoji="0" sz="2000" b="0" i="0" u="none" strike="noStrike" cap="none" spc="0" normalizeH="0" baseline="0">
                 <a:ln>
                   <a:noFill/>
                 </a:ln>
@@ -9257,155 +8955,111 @@
                 <a:uLnTx/>
                 <a:uFillTx/>
                 <a:latin typeface="+mj-lt"/>
-                <a:ea typeface="+mn-ea"/>
-                <a:cs typeface="+mn-cs"/>
-              </a:rPr>
-              <a:t>	     Variáveis Qualitativas</a:t>
-            </a:r>
-          </a:p>
-          <a:p>
-            <a:pPr lvl="2">
-              <a:defRPr/>
-            </a:pPr>
-            <a:endParaRPr kumimoji="0" lang="pt-BR" sz="2400" b="0" i="0" u="none" strike="noStrike" kern="1200" cap="none" spc="0" normalizeH="0" baseline="0" noProof="0" dirty="0">
-              <a:ln>
-                <a:noFill/>
-              </a:ln>
-              <a:solidFill>
-                <a:prstClr val="black"/>
-              </a:solidFill>
-              <a:effectLst/>
-              <a:uLnTx/>
-              <a:uFillTx/>
-              <a:latin typeface="+mj-lt"/>
-              <a:ea typeface="+mn-ea"/>
-              <a:cs typeface="+mn-cs"/>
-            </a:endParaRPr>
-          </a:p>
-          <a:p>
-            <a:pPr marL="1714500" lvl="3" indent="-342900">
+              </a:defRPr>
+            </a:lvl1pPr>
+            <a:lvl2pPr marL="685800" indent="-228600">
+              <a:lnSpc>
+                <a:spcPct val="90000"/>
+              </a:lnSpc>
+              <a:spcBef>
+                <a:spcPts val="500"/>
+              </a:spcBef>
               <a:buFont typeface="Arial" panose="020B0604020202020204" pitchFamily="34" charset="0"/>
               <a:buChar char="•"/>
-            </a:pPr>
-            <a:r>
-              <a:rPr lang="pt-BR" dirty="0">
-                <a:latin typeface="+mj-lt"/>
-              </a:rPr>
-              <a:t>Nome Paciente </a:t>
-            </a:r>
-            <a:r>
-              <a:rPr lang="pt-BR" sz="1600" i="1" dirty="0">
-                <a:solidFill>
-                  <a:srgbClr val="FF0000"/>
-                </a:solidFill>
-                <a:latin typeface="+mj-lt"/>
-              </a:rPr>
-              <a:t>(Gerados aleatoriamente)</a:t>
-            </a:r>
-          </a:p>
-          <a:p>
-            <a:pPr lvl="3"/>
-            <a:endParaRPr lang="pt-BR" dirty="0">
-              <a:latin typeface="+mj-lt"/>
-            </a:endParaRPr>
-          </a:p>
-          <a:p>
-            <a:pPr marL="1714500" lvl="3" indent="-342900">
+              <a:defRPr sz="2400"/>
+            </a:lvl2pPr>
+            <a:lvl3pPr marL="1143000" indent="-228600">
+              <a:lnSpc>
+                <a:spcPct val="90000"/>
+              </a:lnSpc>
+              <a:spcBef>
+                <a:spcPts val="500"/>
+              </a:spcBef>
               <a:buFont typeface="Arial" panose="020B0604020202020204" pitchFamily="34" charset="0"/>
               <a:buChar char="•"/>
-            </a:pPr>
-            <a:r>
-              <a:rPr lang="pt-BR" dirty="0">
-                <a:latin typeface="+mj-lt"/>
-              </a:rPr>
-              <a:t>Sexo Biológico </a:t>
-            </a:r>
-            <a:r>
-              <a:rPr lang="pt-BR" sz="1600" i="1" dirty="0">
-                <a:solidFill>
-                  <a:srgbClr val="FF0000"/>
-                </a:solidFill>
-                <a:latin typeface="+mj-lt"/>
-              </a:rPr>
-              <a:t>(Atribuídos conforme nome)</a:t>
-            </a:r>
-          </a:p>
-          <a:p>
-            <a:pPr lvl="3"/>
-            <a:endParaRPr lang="pt-BR" dirty="0">
-              <a:latin typeface="+mj-lt"/>
-            </a:endParaRPr>
-          </a:p>
-          <a:p>
-            <a:pPr marL="1714500" lvl="3" indent="-342900">
+              <a:defRPr sz="2000"/>
+            </a:lvl3pPr>
+            <a:lvl4pPr marL="1600200" indent="-228600">
+              <a:lnSpc>
+                <a:spcPct val="90000"/>
+              </a:lnSpc>
+              <a:spcBef>
+                <a:spcPts val="500"/>
+              </a:spcBef>
               <a:buFont typeface="Arial" panose="020B0604020202020204" pitchFamily="34" charset="0"/>
               <a:buChar char="•"/>
-            </a:pPr>
-            <a:r>
-              <a:rPr lang="pt-BR" dirty="0">
-                <a:latin typeface="+mj-lt"/>
-              </a:rPr>
-              <a:t>Classificação do Diagnóstico </a:t>
-            </a:r>
-            <a:r>
-              <a:rPr lang="pt-BR" sz="1600" i="1" dirty="0">
-                <a:solidFill>
-                  <a:srgbClr val="FF0000"/>
-                </a:solidFill>
-                <a:latin typeface="+mj-lt"/>
-              </a:rPr>
-              <a:t>(Atribuição aleatória)</a:t>
-            </a:r>
-          </a:p>
-        </p:txBody>
-      </p:sp>
-      <p:sp>
-        <p:nvSpPr>
-          <p:cNvPr id="24" name="TextBox 23">
-            <a:extLst>
-              <a:ext uri="{FF2B5EF4-FFF2-40B4-BE49-F238E27FC236}">
-                <a16:creationId xmlns:a16="http://schemas.microsoft.com/office/drawing/2014/main" id="{CB44D9C4-54F2-1210-E128-D858451DE2AD}"/>
-              </a:ext>
-            </a:extLst>
-          </p:cNvPr>
-          <p:cNvSpPr txBox="1"/>
-          <p:nvPr/>
-        </p:nvSpPr>
-        <p:spPr>
-          <a:xfrm>
-            <a:off x="782093" y="5187626"/>
-            <a:ext cx="3610947" cy="461665"/>
-          </a:xfrm>
-          <a:prstGeom prst="rect">
-            <a:avLst/>
-          </a:prstGeom>
-          <a:noFill/>
-        </p:spPr>
-        <p:txBody>
-          <a:bodyPr wrap="square">
-            <a:spAutoFit/>
-          </a:bodyPr>
-          <a:lstStyle/>
-          <a:p>
-            <a:pPr lvl="2">
-              <a:defRPr/>
-            </a:pPr>
-            <a:r>
-              <a:rPr kumimoji="0" lang="pt-BR" sz="2400" b="1" i="0" u="none" strike="noStrike" kern="1200" cap="none" spc="0" normalizeH="0" baseline="0" noProof="0" dirty="0">
-                <a:ln>
-                  <a:noFill/>
-                </a:ln>
-                <a:solidFill>
-                  <a:prstClr val="black"/>
-                </a:solidFill>
-                <a:effectLst/>
-                <a:uLnTx/>
-                <a:uFillTx/>
-                <a:latin typeface="+mj-lt"/>
-                <a:ea typeface="+mn-ea"/>
-                <a:cs typeface="+mn-cs"/>
-              </a:rPr>
-              <a:t>500 Observações</a:t>
+            </a:lvl4pPr>
+            <a:lvl5pPr marL="2057400" indent="-228600">
+              <a:lnSpc>
+                <a:spcPct val="90000"/>
+              </a:lnSpc>
+              <a:spcBef>
+                <a:spcPts val="500"/>
+              </a:spcBef>
+              <a:buFont typeface="Arial" panose="020B0604020202020204" pitchFamily="34" charset="0"/>
+              <a:buChar char="•"/>
+            </a:lvl5pPr>
+            <a:lvl6pPr marL="2514600" indent="-228600">
+              <a:lnSpc>
+                <a:spcPct val="90000"/>
+              </a:lnSpc>
+              <a:spcBef>
+                <a:spcPts val="500"/>
+              </a:spcBef>
+              <a:buFont typeface="Arial" panose="020B0604020202020204" pitchFamily="34" charset="0"/>
+              <a:buChar char="•"/>
+            </a:lvl6pPr>
+            <a:lvl7pPr marL="2971800" indent="-228600">
+              <a:lnSpc>
+                <a:spcPct val="90000"/>
+              </a:lnSpc>
+              <a:spcBef>
+                <a:spcPts val="500"/>
+              </a:spcBef>
+              <a:buFont typeface="Arial" panose="020B0604020202020204" pitchFamily="34" charset="0"/>
+              <a:buChar char="•"/>
+            </a:lvl7pPr>
+            <a:lvl8pPr marL="3429000" indent="-228600">
+              <a:lnSpc>
+                <a:spcPct val="90000"/>
+              </a:lnSpc>
+              <a:spcBef>
+                <a:spcPts val="500"/>
+              </a:spcBef>
+              <a:buFont typeface="Arial" panose="020B0604020202020204" pitchFamily="34" charset="0"/>
+              <a:buChar char="•"/>
+            </a:lvl8pPr>
+            <a:lvl9pPr marL="3886200" indent="-228600">
+              <a:lnSpc>
+                <a:spcPct val="90000"/>
+              </a:lnSpc>
+              <a:spcBef>
+                <a:spcPts val="500"/>
+              </a:spcBef>
+              <a:buFont typeface="Arial" panose="020B0604020202020204" pitchFamily="34" charset="0"/>
+              <a:buChar char="•"/>
+            </a:lvl9pPr>
+          </a:lstStyle>
+          <a:p>
+            <a:r>
+              <a:rPr lang="pt-BR" dirty="0"/>
+              <a:t>Poder agrupar pacientes com características afim</a:t>
+            </a:r>
+          </a:p>
+          <a:p>
+            <a:r>
+              <a:rPr lang="pt-BR" dirty="0"/>
+              <a:t>Poder analisar um comportamentos de um grupo </a:t>
+            </a:r>
+          </a:p>
+          <a:p>
+            <a:r>
+              <a:rPr lang="pt-BR" dirty="0"/>
+              <a:t>Possibilidade de Identificação de padrões de comportamento </a:t>
+            </a:r>
+            <a:r>
+              <a:rPr lang="pt-BR" b="1" dirty="0"/>
+              <a:t>sem ponderação arbitrária</a:t>
             </a:r>
           </a:p>
         </p:txBody>
@@ -9413,7 +9067,7 @@
     </p:spTree>
     <p:extLst>
       <p:ext uri="{BB962C8B-B14F-4D97-AF65-F5344CB8AC3E}">
-        <p14:creationId xmlns:p14="http://schemas.microsoft.com/office/powerpoint/2010/main" val="1571253652"/>
+        <p14:creationId xmlns:p14="http://schemas.microsoft.com/office/powerpoint/2010/main" val="3355279519"/>
       </p:ext>
     </p:extLst>
   </p:cSld>
@@ -9423,7 +9077,7 @@
 </p:sld>
 </file>
 
-<file path=ppt/slides/slide4.xml><?xml version="1.0" encoding="utf-8"?>
+<file path=ppt/slides/slide3.xml><?xml version="1.0" encoding="utf-8"?>
 <p:sld xmlns:a="http://schemas.openxmlformats.org/drawingml/2006/main" xmlns:r="http://schemas.openxmlformats.org/officeDocument/2006/relationships" xmlns:p="http://schemas.openxmlformats.org/presentationml/2006/main">
   <p:cSld>
     <p:bg>
@@ -9890,17 +9544,17 @@
               <a:rPr lang="pt-BR" sz="3200" b="1" dirty="0">
                 <a:latin typeface="+mj-lt"/>
               </a:rPr>
-              <a:t>Escolha da Técnica</a:t>
+              <a:t>Amostra</a:t>
             </a:r>
           </a:p>
         </p:txBody>
       </p:sp>
       <p:sp>
         <p:nvSpPr>
-          <p:cNvPr id="17" name="TextBox 16">
-            <a:extLst>
-              <a:ext uri="{FF2B5EF4-FFF2-40B4-BE49-F238E27FC236}">
-                <a16:creationId xmlns:a16="http://schemas.microsoft.com/office/drawing/2014/main" id="{B654891E-BBE2-D631-A9DC-18D960A2800F}"/>
+          <p:cNvPr id="11" name="TextBox 10">
+            <a:extLst>
+              <a:ext uri="{FF2B5EF4-FFF2-40B4-BE49-F238E27FC236}">
+                <a16:creationId xmlns:a16="http://schemas.microsoft.com/office/drawing/2014/main" id="{A30CCC7A-A557-6EB9-C7CC-A8BB3A0ABFC2}"/>
               </a:ext>
             </a:extLst>
           </p:cNvPr>
@@ -9909,8 +9563,8 @@
         </p:nvSpPr>
         <p:spPr>
           <a:xfrm>
-            <a:off x="-81364" y="2698280"/>
-            <a:ext cx="2665943" cy="523220"/>
+            <a:off x="4357597" y="750051"/>
+            <a:ext cx="7405142" cy="5594096"/>
           </a:xfrm>
           <a:prstGeom prst="rect">
             <a:avLst/>
@@ -9924,25 +9578,28 @@
           <a:lstStyle/>
           <a:p>
             <a:pPr lvl="2">
+              <a:lnSpc>
+                <a:spcPct val="150000"/>
+              </a:lnSpc>
               <a:defRPr/>
             </a:pPr>
             <a:r>
-              <a:rPr kumimoji="0" lang="pt-BR" sz="2800" b="1" i="0" u="none" strike="noStrike" kern="1200" cap="none" spc="0" normalizeH="0" baseline="0" noProof="0" dirty="0" err="1">
-                <a:ln>
-                  <a:noFill/>
-                </a:ln>
+              <a:rPr lang="pt-BR" sz="2400" b="1" dirty="0">
                 <a:solidFill>
                   <a:prstClr val="black"/>
                 </a:solidFill>
-                <a:effectLst/>
-                <a:uLnTx/>
-                <a:uFillTx/>
-                <a:latin typeface="+mj-lt"/>
-                <a:ea typeface="+mn-ea"/>
-                <a:cs typeface="+mn-cs"/>
-              </a:rPr>
-              <a:t>Clustering</a:t>
-            </a:r>
+                <a:latin typeface="+mj-lt"/>
+              </a:rPr>
+              <a:t>	  Variáveis Quantitativas</a:t>
+            </a:r>
+          </a:p>
+          <a:p>
+            <a:pPr lvl="2">
+              <a:lnSpc>
+                <a:spcPct val="150000"/>
+              </a:lnSpc>
+              <a:defRPr/>
+            </a:pPr>
             <a:endParaRPr kumimoji="0" lang="pt-BR" sz="2400" b="1" i="0" u="none" strike="noStrike" kern="1200" cap="none" spc="0" normalizeH="0" baseline="0" noProof="0" dirty="0">
               <a:ln>
                 <a:noFill/>
@@ -9958,14 +9615,356 @@
               <a:cs typeface="+mn-cs"/>
             </a:endParaRPr>
           </a:p>
+          <a:p>
+            <a:pPr marL="1714500" lvl="3" indent="-342900">
+              <a:lnSpc>
+                <a:spcPct val="150000"/>
+              </a:lnSpc>
+              <a:buFont typeface="Arial" panose="020B0604020202020204" pitchFamily="34" charset="0"/>
+              <a:buChar char="•"/>
+            </a:pPr>
+            <a:r>
+              <a:rPr lang="pt-BR" sz="1600" dirty="0">
+                <a:latin typeface="+mj-lt"/>
+              </a:rPr>
+              <a:t>Idade em Anos </a:t>
+            </a:r>
+            <a:r>
+              <a:rPr lang="pt-BR" sz="1600" i="1" dirty="0">
+                <a:solidFill>
+                  <a:srgbClr val="FF0000"/>
+                </a:solidFill>
+                <a:latin typeface="+mj-lt"/>
+              </a:rPr>
+              <a:t>(Atribuição aleatória)</a:t>
+            </a:r>
+          </a:p>
+          <a:p>
+            <a:pPr marL="1714500" lvl="3" indent="-342900">
+              <a:lnSpc>
+                <a:spcPct val="150000"/>
+              </a:lnSpc>
+              <a:buFont typeface="Arial" panose="020B0604020202020204" pitchFamily="34" charset="0"/>
+              <a:buChar char="•"/>
+            </a:pPr>
+            <a:r>
+              <a:rPr lang="pt-BR" sz="1600" dirty="0">
+                <a:latin typeface="+mj-lt"/>
+              </a:rPr>
+              <a:t>Peso em </a:t>
+            </a:r>
+            <a:r>
+              <a:rPr lang="pt-BR" sz="1600" dirty="0" err="1">
+                <a:latin typeface="+mj-lt"/>
+              </a:rPr>
+              <a:t>Kilograma</a:t>
+            </a:r>
+            <a:r>
+              <a:rPr lang="pt-BR" sz="1600" dirty="0">
+                <a:latin typeface="+mj-lt"/>
+              </a:rPr>
+              <a:t> </a:t>
+            </a:r>
+            <a:r>
+              <a:rPr lang="pt-BR" sz="1600" i="1" dirty="0">
+                <a:solidFill>
+                  <a:srgbClr val="FF0000"/>
+                </a:solidFill>
+                <a:latin typeface="+mj-lt"/>
+              </a:rPr>
+              <a:t>(</a:t>
+            </a:r>
+            <a:r>
+              <a:rPr lang="pt-BR" sz="1600" i="1" dirty="0" err="1">
+                <a:solidFill>
+                  <a:srgbClr val="FF0000"/>
+                </a:solidFill>
+                <a:latin typeface="+mj-lt"/>
+              </a:rPr>
+              <a:t>Atribuido</a:t>
+            </a:r>
+            <a:r>
+              <a:rPr lang="pt-BR" sz="1600" i="1" dirty="0">
+                <a:solidFill>
+                  <a:srgbClr val="FF0000"/>
+                </a:solidFill>
+                <a:latin typeface="+mj-lt"/>
+              </a:rPr>
+              <a:t> massa corpórea conforme idade adicionando um fator multiplicativo randômico variando 25% para mais ou para menos sobre o peso ideal da idade)</a:t>
+            </a:r>
+          </a:p>
+          <a:p>
+            <a:pPr marL="1714500" lvl="3" indent="-342900">
+              <a:lnSpc>
+                <a:spcPct val="150000"/>
+              </a:lnSpc>
+              <a:buFont typeface="Arial" panose="020B0604020202020204" pitchFamily="34" charset="0"/>
+              <a:buChar char="•"/>
+            </a:pPr>
+            <a:r>
+              <a:rPr lang="pt-BR" sz="1600" dirty="0">
+                <a:latin typeface="+mj-lt"/>
+              </a:rPr>
+              <a:t>Glicemia em </a:t>
+            </a:r>
+            <a:r>
+              <a:rPr lang="pt-BR" sz="1600" dirty="0" err="1">
+                <a:latin typeface="+mj-lt"/>
+              </a:rPr>
+              <a:t>mgdl</a:t>
+            </a:r>
+            <a:r>
+              <a:rPr lang="pt-BR" sz="1600" dirty="0">
+                <a:latin typeface="+mj-lt"/>
+              </a:rPr>
+              <a:t> </a:t>
+            </a:r>
+            <a:r>
+              <a:rPr lang="pt-BR" sz="1600" i="1" dirty="0">
+                <a:solidFill>
+                  <a:srgbClr val="FF0000"/>
+                </a:solidFill>
+                <a:latin typeface="+mj-lt"/>
+              </a:rPr>
+              <a:t>(Atribuição aleatória)</a:t>
+            </a:r>
+          </a:p>
+          <a:p>
+            <a:pPr marL="1714500" lvl="3" indent="-342900">
+              <a:lnSpc>
+                <a:spcPct val="150000"/>
+              </a:lnSpc>
+              <a:buFont typeface="Arial" panose="020B0604020202020204" pitchFamily="34" charset="0"/>
+              <a:buChar char="•"/>
+            </a:pPr>
+            <a:r>
+              <a:rPr lang="pt-BR" sz="1600" dirty="0">
+                <a:latin typeface="+mj-lt"/>
+              </a:rPr>
+              <a:t>Prolactina em </a:t>
+            </a:r>
+            <a:r>
+              <a:rPr lang="pt-BR" sz="1600" dirty="0" err="1">
+                <a:latin typeface="+mj-lt"/>
+              </a:rPr>
+              <a:t>ngml</a:t>
+            </a:r>
+            <a:r>
+              <a:rPr lang="pt-BR" sz="1600" dirty="0">
+                <a:latin typeface="+mj-lt"/>
+              </a:rPr>
+              <a:t> </a:t>
+            </a:r>
+            <a:r>
+              <a:rPr lang="pt-BR" sz="1600" i="1" dirty="0">
+                <a:solidFill>
+                  <a:srgbClr val="FF0000"/>
+                </a:solidFill>
+                <a:latin typeface="+mj-lt"/>
+              </a:rPr>
+              <a:t>(Atribuição aleatória)</a:t>
+            </a:r>
+          </a:p>
+          <a:p>
+            <a:pPr marL="1714500" lvl="3" indent="-342900">
+              <a:lnSpc>
+                <a:spcPct val="150000"/>
+              </a:lnSpc>
+              <a:buFont typeface="Arial" panose="020B0604020202020204" pitchFamily="34" charset="0"/>
+              <a:buChar char="•"/>
+            </a:pPr>
+            <a:r>
+              <a:rPr lang="pt-BR" sz="1600" dirty="0" err="1">
+                <a:latin typeface="+mj-lt"/>
+              </a:rPr>
+              <a:t>HDLb</a:t>
+            </a:r>
+            <a:r>
+              <a:rPr lang="pt-BR" sz="1600" dirty="0">
+                <a:latin typeface="+mj-lt"/>
+              </a:rPr>
+              <a:t> em </a:t>
+            </a:r>
+            <a:r>
+              <a:rPr lang="pt-BR" sz="1600" dirty="0" err="1">
+                <a:latin typeface="+mj-lt"/>
+              </a:rPr>
+              <a:t>mgdl</a:t>
+            </a:r>
+            <a:r>
+              <a:rPr lang="pt-BR" sz="1600" dirty="0">
+                <a:latin typeface="+mj-lt"/>
+              </a:rPr>
+              <a:t> </a:t>
+            </a:r>
+            <a:r>
+              <a:rPr lang="pt-BR" sz="1600" i="1" dirty="0">
+                <a:solidFill>
+                  <a:srgbClr val="FF0000"/>
+                </a:solidFill>
+                <a:latin typeface="+mj-lt"/>
+              </a:rPr>
+              <a:t>(Atribuição aleatória)</a:t>
+            </a:r>
+          </a:p>
+          <a:p>
+            <a:pPr marL="1714500" lvl="3" indent="-342900">
+              <a:lnSpc>
+                <a:spcPct val="150000"/>
+              </a:lnSpc>
+              <a:buFont typeface="Arial" panose="020B0604020202020204" pitchFamily="34" charset="0"/>
+              <a:buChar char="•"/>
+            </a:pPr>
+            <a:r>
+              <a:rPr lang="pt-BR" sz="1600" dirty="0" err="1">
+                <a:latin typeface="+mj-lt"/>
+              </a:rPr>
+              <a:t>LDLr</a:t>
+            </a:r>
+            <a:r>
+              <a:rPr lang="pt-BR" sz="1600" dirty="0">
+                <a:latin typeface="+mj-lt"/>
+              </a:rPr>
+              <a:t> em </a:t>
+            </a:r>
+            <a:r>
+              <a:rPr lang="pt-BR" sz="1600" dirty="0" err="1">
+                <a:latin typeface="+mj-lt"/>
+              </a:rPr>
+              <a:t>mgdl</a:t>
+            </a:r>
+            <a:r>
+              <a:rPr lang="pt-BR" sz="1600" dirty="0">
+                <a:latin typeface="+mj-lt"/>
+              </a:rPr>
+              <a:t> </a:t>
+            </a:r>
+            <a:r>
+              <a:rPr lang="pt-BR" sz="1600" i="1" dirty="0">
+                <a:solidFill>
+                  <a:srgbClr val="FF0000"/>
+                </a:solidFill>
+                <a:latin typeface="+mj-lt"/>
+              </a:rPr>
+              <a:t>(Atribuição aleatória)</a:t>
+            </a:r>
+          </a:p>
+          <a:p>
+            <a:pPr marL="1714500" lvl="3" indent="-342900">
+              <a:lnSpc>
+                <a:spcPct val="150000"/>
+              </a:lnSpc>
+              <a:buFont typeface="Arial" panose="020B0604020202020204" pitchFamily="34" charset="0"/>
+              <a:buChar char="•"/>
+            </a:pPr>
+            <a:r>
+              <a:rPr lang="pt-BR" sz="1600" dirty="0">
+                <a:latin typeface="+mj-lt"/>
+              </a:rPr>
+              <a:t>Triglicérides em </a:t>
+            </a:r>
+            <a:r>
+              <a:rPr lang="pt-BR" sz="1600" dirty="0" err="1">
+                <a:latin typeface="+mj-lt"/>
+              </a:rPr>
+              <a:t>mgdl</a:t>
+            </a:r>
+            <a:r>
+              <a:rPr lang="pt-BR" sz="1600" dirty="0">
+                <a:latin typeface="+mj-lt"/>
+              </a:rPr>
+              <a:t> </a:t>
+            </a:r>
+            <a:r>
+              <a:rPr lang="pt-BR" sz="1600" i="1" dirty="0">
+                <a:solidFill>
+                  <a:srgbClr val="FF0000"/>
+                </a:solidFill>
+                <a:latin typeface="+mj-lt"/>
+              </a:rPr>
+              <a:t>(Atribuição aleatória)</a:t>
+            </a:r>
+          </a:p>
+          <a:p>
+            <a:pPr marL="1714500" lvl="3" indent="-342900">
+              <a:lnSpc>
+                <a:spcPct val="150000"/>
+              </a:lnSpc>
+              <a:buFont typeface="Arial" panose="020B0604020202020204" pitchFamily="34" charset="0"/>
+              <a:buChar char="•"/>
+            </a:pPr>
+            <a:r>
+              <a:rPr lang="pt-BR" sz="1600" dirty="0">
+                <a:latin typeface="+mj-lt"/>
+              </a:rPr>
+              <a:t>Dosagem diária de </a:t>
+            </a:r>
+            <a:r>
+              <a:rPr lang="pt-BR" sz="1600" dirty="0" err="1">
+                <a:latin typeface="+mj-lt"/>
+              </a:rPr>
+              <a:t>Risperidona</a:t>
+            </a:r>
+            <a:r>
+              <a:rPr lang="pt-BR" sz="1600" dirty="0">
+                <a:latin typeface="+mj-lt"/>
+              </a:rPr>
+              <a:t> consumida mg  </a:t>
+            </a:r>
+            <a:r>
+              <a:rPr lang="pt-BR" sz="1600" i="1" dirty="0">
+                <a:solidFill>
+                  <a:srgbClr val="FF0000"/>
+                </a:solidFill>
+                <a:latin typeface="+mj-lt"/>
+              </a:rPr>
+              <a:t>(Atribuição aleatória)</a:t>
+            </a:r>
+          </a:p>
+          <a:p>
+            <a:pPr marL="1828800" lvl="3" indent="-457200">
+              <a:lnSpc>
+                <a:spcPct val="150000"/>
+              </a:lnSpc>
+              <a:buFont typeface="Arial" panose="020B0604020202020204" pitchFamily="34" charset="0"/>
+              <a:buChar char="•"/>
+            </a:pPr>
+            <a:r>
+              <a:rPr lang="pt-BR" sz="1600" dirty="0">
+                <a:latin typeface="+mj-lt"/>
+              </a:rPr>
+              <a:t>Dosagem diária de </a:t>
+            </a:r>
+            <a:r>
+              <a:rPr lang="pt-BR" sz="1600" dirty="0" err="1">
+                <a:latin typeface="+mj-lt"/>
+              </a:rPr>
+              <a:t>Valproato</a:t>
+            </a:r>
+            <a:r>
+              <a:rPr lang="pt-BR" sz="1600" dirty="0">
+                <a:latin typeface="+mj-lt"/>
+              </a:rPr>
+              <a:t> consumida mg </a:t>
+            </a:r>
+            <a:r>
+              <a:rPr lang="pt-BR" sz="1600" i="1" dirty="0">
+                <a:solidFill>
+                  <a:srgbClr val="FF0000"/>
+                </a:solidFill>
+                <a:latin typeface="+mj-lt"/>
+              </a:rPr>
+              <a:t>(Atribuição aleatória)</a:t>
+            </a:r>
+          </a:p>
         </p:txBody>
       </p:sp>
       <p:sp>
         <p:nvSpPr>
-          <p:cNvPr id="25" name="TextBox 24">
-            <a:extLst>
-              <a:ext uri="{FF2B5EF4-FFF2-40B4-BE49-F238E27FC236}">
-                <a16:creationId xmlns:a16="http://schemas.microsoft.com/office/drawing/2014/main" id="{FBA27A90-6D10-FEA5-B92E-4664266F4D56}"/>
+          <p:cNvPr id="13" name="TextBox 12">
+            <a:extLst>
+              <a:ext uri="{FF2B5EF4-FFF2-40B4-BE49-F238E27FC236}">
+                <a16:creationId xmlns:a16="http://schemas.microsoft.com/office/drawing/2014/main" id="{C4F2079A-87EE-5976-EDF6-D183EAA0B8A6}"/>
               </a:ext>
             </a:extLst>
           </p:cNvPr>
@@ -9974,8 +9973,8 @@
         </p:nvSpPr>
         <p:spPr>
           <a:xfrm>
-            <a:off x="-422347" y="3409241"/>
-            <a:ext cx="11247663" cy="2352952"/>
+            <a:off x="-755981" y="2468465"/>
+            <a:ext cx="6687097" cy="2215991"/>
           </a:xfrm>
           <a:prstGeom prst="rect">
             <a:avLst/>
@@ -9988,202 +9987,178 @@
           </a:bodyPr>
           <a:lstStyle/>
           <a:p>
-            <a:pPr marL="1257300" lvl="2" indent="-342900">
-              <a:lnSpc>
-                <a:spcPct val="150000"/>
-              </a:lnSpc>
-              <a:buFont typeface="Arial" panose="020B0604020202020204" pitchFamily="34" charset="0"/>
-              <a:buChar char="•"/>
+            <a:pPr lvl="2">
               <a:defRPr/>
             </a:pPr>
             <a:r>
-              <a:rPr lang="pt-BR" sz="2000" dirty="0" err="1">
+              <a:rPr kumimoji="0" lang="pt-BR" sz="2400" b="1" i="0" u="none" strike="noStrike" kern="1200" cap="none" spc="0" normalizeH="0" baseline="0" noProof="0" dirty="0">
+                <a:ln>
+                  <a:noFill/>
+                </a:ln>
                 <a:solidFill>
                   <a:prstClr val="black"/>
                 </a:solidFill>
-                <a:latin typeface="+mj-lt"/>
-              </a:rPr>
-              <a:t>Imput</a:t>
-            </a:r>
-            <a:r>
-              <a:rPr lang="pt-BR" sz="2000" dirty="0">
-                <a:solidFill>
-                  <a:prstClr val="black"/>
-                </a:solidFill>
-                <a:latin typeface="+mj-lt"/>
-              </a:rPr>
-              <a:t> Quanti, Output </a:t>
-            </a:r>
-            <a:r>
-              <a:rPr lang="pt-BR" sz="2000" dirty="0" err="1">
-                <a:solidFill>
-                  <a:prstClr val="black"/>
-                </a:solidFill>
-                <a:latin typeface="+mj-lt"/>
-              </a:rPr>
-              <a:t>Quali</a:t>
-            </a:r>
-            <a:endParaRPr lang="pt-BR" sz="2000" dirty="0">
+                <a:effectLst/>
+                <a:uLnTx/>
+                <a:uFillTx/>
+                <a:latin typeface="+mj-lt"/>
+                <a:ea typeface="+mn-ea"/>
+                <a:cs typeface="+mn-cs"/>
+              </a:rPr>
+              <a:t>	     Variáveis Qualitativas</a:t>
+            </a:r>
+          </a:p>
+          <a:p>
+            <a:pPr lvl="2">
+              <a:defRPr/>
+            </a:pPr>
+            <a:endParaRPr kumimoji="0" lang="pt-BR" sz="2400" b="0" i="0" u="none" strike="noStrike" kern="1200" cap="none" spc="0" normalizeH="0" baseline="0" noProof="0" dirty="0">
+              <a:ln>
+                <a:noFill/>
+              </a:ln>
               <a:solidFill>
                 <a:prstClr val="black"/>
               </a:solidFill>
+              <a:effectLst/>
+              <a:uLnTx/>
+              <a:uFillTx/>
+              <a:latin typeface="+mj-lt"/>
+              <a:ea typeface="+mn-ea"/>
+              <a:cs typeface="+mn-cs"/>
+            </a:endParaRPr>
+          </a:p>
+          <a:p>
+            <a:pPr marL="1714500" lvl="3" indent="-342900">
+              <a:buFont typeface="Arial" panose="020B0604020202020204" pitchFamily="34" charset="0"/>
+              <a:buChar char="•"/>
+            </a:pPr>
+            <a:r>
+              <a:rPr lang="pt-BR" dirty="0">
+                <a:latin typeface="+mj-lt"/>
+              </a:rPr>
+              <a:t>Nome Paciente </a:t>
+            </a:r>
+            <a:r>
+              <a:rPr lang="pt-BR" sz="1600" i="1" dirty="0">
+                <a:solidFill>
+                  <a:srgbClr val="FF0000"/>
+                </a:solidFill>
+                <a:latin typeface="+mj-lt"/>
+              </a:rPr>
+              <a:t>(Gerados aleatoriamente)</a:t>
+            </a:r>
+          </a:p>
+          <a:p>
+            <a:pPr lvl="3"/>
+            <a:endParaRPr lang="pt-BR" dirty="0">
               <a:latin typeface="+mj-lt"/>
             </a:endParaRPr>
           </a:p>
           <a:p>
-            <a:pPr marL="1257300" lvl="2" indent="-342900">
-              <a:lnSpc>
-                <a:spcPct val="150000"/>
-              </a:lnSpc>
+            <a:pPr marL="1714500" lvl="3" indent="-342900">
               <a:buFont typeface="Arial" panose="020B0604020202020204" pitchFamily="34" charset="0"/>
               <a:buChar char="•"/>
-              <a:defRPr/>
             </a:pPr>
             <a:r>
-              <a:rPr lang="pt-BR" sz="2000" dirty="0">
-                <a:solidFill>
-                  <a:prstClr val="black"/>
-                </a:solidFill>
-                <a:latin typeface="+mj-lt"/>
-              </a:rPr>
-              <a:t>Redução dimensionalidade amostral</a:t>
-            </a:r>
-          </a:p>
-          <a:p>
-            <a:pPr marL="1257300" lvl="2" indent="-342900">
-              <a:lnSpc>
-                <a:spcPct val="150000"/>
-              </a:lnSpc>
+              <a:rPr lang="pt-BR" dirty="0">
+                <a:latin typeface="+mj-lt"/>
+              </a:rPr>
+              <a:t>Sexo Biológico </a:t>
+            </a:r>
+            <a:r>
+              <a:rPr lang="pt-BR" sz="1600" i="1" dirty="0">
+                <a:solidFill>
+                  <a:srgbClr val="FF0000"/>
+                </a:solidFill>
+                <a:latin typeface="+mj-lt"/>
+              </a:rPr>
+              <a:t>(Atribuídos conforme nome)</a:t>
+            </a:r>
+          </a:p>
+          <a:p>
+            <a:pPr lvl="3"/>
+            <a:endParaRPr lang="pt-BR" dirty="0">
+              <a:latin typeface="+mj-lt"/>
+            </a:endParaRPr>
+          </a:p>
+          <a:p>
+            <a:pPr marL="1714500" lvl="3" indent="-342900">
               <a:buFont typeface="Arial" panose="020B0604020202020204" pitchFamily="34" charset="0"/>
               <a:buChar char="•"/>
-              <a:defRPr/>
             </a:pPr>
             <a:r>
-              <a:rPr lang="pt-BR" sz="2000" dirty="0">
-                <a:solidFill>
-                  <a:prstClr val="black"/>
-                </a:solidFill>
-                <a:latin typeface="+mj-lt"/>
-              </a:rPr>
-              <a:t>Diminuir a variabilidade total</a:t>
-            </a:r>
-          </a:p>
-          <a:p>
-            <a:pPr marL="1257300" lvl="2" indent="-342900">
-              <a:lnSpc>
-                <a:spcPct val="150000"/>
-              </a:lnSpc>
-              <a:buFont typeface="Arial" panose="020B0604020202020204" pitchFamily="34" charset="0"/>
-              <a:buChar char="•"/>
-              <a:defRPr/>
-            </a:pPr>
-            <a:r>
-              <a:rPr lang="pt-BR" sz="2000" dirty="0">
-                <a:solidFill>
-                  <a:prstClr val="black"/>
-                </a:solidFill>
-                <a:latin typeface="+mj-lt"/>
-              </a:rPr>
-              <a:t>Agrupar observações semelhantes (menos variabilidade possível </a:t>
-            </a:r>
-            <a:r>
-              <a:rPr lang="pt-BR" sz="2000" dirty="0" err="1">
-                <a:solidFill>
-                  <a:prstClr val="black"/>
-                </a:solidFill>
-                <a:latin typeface="+mj-lt"/>
-              </a:rPr>
-              <a:t>intra-grupos</a:t>
-            </a:r>
-            <a:r>
-              <a:rPr lang="pt-BR" sz="2000" dirty="0">
-                <a:solidFill>
-                  <a:prstClr val="black"/>
-                </a:solidFill>
-                <a:latin typeface="+mj-lt"/>
-              </a:rPr>
-              <a:t>)</a:t>
-            </a:r>
-          </a:p>
-          <a:p>
-            <a:pPr marL="1257300" lvl="2" indent="-342900">
-              <a:lnSpc>
-                <a:spcPct val="150000"/>
-              </a:lnSpc>
-              <a:buFont typeface="Arial" panose="020B0604020202020204" pitchFamily="34" charset="0"/>
-              <a:buChar char="•"/>
-              <a:defRPr/>
-            </a:pPr>
-            <a:r>
-              <a:rPr lang="pt-BR" sz="2000" dirty="0">
-                <a:solidFill>
-                  <a:prstClr val="black"/>
-                </a:solidFill>
-                <a:latin typeface="+mj-lt"/>
-              </a:rPr>
-              <a:t>Obter grupos os mais distintos possíveis (maior variabilidade possível entre </a:t>
-            </a:r>
-            <a:r>
-              <a:rPr lang="pt-BR" sz="2000" dirty="0" err="1">
-                <a:solidFill>
-                  <a:prstClr val="black"/>
-                </a:solidFill>
-                <a:latin typeface="+mj-lt"/>
-              </a:rPr>
-              <a:t>inter-grupos</a:t>
-            </a:r>
-            <a:r>
-              <a:rPr lang="pt-BR" sz="2000" dirty="0">
-                <a:solidFill>
-                  <a:prstClr val="black"/>
-                </a:solidFill>
-                <a:latin typeface="+mj-lt"/>
-              </a:rPr>
-              <a:t>)</a:t>
-            </a:r>
-          </a:p>
-        </p:txBody>
-      </p:sp>
-      <p:pic>
-        <p:nvPicPr>
-          <p:cNvPr id="3" name="Picture 2" descr="A graph of data analysis&#10;&#10;Description automatically generated with medium confidence">
-            <a:extLst>
-              <a:ext uri="{FF2B5EF4-FFF2-40B4-BE49-F238E27FC236}">
-                <a16:creationId xmlns:a16="http://schemas.microsoft.com/office/drawing/2014/main" id="{CC161242-40FB-9A89-D0C9-83709E1A838A}"/>
-              </a:ext>
-            </a:extLst>
-          </p:cNvPr>
-          <p:cNvPicPr>
-            <a:picLocks noChangeAspect="1"/>
-          </p:cNvPicPr>
+              <a:rPr lang="pt-BR" dirty="0">
+                <a:latin typeface="+mj-lt"/>
+              </a:rPr>
+              <a:t>Classificação do Diagnóstico </a:t>
+            </a:r>
+            <a:r>
+              <a:rPr lang="pt-BR" sz="1600" i="1" dirty="0">
+                <a:solidFill>
+                  <a:srgbClr val="FF0000"/>
+                </a:solidFill>
+                <a:latin typeface="+mj-lt"/>
+              </a:rPr>
+              <a:t>(Atribuição aleatória)</a:t>
+            </a:r>
+          </a:p>
+        </p:txBody>
+      </p:sp>
+      <p:sp>
+        <p:nvSpPr>
+          <p:cNvPr id="24" name="TextBox 23">
+            <a:extLst>
+              <a:ext uri="{FF2B5EF4-FFF2-40B4-BE49-F238E27FC236}">
+                <a16:creationId xmlns:a16="http://schemas.microsoft.com/office/drawing/2014/main" id="{CB44D9C4-54F2-1210-E128-D858451DE2AD}"/>
+              </a:ext>
+            </a:extLst>
+          </p:cNvPr>
+          <p:cNvSpPr txBox="1"/>
           <p:nvPr/>
-        </p:nvPicPr>
-        <p:blipFill>
-          <a:blip r:embed="rId2">
-            <a:extLst>
-              <a:ext uri="{28A0092B-C50C-407E-A947-70E740481C1C}">
-                <a14:useLocalDpi xmlns:a14="http://schemas.microsoft.com/office/drawing/2010/main" val="0"/>
-              </a:ext>
-            </a:extLst>
-          </a:blip>
-          <a:stretch>
-            <a:fillRect/>
-          </a:stretch>
-        </p:blipFill>
+        </p:nvSpPr>
         <p:spPr>
           <a:xfrm>
-            <a:off x="5715280" y="770757"/>
-            <a:ext cx="5950426" cy="3480604"/>
+            <a:off x="782093" y="5187626"/>
+            <a:ext cx="3610947" cy="461665"/>
           </a:xfrm>
           <a:prstGeom prst="rect">
             <a:avLst/>
           </a:prstGeom>
+          <a:noFill/>
         </p:spPr>
-      </p:pic>
+        <p:txBody>
+          <a:bodyPr wrap="square">
+            <a:spAutoFit/>
+          </a:bodyPr>
+          <a:lstStyle/>
+          <a:p>
+            <a:pPr lvl="2">
+              <a:defRPr/>
+            </a:pPr>
+            <a:r>
+              <a:rPr kumimoji="0" lang="pt-BR" sz="2400" b="1" i="0" u="none" strike="noStrike" kern="1200" cap="none" spc="0" normalizeH="0" baseline="0" noProof="0" dirty="0">
+                <a:ln>
+                  <a:noFill/>
+                </a:ln>
+                <a:solidFill>
+                  <a:prstClr val="black"/>
+                </a:solidFill>
+                <a:effectLst/>
+                <a:uLnTx/>
+                <a:uFillTx/>
+                <a:latin typeface="+mj-lt"/>
+                <a:ea typeface="+mn-ea"/>
+                <a:cs typeface="+mn-cs"/>
+              </a:rPr>
+              <a:t>500 Observações</a:t>
+            </a:r>
+          </a:p>
+        </p:txBody>
+      </p:sp>
     </p:spTree>
     <p:extLst>
       <p:ext uri="{BB962C8B-B14F-4D97-AF65-F5344CB8AC3E}">
-        <p14:creationId xmlns:p14="http://schemas.microsoft.com/office/powerpoint/2010/main" val="387425144"/>
+        <p14:creationId xmlns:p14="http://schemas.microsoft.com/office/powerpoint/2010/main" val="1571253652"/>
       </p:ext>
     </p:extLst>
   </p:cSld>
@@ -10193,7 +10168,7 @@
 </p:sld>
 </file>
 
-<file path=ppt/slides/slide5.xml><?xml version="1.0" encoding="utf-8"?>
+<file path=ppt/slides/slide4.xml><?xml version="1.0" encoding="utf-8"?>
 <p:sld xmlns:a="http://schemas.openxmlformats.org/drawingml/2006/main" xmlns:r="http://schemas.openxmlformats.org/officeDocument/2006/relationships" xmlns:p="http://schemas.openxmlformats.org/presentationml/2006/main">
   <p:cSld>
     <p:bg>
@@ -10657,23 +10632,20 @@
           <a:lstStyle/>
           <a:p>
             <a:r>
-              <a:rPr lang="pt-BR" sz="3200" b="1" dirty="0" err="1">
-                <a:latin typeface="+mj-lt"/>
-              </a:rPr>
-              <a:t>Clustering</a:t>
-            </a:r>
-            <a:endParaRPr lang="pt-BR" sz="3200" b="1" dirty="0">
-              <a:latin typeface="+mj-lt"/>
-            </a:endParaRPr>
+              <a:rPr lang="pt-BR" sz="3200" b="1" dirty="0">
+                <a:latin typeface="+mj-lt"/>
+              </a:rPr>
+              <a:t>Escolha da Técnica</a:t>
+            </a:r>
           </a:p>
         </p:txBody>
       </p:sp>
       <p:sp>
         <p:nvSpPr>
-          <p:cNvPr id="21" name="TextBox 20">
-            <a:extLst>
-              <a:ext uri="{FF2B5EF4-FFF2-40B4-BE49-F238E27FC236}">
-                <a16:creationId xmlns:a16="http://schemas.microsoft.com/office/drawing/2014/main" id="{B0250163-EAC6-E05A-16FD-AD530B44FA8C}"/>
+          <p:cNvPr id="17" name="TextBox 16">
+            <a:extLst>
+              <a:ext uri="{FF2B5EF4-FFF2-40B4-BE49-F238E27FC236}">
+                <a16:creationId xmlns:a16="http://schemas.microsoft.com/office/drawing/2014/main" id="{B654891E-BBE2-D631-A9DC-18D960A2800F}"/>
               </a:ext>
             </a:extLst>
           </p:cNvPr>
@@ -10682,8 +10654,8 @@
         </p:nvSpPr>
         <p:spPr>
           <a:xfrm>
-            <a:off x="-681680" y="3071527"/>
-            <a:ext cx="2733041" cy="1077218"/>
+            <a:off x="-81364" y="2698280"/>
+            <a:ext cx="2665943" cy="523220"/>
           </a:xfrm>
           <a:prstGeom prst="rect">
             <a:avLst/>
@@ -10696,11 +10668,11 @@
           </a:bodyPr>
           <a:lstStyle/>
           <a:p>
-            <a:pPr lvl="2" algn="ctr">
+            <a:pPr lvl="2">
               <a:defRPr/>
             </a:pPr>
             <a:r>
-              <a:rPr kumimoji="0" lang="pt-BR" sz="2000" b="1" i="0" u="none" strike="noStrike" kern="1200" cap="none" spc="0" normalizeH="0" baseline="0" noProof="0" dirty="0">
+              <a:rPr kumimoji="0" lang="pt-BR" sz="2800" b="1" i="0" u="none" strike="noStrike" kern="1200" cap="none" spc="0" normalizeH="0" baseline="0" noProof="0" dirty="0" err="1">
                 <a:ln>
                   <a:noFill/>
                 </a:ln>
@@ -10714,716 +10686,7 @@
                 <a:ea typeface="+mn-ea"/>
                 <a:cs typeface="+mn-cs"/>
               </a:rPr>
-              <a:t>Hierárquico</a:t>
-            </a:r>
-          </a:p>
-          <a:p>
-            <a:pPr lvl="2" algn="ctr">
-              <a:defRPr/>
-            </a:pPr>
-            <a:endParaRPr kumimoji="0" lang="pt-BR" sz="2400" b="0" i="0" u="none" strike="noStrike" kern="1200" cap="none" spc="0" normalizeH="0" baseline="0" noProof="0" dirty="0">
-              <a:ln>
-                <a:noFill/>
-              </a:ln>
-              <a:solidFill>
-                <a:prstClr val="black"/>
-              </a:solidFill>
-              <a:effectLst/>
-              <a:uLnTx/>
-              <a:uFillTx/>
-              <a:latin typeface="+mj-lt"/>
-              <a:ea typeface="+mn-ea"/>
-              <a:cs typeface="+mn-cs"/>
-            </a:endParaRPr>
-          </a:p>
-          <a:p>
-            <a:pPr lvl="2" algn="ctr">
-              <a:defRPr/>
-            </a:pPr>
-            <a:r>
-              <a:rPr lang="pt-BR" sz="2000" dirty="0" err="1">
-                <a:solidFill>
-                  <a:prstClr val="black"/>
-                </a:solidFill>
-                <a:latin typeface="+mj-lt"/>
-              </a:rPr>
-              <a:t>Dendograma</a:t>
-            </a:r>
-            <a:endParaRPr lang="pt-BR" sz="2400" dirty="0">
-              <a:solidFill>
-                <a:prstClr val="black"/>
-              </a:solidFill>
-              <a:latin typeface="+mj-lt"/>
-            </a:endParaRPr>
-          </a:p>
-        </p:txBody>
-      </p:sp>
-      <p:sp>
-        <p:nvSpPr>
-          <p:cNvPr id="26" name="TextBox 25">
-            <a:extLst>
-              <a:ext uri="{FF2B5EF4-FFF2-40B4-BE49-F238E27FC236}">
-                <a16:creationId xmlns:a16="http://schemas.microsoft.com/office/drawing/2014/main" id="{091A5185-0BCD-57FA-E0A5-9EE04F743CF4}"/>
-              </a:ext>
-            </a:extLst>
-          </p:cNvPr>
-          <p:cNvSpPr txBox="1"/>
-          <p:nvPr/>
-        </p:nvSpPr>
-        <p:spPr>
-          <a:xfrm>
-            <a:off x="5627850" y="979228"/>
-            <a:ext cx="5430966" cy="2677656"/>
-          </a:xfrm>
-          <a:prstGeom prst="rect">
-            <a:avLst/>
-          </a:prstGeom>
-          <a:noFill/>
-        </p:spPr>
-        <p:txBody>
-          <a:bodyPr wrap="square">
-            <a:spAutoFit/>
-          </a:bodyPr>
-          <a:lstStyle/>
-          <a:p>
-            <a:pPr lvl="2">
-              <a:defRPr/>
-            </a:pPr>
-            <a:r>
-              <a:rPr kumimoji="0" lang="pt-BR" sz="2400" b="1" i="0" u="none" strike="noStrike" kern="1200" cap="none" spc="0" normalizeH="0" baseline="0" noProof="0" dirty="0">
-                <a:ln>
-                  <a:noFill/>
-                </a:ln>
-                <a:solidFill>
-                  <a:prstClr val="black"/>
-                </a:solidFill>
-                <a:effectLst/>
-                <a:uLnTx/>
-                <a:uFillTx/>
-                <a:latin typeface="+mj-lt"/>
-                <a:ea typeface="+mn-ea"/>
-                <a:cs typeface="+mn-cs"/>
-              </a:rPr>
-              <a:t>Métodos de Cálculo das Distâncias</a:t>
-            </a:r>
-          </a:p>
-          <a:p>
-            <a:pPr lvl="2">
-              <a:defRPr/>
-            </a:pPr>
-            <a:endParaRPr kumimoji="0" lang="pt-BR" sz="2400" b="0" i="0" u="none" strike="noStrike" kern="1200" cap="none" spc="0" normalizeH="0" baseline="0" noProof="0" dirty="0">
-              <a:ln>
-                <a:noFill/>
-              </a:ln>
-              <a:solidFill>
-                <a:prstClr val="black"/>
-              </a:solidFill>
-              <a:effectLst/>
-              <a:uLnTx/>
-              <a:uFillTx/>
-              <a:latin typeface="+mj-lt"/>
-              <a:ea typeface="+mn-ea"/>
-              <a:cs typeface="+mn-cs"/>
-            </a:endParaRPr>
-          </a:p>
-          <a:p>
-            <a:pPr lvl="2" indent="-342900">
-              <a:buFont typeface="Arial" panose="020B0604020202020204" pitchFamily="34" charset="0"/>
-              <a:buChar char="•"/>
-              <a:defRPr/>
-            </a:pPr>
-            <a:r>
-              <a:rPr lang="pt-BR" sz="2000" dirty="0" err="1">
-                <a:solidFill>
-                  <a:prstClr val="black"/>
-                </a:solidFill>
-                <a:latin typeface="+mj-lt"/>
-              </a:rPr>
-              <a:t>Euclidian</a:t>
-            </a:r>
-            <a:r>
-              <a:rPr lang="pt-BR" sz="2000" dirty="0">
-                <a:solidFill>
-                  <a:prstClr val="black"/>
-                </a:solidFill>
-                <a:latin typeface="+mj-lt"/>
-              </a:rPr>
-              <a:t> </a:t>
-            </a:r>
-            <a:r>
-              <a:rPr lang="pt-BR" sz="2000" dirty="0" err="1">
-                <a:solidFill>
-                  <a:prstClr val="black"/>
-                </a:solidFill>
-                <a:latin typeface="+mj-lt"/>
-              </a:rPr>
-              <a:t>Distance</a:t>
-            </a:r>
-            <a:endParaRPr lang="pt-BR" sz="2000" dirty="0">
-              <a:solidFill>
-                <a:prstClr val="black"/>
-              </a:solidFill>
-              <a:latin typeface="+mj-lt"/>
-            </a:endParaRPr>
-          </a:p>
-          <a:p>
-            <a:pPr lvl="2" indent="-342900">
-              <a:buFont typeface="Arial" panose="020B0604020202020204" pitchFamily="34" charset="0"/>
-              <a:buChar char="•"/>
-              <a:defRPr/>
-            </a:pPr>
-            <a:r>
-              <a:rPr lang="pt-BR" sz="2000" dirty="0">
-                <a:solidFill>
-                  <a:prstClr val="black"/>
-                </a:solidFill>
-                <a:latin typeface="+mj-lt"/>
-              </a:rPr>
-              <a:t>Manhattan </a:t>
-            </a:r>
-            <a:r>
-              <a:rPr lang="pt-BR" sz="2000" dirty="0" err="1">
-                <a:solidFill>
-                  <a:prstClr val="black"/>
-                </a:solidFill>
-                <a:latin typeface="+mj-lt"/>
-              </a:rPr>
-              <a:t>Distance</a:t>
-            </a:r>
-            <a:endParaRPr lang="pt-BR" sz="2000" dirty="0">
-              <a:solidFill>
-                <a:prstClr val="black"/>
-              </a:solidFill>
-              <a:latin typeface="+mj-lt"/>
-            </a:endParaRPr>
-          </a:p>
-          <a:p>
-            <a:pPr lvl="2" indent="-342900">
-              <a:buFont typeface="Arial" panose="020B0604020202020204" pitchFamily="34" charset="0"/>
-              <a:buChar char="•"/>
-              <a:defRPr/>
-            </a:pPr>
-            <a:r>
-              <a:rPr lang="pt-BR" sz="2000" dirty="0">
-                <a:solidFill>
-                  <a:prstClr val="black"/>
-                </a:solidFill>
-                <a:latin typeface="+mj-lt"/>
-              </a:rPr>
-              <a:t>Canberra </a:t>
-            </a:r>
-            <a:r>
-              <a:rPr lang="pt-BR" sz="2000" dirty="0" err="1">
-                <a:solidFill>
-                  <a:prstClr val="black"/>
-                </a:solidFill>
-                <a:latin typeface="+mj-lt"/>
-              </a:rPr>
-              <a:t>Distance</a:t>
-            </a:r>
-            <a:endParaRPr lang="pt-BR" sz="2000" dirty="0">
-              <a:solidFill>
-                <a:prstClr val="black"/>
-              </a:solidFill>
-              <a:latin typeface="+mj-lt"/>
-            </a:endParaRPr>
-          </a:p>
-          <a:p>
-            <a:pPr lvl="2" indent="-342900">
-              <a:buFont typeface="Arial" panose="020B0604020202020204" pitchFamily="34" charset="0"/>
-              <a:buChar char="•"/>
-              <a:defRPr/>
-            </a:pPr>
-            <a:r>
-              <a:rPr lang="pt-BR" sz="2000" dirty="0">
-                <a:solidFill>
-                  <a:prstClr val="black"/>
-                </a:solidFill>
-                <a:latin typeface="+mj-lt"/>
-              </a:rPr>
-              <a:t>Minkowski </a:t>
-            </a:r>
-            <a:r>
-              <a:rPr lang="pt-BR" sz="2000" dirty="0" err="1">
-                <a:solidFill>
-                  <a:prstClr val="black"/>
-                </a:solidFill>
-                <a:latin typeface="+mj-lt"/>
-              </a:rPr>
-              <a:t>Distance</a:t>
-            </a:r>
-            <a:endParaRPr lang="pt-BR" sz="2000" dirty="0">
-              <a:solidFill>
-                <a:prstClr val="black"/>
-              </a:solidFill>
-              <a:latin typeface="+mj-lt"/>
-            </a:endParaRPr>
-          </a:p>
-          <a:p>
-            <a:pPr lvl="2" indent="-342900">
-              <a:buFont typeface="Arial" panose="020B0604020202020204" pitchFamily="34" charset="0"/>
-              <a:buChar char="•"/>
-              <a:defRPr/>
-            </a:pPr>
-            <a:r>
-              <a:rPr lang="pt-BR" sz="2000" dirty="0" err="1">
-                <a:solidFill>
-                  <a:prstClr val="black"/>
-                </a:solidFill>
-                <a:latin typeface="+mj-lt"/>
-              </a:rPr>
-              <a:t>Maximum</a:t>
-            </a:r>
-            <a:r>
-              <a:rPr lang="pt-BR" sz="2000" dirty="0">
-                <a:solidFill>
-                  <a:prstClr val="black"/>
-                </a:solidFill>
-                <a:latin typeface="+mj-lt"/>
-              </a:rPr>
-              <a:t> </a:t>
-            </a:r>
-            <a:r>
-              <a:rPr lang="pt-BR" sz="2000" dirty="0" err="1">
-                <a:solidFill>
-                  <a:prstClr val="black"/>
-                </a:solidFill>
-                <a:latin typeface="+mj-lt"/>
-              </a:rPr>
-              <a:t>Distance</a:t>
-            </a:r>
-            <a:endParaRPr lang="pt-BR" sz="2000" dirty="0">
-              <a:solidFill>
-                <a:prstClr val="black"/>
-              </a:solidFill>
-              <a:latin typeface="+mj-lt"/>
-            </a:endParaRPr>
-          </a:p>
-          <a:p>
-            <a:pPr lvl="2" indent="-342900">
-              <a:buFont typeface="Arial" panose="020B0604020202020204" pitchFamily="34" charset="0"/>
-              <a:buChar char="•"/>
-              <a:defRPr/>
-            </a:pPr>
-            <a:r>
-              <a:rPr lang="pt-BR" sz="2000" dirty="0" err="1">
-                <a:solidFill>
-                  <a:prstClr val="black"/>
-                </a:solidFill>
-                <a:latin typeface="+mj-lt"/>
-              </a:rPr>
-              <a:t>Binary</a:t>
-            </a:r>
-            <a:r>
-              <a:rPr lang="pt-BR" sz="2000" dirty="0">
-                <a:solidFill>
-                  <a:prstClr val="black"/>
-                </a:solidFill>
-                <a:latin typeface="+mj-lt"/>
-              </a:rPr>
-              <a:t> </a:t>
-            </a:r>
-            <a:r>
-              <a:rPr lang="pt-BR" sz="2000" dirty="0" err="1">
-                <a:solidFill>
-                  <a:prstClr val="black"/>
-                </a:solidFill>
-                <a:latin typeface="+mj-lt"/>
-              </a:rPr>
-              <a:t>Distance</a:t>
-            </a:r>
-            <a:endParaRPr lang="pt-BR" sz="2000" dirty="0">
-              <a:solidFill>
-                <a:prstClr val="black"/>
-              </a:solidFill>
-              <a:latin typeface="+mj-lt"/>
-            </a:endParaRPr>
-          </a:p>
-        </p:txBody>
-      </p:sp>
-      <p:sp>
-        <p:nvSpPr>
-          <p:cNvPr id="24" name="TextBox 23">
-            <a:extLst>
-              <a:ext uri="{FF2B5EF4-FFF2-40B4-BE49-F238E27FC236}">
-                <a16:creationId xmlns:a16="http://schemas.microsoft.com/office/drawing/2014/main" id="{0EDD68C1-AF59-CC4C-F28B-8760A29C4AD0}"/>
-              </a:ext>
-            </a:extLst>
-          </p:cNvPr>
-          <p:cNvSpPr txBox="1"/>
-          <p:nvPr/>
-        </p:nvSpPr>
-        <p:spPr>
-          <a:xfrm>
-            <a:off x="2257632" y="3071527"/>
-            <a:ext cx="3066656" cy="1077218"/>
-          </a:xfrm>
-          <a:prstGeom prst="rect">
-            <a:avLst/>
-          </a:prstGeom>
-          <a:noFill/>
-        </p:spPr>
-        <p:txBody>
-          <a:bodyPr wrap="square">
-            <a:spAutoFit/>
-          </a:bodyPr>
-          <a:lstStyle/>
-          <a:p>
-            <a:pPr lvl="2" algn="ctr">
-              <a:defRPr/>
-            </a:pPr>
-            <a:r>
-              <a:rPr kumimoji="0" lang="pt-BR" sz="2000" b="1" i="0" u="none" strike="noStrike" kern="1200" cap="none" spc="0" normalizeH="0" baseline="0" noProof="0" dirty="0">
-                <a:ln>
-                  <a:noFill/>
-                </a:ln>
-                <a:solidFill>
-                  <a:prstClr val="black"/>
-                </a:solidFill>
-                <a:effectLst/>
-                <a:uLnTx/>
-                <a:uFillTx/>
-                <a:latin typeface="+mj-lt"/>
-                <a:ea typeface="+mn-ea"/>
-                <a:cs typeface="+mn-cs"/>
-              </a:rPr>
-              <a:t>Não Hierárquico</a:t>
-            </a:r>
-          </a:p>
-          <a:p>
-            <a:pPr lvl="2" algn="ctr">
-              <a:defRPr/>
-            </a:pPr>
-            <a:endParaRPr kumimoji="0" lang="pt-BR" sz="2400" b="0" i="0" u="none" strike="noStrike" kern="1200" cap="none" spc="0" normalizeH="0" baseline="0" noProof="0" dirty="0">
-              <a:ln>
-                <a:noFill/>
-              </a:ln>
-              <a:solidFill>
-                <a:prstClr val="black"/>
-              </a:solidFill>
-              <a:effectLst/>
-              <a:uLnTx/>
-              <a:uFillTx/>
-              <a:latin typeface="+mj-lt"/>
-              <a:ea typeface="+mn-ea"/>
-              <a:cs typeface="+mn-cs"/>
-            </a:endParaRPr>
-          </a:p>
-          <a:p>
-            <a:pPr lvl="2" algn="ctr">
-              <a:defRPr/>
-            </a:pPr>
-            <a:r>
-              <a:rPr lang="pt-BR" sz="2000" dirty="0">
-                <a:solidFill>
-                  <a:prstClr val="black"/>
-                </a:solidFill>
-                <a:latin typeface="+mj-lt"/>
-              </a:rPr>
-              <a:t>K-</a:t>
-            </a:r>
-            <a:r>
-              <a:rPr lang="pt-BR" sz="2000" dirty="0" err="1">
-                <a:solidFill>
-                  <a:prstClr val="black"/>
-                </a:solidFill>
-                <a:latin typeface="+mj-lt"/>
-              </a:rPr>
-              <a:t>Means</a:t>
-            </a:r>
-            <a:endParaRPr lang="pt-BR" sz="2400" dirty="0">
-              <a:solidFill>
-                <a:prstClr val="black"/>
-              </a:solidFill>
-              <a:latin typeface="+mj-lt"/>
-            </a:endParaRPr>
-          </a:p>
-        </p:txBody>
-      </p:sp>
-      <p:sp>
-        <p:nvSpPr>
-          <p:cNvPr id="28" name="TextBox 27">
-            <a:extLst>
-              <a:ext uri="{FF2B5EF4-FFF2-40B4-BE49-F238E27FC236}">
-                <a16:creationId xmlns:a16="http://schemas.microsoft.com/office/drawing/2014/main" id="{46B2B9A9-9947-6838-E2CD-130C88DDC3B6}"/>
-              </a:ext>
-            </a:extLst>
-          </p:cNvPr>
-          <p:cNvSpPr txBox="1"/>
-          <p:nvPr/>
-        </p:nvSpPr>
-        <p:spPr>
-          <a:xfrm>
-            <a:off x="87362" y="2390338"/>
-            <a:ext cx="4931719" cy="461665"/>
-          </a:xfrm>
-          <a:prstGeom prst="rect">
-            <a:avLst/>
-          </a:prstGeom>
-          <a:noFill/>
-        </p:spPr>
-        <p:txBody>
-          <a:bodyPr wrap="square">
-            <a:spAutoFit/>
-          </a:bodyPr>
-          <a:lstStyle/>
-          <a:p>
-            <a:pPr lvl="2">
-              <a:defRPr/>
-            </a:pPr>
-            <a:r>
-              <a:rPr kumimoji="0" lang="pt-BR" sz="2400" b="1" i="0" u="none" strike="noStrike" kern="1200" cap="none" spc="0" normalizeH="0" baseline="0" noProof="0" dirty="0">
-                <a:ln>
-                  <a:noFill/>
-                </a:ln>
-                <a:solidFill>
-                  <a:prstClr val="black"/>
-                </a:solidFill>
-                <a:effectLst/>
-                <a:uLnTx/>
-                <a:uFillTx/>
-                <a:latin typeface="+mj-lt"/>
-                <a:ea typeface="+mn-ea"/>
-                <a:cs typeface="+mn-cs"/>
-              </a:rPr>
-              <a:t>Esquemas de Aglomeração</a:t>
-            </a:r>
-          </a:p>
-        </p:txBody>
-      </p:sp>
-      <p:sp>
-        <p:nvSpPr>
-          <p:cNvPr id="3" name="TextBox 2">
-            <a:extLst>
-              <a:ext uri="{FF2B5EF4-FFF2-40B4-BE49-F238E27FC236}">
-                <a16:creationId xmlns:a16="http://schemas.microsoft.com/office/drawing/2014/main" id="{E37DAB5D-0F54-E601-6762-65A906FA0B68}"/>
-              </a:ext>
-            </a:extLst>
-          </p:cNvPr>
-          <p:cNvSpPr txBox="1"/>
-          <p:nvPr/>
-        </p:nvSpPr>
-        <p:spPr>
-          <a:xfrm>
-            <a:off x="5637237" y="3971605"/>
-            <a:ext cx="4496381" cy="2062103"/>
-          </a:xfrm>
-          <a:prstGeom prst="rect">
-            <a:avLst/>
-          </a:prstGeom>
-          <a:noFill/>
-        </p:spPr>
-        <p:txBody>
-          <a:bodyPr wrap="square">
-            <a:spAutoFit/>
-          </a:bodyPr>
-          <a:lstStyle/>
-          <a:p>
-            <a:pPr lvl="2">
-              <a:defRPr/>
-            </a:pPr>
-            <a:r>
-              <a:rPr kumimoji="0" lang="pt-BR" sz="2400" b="1" i="0" u="none" strike="noStrike" kern="1200" cap="none" spc="0" normalizeH="0" baseline="0" noProof="0" dirty="0">
-                <a:ln>
-                  <a:noFill/>
-                </a:ln>
-                <a:solidFill>
-                  <a:prstClr val="black"/>
-                </a:solidFill>
-                <a:effectLst/>
-                <a:uLnTx/>
-                <a:uFillTx/>
-                <a:latin typeface="+mj-lt"/>
-                <a:ea typeface="+mn-ea"/>
-                <a:cs typeface="+mn-cs"/>
-              </a:rPr>
-              <a:t>Métodos de Encadeamento</a:t>
-            </a:r>
-          </a:p>
-          <a:p>
-            <a:pPr lvl="2">
-              <a:defRPr/>
-            </a:pPr>
-            <a:endParaRPr kumimoji="0" lang="pt-BR" sz="2400" b="0" i="0" u="none" strike="noStrike" kern="1200" cap="none" spc="0" normalizeH="0" baseline="0" noProof="0" dirty="0">
-              <a:ln>
-                <a:noFill/>
-              </a:ln>
-              <a:solidFill>
-                <a:prstClr val="black"/>
-              </a:solidFill>
-              <a:effectLst/>
-              <a:uLnTx/>
-              <a:uFillTx/>
-              <a:latin typeface="+mj-lt"/>
-              <a:ea typeface="+mn-ea"/>
-              <a:cs typeface="+mn-cs"/>
-            </a:endParaRPr>
-          </a:p>
-          <a:p>
-            <a:pPr lvl="2" indent="-342900">
-              <a:buFont typeface="Arial" panose="020B0604020202020204" pitchFamily="34" charset="0"/>
-              <a:buChar char="•"/>
-              <a:defRPr/>
-            </a:pPr>
-            <a:r>
-              <a:rPr lang="pt-BR" sz="2000" dirty="0">
-                <a:solidFill>
-                  <a:prstClr val="black"/>
-                </a:solidFill>
-                <a:latin typeface="+mj-lt"/>
-              </a:rPr>
-              <a:t>Complete </a:t>
-            </a:r>
-            <a:r>
-              <a:rPr lang="pt-BR" sz="2000" dirty="0" err="1">
-                <a:solidFill>
-                  <a:prstClr val="black"/>
-                </a:solidFill>
-                <a:latin typeface="+mj-lt"/>
-              </a:rPr>
-              <a:t>Linkage</a:t>
-            </a:r>
-            <a:endParaRPr lang="pt-BR" sz="2000" dirty="0">
-              <a:solidFill>
-                <a:prstClr val="black"/>
-              </a:solidFill>
-              <a:latin typeface="+mj-lt"/>
-            </a:endParaRPr>
-          </a:p>
-          <a:p>
-            <a:pPr lvl="2" indent="-342900">
-              <a:buFont typeface="Arial" panose="020B0604020202020204" pitchFamily="34" charset="0"/>
-              <a:buChar char="•"/>
-              <a:defRPr/>
-            </a:pPr>
-            <a:r>
-              <a:rPr lang="pt-BR" sz="2000" dirty="0">
-                <a:solidFill>
-                  <a:prstClr val="black"/>
-                </a:solidFill>
-                <a:latin typeface="+mj-lt"/>
-              </a:rPr>
-              <a:t>Single </a:t>
-            </a:r>
-            <a:r>
-              <a:rPr lang="pt-BR" sz="2000" dirty="0" err="1">
-                <a:solidFill>
-                  <a:prstClr val="black"/>
-                </a:solidFill>
-                <a:latin typeface="+mj-lt"/>
-              </a:rPr>
-              <a:t>Linkage</a:t>
-            </a:r>
-            <a:endParaRPr lang="pt-BR" sz="2000" dirty="0">
-              <a:solidFill>
-                <a:prstClr val="black"/>
-              </a:solidFill>
-              <a:latin typeface="+mj-lt"/>
-            </a:endParaRPr>
-          </a:p>
-          <a:p>
-            <a:pPr lvl="2" indent="-342900">
-              <a:buFont typeface="Arial" panose="020B0604020202020204" pitchFamily="34" charset="0"/>
-              <a:buChar char="•"/>
-              <a:defRPr/>
-            </a:pPr>
-            <a:r>
-              <a:rPr lang="pt-BR" sz="2000" dirty="0" err="1">
-                <a:solidFill>
-                  <a:prstClr val="black"/>
-                </a:solidFill>
-                <a:latin typeface="+mj-lt"/>
-              </a:rPr>
-              <a:t>Average</a:t>
-            </a:r>
-            <a:r>
-              <a:rPr lang="pt-BR" sz="2000" dirty="0">
-                <a:solidFill>
-                  <a:prstClr val="black"/>
-                </a:solidFill>
-                <a:latin typeface="+mj-lt"/>
-              </a:rPr>
-              <a:t> </a:t>
-            </a:r>
-            <a:r>
-              <a:rPr lang="pt-BR" sz="2000" dirty="0" err="1">
-                <a:solidFill>
-                  <a:prstClr val="black"/>
-                </a:solidFill>
-                <a:latin typeface="+mj-lt"/>
-              </a:rPr>
-              <a:t>Linkage</a:t>
-            </a:r>
-            <a:endParaRPr lang="pt-BR" sz="2000" dirty="0">
-              <a:solidFill>
-                <a:prstClr val="black"/>
-              </a:solidFill>
-              <a:latin typeface="+mj-lt"/>
-            </a:endParaRPr>
-          </a:p>
-          <a:p>
-            <a:pPr lvl="2" indent="-342900">
-              <a:buFont typeface="Arial" panose="020B0604020202020204" pitchFamily="34" charset="0"/>
-              <a:buChar char="•"/>
-              <a:defRPr/>
-            </a:pPr>
-            <a:r>
-              <a:rPr lang="pt-BR" sz="2000" dirty="0" err="1">
-                <a:solidFill>
-                  <a:prstClr val="black"/>
-                </a:solidFill>
-                <a:latin typeface="+mj-lt"/>
-              </a:rPr>
-              <a:t>Ward.D</a:t>
-            </a:r>
-            <a:endParaRPr lang="pt-BR" sz="2000" dirty="0">
-              <a:solidFill>
-                <a:prstClr val="black"/>
-              </a:solidFill>
-              <a:latin typeface="+mj-lt"/>
-            </a:endParaRPr>
-          </a:p>
-        </p:txBody>
-      </p:sp>
-      <p:sp>
-        <p:nvSpPr>
-          <p:cNvPr id="5" name="TextBox 4">
-            <a:extLst>
-              <a:ext uri="{FF2B5EF4-FFF2-40B4-BE49-F238E27FC236}">
-                <a16:creationId xmlns:a16="http://schemas.microsoft.com/office/drawing/2014/main" id="{F672F6F2-E55C-3A28-0750-7D30C056C928}"/>
-              </a:ext>
-            </a:extLst>
-          </p:cNvPr>
-          <p:cNvSpPr txBox="1"/>
-          <p:nvPr/>
-        </p:nvSpPr>
-        <p:spPr>
-          <a:xfrm>
-            <a:off x="0" y="4455528"/>
-            <a:ext cx="5430966" cy="1138773"/>
-          </a:xfrm>
-          <a:prstGeom prst="rect">
-            <a:avLst/>
-          </a:prstGeom>
-          <a:noFill/>
-        </p:spPr>
-        <p:txBody>
-          <a:bodyPr wrap="square">
-            <a:spAutoFit/>
-          </a:bodyPr>
-          <a:lstStyle/>
-          <a:p>
-            <a:pPr lvl="2">
-              <a:defRPr/>
-            </a:pPr>
-            <a:r>
-              <a:rPr lang="pt-BR" sz="2400" b="1" dirty="0">
-                <a:solidFill>
-                  <a:prstClr val="black"/>
-                </a:solidFill>
-                <a:latin typeface="+mj-lt"/>
-              </a:rPr>
-              <a:t>Padronização das Variáveis</a:t>
+              <a:t>Clustering</a:t>
             </a:r>
             <a:endParaRPr kumimoji="0" lang="pt-BR" sz="2400" b="1" i="0" u="none" strike="noStrike" kern="1200" cap="none" spc="0" normalizeH="0" baseline="0" noProof="0" dirty="0">
               <a:ln>
@@ -11440,47 +10703,232 @@
               <a:cs typeface="+mn-cs"/>
             </a:endParaRPr>
           </a:p>
-          <a:p>
-            <a:pPr lvl="2">
-              <a:defRPr/>
-            </a:pPr>
-            <a:endParaRPr kumimoji="0" lang="pt-BR" sz="2400" b="0" i="0" u="none" strike="noStrike" kern="1200" cap="none" spc="0" normalizeH="0" baseline="0" noProof="0" dirty="0">
-              <a:ln>
-                <a:noFill/>
-              </a:ln>
-              <a:solidFill>
-                <a:prstClr val="black"/>
-              </a:solidFill>
-              <a:effectLst/>
-              <a:uLnTx/>
-              <a:uFillTx/>
-              <a:latin typeface="+mj-lt"/>
-              <a:ea typeface="+mn-ea"/>
-              <a:cs typeface="+mn-cs"/>
-            </a:endParaRPr>
-          </a:p>
-          <a:p>
-            <a:pPr lvl="2" indent="-342900">
+        </p:txBody>
+      </p:sp>
+      <p:sp>
+        <p:nvSpPr>
+          <p:cNvPr id="25" name="TextBox 24">
+            <a:extLst>
+              <a:ext uri="{FF2B5EF4-FFF2-40B4-BE49-F238E27FC236}">
+                <a16:creationId xmlns:a16="http://schemas.microsoft.com/office/drawing/2014/main" id="{FBA27A90-6D10-FEA5-B92E-4664266F4D56}"/>
+              </a:ext>
+            </a:extLst>
+          </p:cNvPr>
+          <p:cNvSpPr txBox="1"/>
+          <p:nvPr/>
+        </p:nvSpPr>
+        <p:spPr>
+          <a:xfrm>
+            <a:off x="-422347" y="3409241"/>
+            <a:ext cx="11247663" cy="2352952"/>
+          </a:xfrm>
+          <a:prstGeom prst="rect">
+            <a:avLst/>
+          </a:prstGeom>
+          <a:noFill/>
+        </p:spPr>
+        <p:txBody>
+          <a:bodyPr wrap="square">
+            <a:spAutoFit/>
+          </a:bodyPr>
+          <a:lstStyle/>
+          <a:p>
+            <a:pPr marL="1257300" lvl="2" indent="-342900">
+              <a:lnSpc>
+                <a:spcPct val="150000"/>
+              </a:lnSpc>
               <a:buFont typeface="Arial" panose="020B0604020202020204" pitchFamily="34" charset="0"/>
               <a:buChar char="•"/>
               <a:defRPr/>
             </a:pPr>
             <a:r>
+              <a:rPr lang="pt-BR" sz="2000" dirty="0" err="1">
+                <a:solidFill>
+                  <a:prstClr val="black"/>
+                </a:solidFill>
+                <a:latin typeface="+mj-lt"/>
+              </a:rPr>
+              <a:t>Imput</a:t>
+            </a:r>
+            <a:r>
               <a:rPr lang="pt-BR" sz="2000" dirty="0">
                 <a:solidFill>
                   <a:prstClr val="black"/>
                 </a:solidFill>
                 <a:latin typeface="+mj-lt"/>
               </a:rPr>
-              <a:t>Procedimento Z-Scores</a:t>
-            </a:r>
-          </a:p>
-        </p:txBody>
-      </p:sp>
+              <a:t> Quanti, Output </a:t>
+            </a:r>
+            <a:r>
+              <a:rPr lang="pt-BR" sz="2000" dirty="0" err="1">
+                <a:solidFill>
+                  <a:prstClr val="black"/>
+                </a:solidFill>
+                <a:latin typeface="+mj-lt"/>
+              </a:rPr>
+              <a:t>Quali</a:t>
+            </a:r>
+            <a:endParaRPr lang="pt-BR" sz="2000" dirty="0">
+              <a:solidFill>
+                <a:prstClr val="black"/>
+              </a:solidFill>
+              <a:latin typeface="+mj-lt"/>
+            </a:endParaRPr>
+          </a:p>
+          <a:p>
+            <a:pPr marL="1257300" lvl="2" indent="-342900">
+              <a:lnSpc>
+                <a:spcPct val="150000"/>
+              </a:lnSpc>
+              <a:buFont typeface="Arial" panose="020B0604020202020204" pitchFamily="34" charset="0"/>
+              <a:buChar char="•"/>
+              <a:defRPr/>
+            </a:pPr>
+            <a:r>
+              <a:rPr lang="pt-BR" sz="2000" dirty="0">
+                <a:solidFill>
+                  <a:prstClr val="black"/>
+                </a:solidFill>
+                <a:latin typeface="+mj-lt"/>
+              </a:rPr>
+              <a:t>Redução dimensionalidade amostral</a:t>
+            </a:r>
+          </a:p>
+          <a:p>
+            <a:pPr marL="1257300" lvl="2" indent="-342900">
+              <a:lnSpc>
+                <a:spcPct val="150000"/>
+              </a:lnSpc>
+              <a:buFont typeface="Arial" panose="020B0604020202020204" pitchFamily="34" charset="0"/>
+              <a:buChar char="•"/>
+              <a:defRPr/>
+            </a:pPr>
+            <a:r>
+              <a:rPr lang="pt-BR" sz="2000" dirty="0">
+                <a:solidFill>
+                  <a:prstClr val="black"/>
+                </a:solidFill>
+                <a:latin typeface="+mj-lt"/>
+              </a:rPr>
+              <a:t>Diminuir a variabilidade total</a:t>
+            </a:r>
+          </a:p>
+          <a:p>
+            <a:pPr marL="1257300" lvl="2" indent="-342900">
+              <a:lnSpc>
+                <a:spcPct val="150000"/>
+              </a:lnSpc>
+              <a:buFont typeface="Arial" panose="020B0604020202020204" pitchFamily="34" charset="0"/>
+              <a:buChar char="•"/>
+              <a:defRPr/>
+            </a:pPr>
+            <a:r>
+              <a:rPr lang="pt-BR" sz="2000" dirty="0">
+                <a:solidFill>
+                  <a:prstClr val="black"/>
+                </a:solidFill>
+                <a:latin typeface="+mj-lt"/>
+              </a:rPr>
+              <a:t>Agrupar observações semelhantes (menos variabilidade possível </a:t>
+            </a:r>
+            <a:r>
+              <a:rPr lang="pt-BR" sz="2000" dirty="0" err="1">
+                <a:solidFill>
+                  <a:prstClr val="black"/>
+                </a:solidFill>
+                <a:latin typeface="+mj-lt"/>
+              </a:rPr>
+              <a:t>intra-grupos</a:t>
+            </a:r>
+            <a:r>
+              <a:rPr lang="pt-BR" sz="2000" dirty="0">
+                <a:solidFill>
+                  <a:prstClr val="black"/>
+                </a:solidFill>
+                <a:latin typeface="+mj-lt"/>
+              </a:rPr>
+              <a:t>)</a:t>
+            </a:r>
+          </a:p>
+          <a:p>
+            <a:pPr marL="1257300" lvl="2" indent="-342900">
+              <a:lnSpc>
+                <a:spcPct val="150000"/>
+              </a:lnSpc>
+              <a:buFont typeface="Arial" panose="020B0604020202020204" pitchFamily="34" charset="0"/>
+              <a:buChar char="•"/>
+              <a:defRPr/>
+            </a:pPr>
+            <a:r>
+              <a:rPr lang="pt-BR" sz="2000" dirty="0">
+                <a:solidFill>
+                  <a:prstClr val="black"/>
+                </a:solidFill>
+                <a:latin typeface="+mj-lt"/>
+              </a:rPr>
+              <a:t>Obter grupos os mais distintos possíveis (maior variabilidade possível entre </a:t>
+            </a:r>
+            <a:r>
+              <a:rPr lang="pt-BR" sz="2000" dirty="0" err="1">
+                <a:solidFill>
+                  <a:prstClr val="black"/>
+                </a:solidFill>
+                <a:latin typeface="+mj-lt"/>
+              </a:rPr>
+              <a:t>inter-grupos</a:t>
+            </a:r>
+            <a:r>
+              <a:rPr lang="pt-BR" sz="2000" dirty="0">
+                <a:solidFill>
+                  <a:prstClr val="black"/>
+                </a:solidFill>
+                <a:latin typeface="+mj-lt"/>
+              </a:rPr>
+              <a:t>)</a:t>
+            </a:r>
+          </a:p>
+        </p:txBody>
+      </p:sp>
+      <p:pic>
+        <p:nvPicPr>
+          <p:cNvPr id="3" name="Picture 2" descr="A graph of data analysis&#10;&#10;Description automatically generated with medium confidence">
+            <a:extLst>
+              <a:ext uri="{FF2B5EF4-FFF2-40B4-BE49-F238E27FC236}">
+                <a16:creationId xmlns:a16="http://schemas.microsoft.com/office/drawing/2014/main" id="{CC161242-40FB-9A89-D0C9-83709E1A838A}"/>
+              </a:ext>
+            </a:extLst>
+          </p:cNvPr>
+          <p:cNvPicPr>
+            <a:picLocks noChangeAspect="1"/>
+          </p:cNvPicPr>
+          <p:nvPr/>
+        </p:nvPicPr>
+        <p:blipFill>
+          <a:blip r:embed="rId2">
+            <a:extLst>
+              <a:ext uri="{28A0092B-C50C-407E-A947-70E740481C1C}">
+                <a14:useLocalDpi xmlns:a14="http://schemas.microsoft.com/office/drawing/2010/main" val="0"/>
+              </a:ext>
+            </a:extLst>
+          </a:blip>
+          <a:stretch>
+            <a:fillRect/>
+          </a:stretch>
+        </p:blipFill>
+        <p:spPr>
+          <a:xfrm>
+            <a:off x="5715280" y="770757"/>
+            <a:ext cx="5950426" cy="3480604"/>
+          </a:xfrm>
+          <a:prstGeom prst="rect">
+            <a:avLst/>
+          </a:prstGeom>
+        </p:spPr>
+      </p:pic>
     </p:spTree>
     <p:extLst>
       <p:ext uri="{BB962C8B-B14F-4D97-AF65-F5344CB8AC3E}">
-        <p14:creationId xmlns:p14="http://schemas.microsoft.com/office/powerpoint/2010/main" val="3841105550"/>
+        <p14:creationId xmlns:p14="http://schemas.microsoft.com/office/powerpoint/2010/main" val="387425144"/>
       </p:ext>
     </p:extLst>
   </p:cSld>
@@ -11490,7 +10938,7 @@
 </p:sld>
 </file>
 
-<file path=ppt/slides/slide6.xml><?xml version="1.0" encoding="utf-8"?>
+<file path=ppt/slides/slide5.xml><?xml version="1.0" encoding="utf-8"?>
 <p:sld xmlns:a="http://schemas.openxmlformats.org/drawingml/2006/main" xmlns:r="http://schemas.openxmlformats.org/officeDocument/2006/relationships" xmlns:p="http://schemas.openxmlformats.org/presentationml/2006/main">
   <p:cSld>
     <p:bg>
@@ -11967,10 +11415,10 @@
       </p:sp>
       <p:sp>
         <p:nvSpPr>
-          <p:cNvPr id="3" name="TextBox 2">
-            <a:extLst>
-              <a:ext uri="{FF2B5EF4-FFF2-40B4-BE49-F238E27FC236}">
-                <a16:creationId xmlns:a16="http://schemas.microsoft.com/office/drawing/2014/main" id="{E37DAB5D-0F54-E601-6762-65A906FA0B68}"/>
+          <p:cNvPr id="21" name="TextBox 20">
+            <a:extLst>
+              <a:ext uri="{FF2B5EF4-FFF2-40B4-BE49-F238E27FC236}">
+                <a16:creationId xmlns:a16="http://schemas.microsoft.com/office/drawing/2014/main" id="{B0250163-EAC6-E05A-16FD-AD530B44FA8C}"/>
               </a:ext>
             </a:extLst>
           </p:cNvPr>
@@ -11979,8 +11427,8 @@
         </p:nvSpPr>
         <p:spPr>
           <a:xfrm>
-            <a:off x="355196" y="2757020"/>
-            <a:ext cx="5741931" cy="2739211"/>
+            <a:off x="-681680" y="3071527"/>
+            <a:ext cx="2733041" cy="1077218"/>
           </a:xfrm>
           <a:prstGeom prst="rect">
             <a:avLst/>
@@ -11993,11 +11441,11 @@
           </a:bodyPr>
           <a:lstStyle/>
           <a:p>
-            <a:pPr lvl="2">
+            <a:pPr lvl="2" algn="ctr">
               <a:defRPr/>
             </a:pPr>
             <a:r>
-              <a:rPr kumimoji="0" lang="pt-BR" sz="2400" b="1" i="0" u="none" strike="noStrike" kern="1200" cap="none" spc="0" normalizeH="0" baseline="0" noProof="0" dirty="0">
+              <a:rPr kumimoji="0" lang="pt-BR" sz="2000" b="1" i="0" u="none" strike="noStrike" kern="1200" cap="none" spc="0" normalizeH="0" baseline="0" noProof="0" dirty="0">
                 <a:ln>
                   <a:noFill/>
                 </a:ln>
@@ -12011,18 +11459,14 @@
                 <a:ea typeface="+mn-ea"/>
                 <a:cs typeface="+mn-cs"/>
               </a:rPr>
-              <a:t>Alguns métodos </a:t>
-            </a:r>
-            <a:r>
-              <a:rPr lang="pt-BR" sz="2400" b="1" dirty="0">
-                <a:solidFill>
-                  <a:prstClr val="black"/>
-                </a:solidFill>
-                <a:latin typeface="+mj-lt"/>
-              </a:rPr>
-              <a:t>para escolha de número ideal de Clusters</a:t>
-            </a:r>
-            <a:endParaRPr kumimoji="0" lang="pt-BR" sz="2400" b="1" i="0" u="none" strike="noStrike" kern="1200" cap="none" spc="0" normalizeH="0" baseline="0" noProof="0" dirty="0">
+              <a:t>Hierárquico</a:t>
+            </a:r>
+          </a:p>
+          <a:p>
+            <a:pPr lvl="2" algn="ctr">
+              <a:defRPr/>
+            </a:pPr>
+            <a:endParaRPr kumimoji="0" lang="pt-BR" sz="2400" b="0" i="0" u="none" strike="noStrike" kern="1200" cap="none" spc="0" normalizeH="0" baseline="0" noProof="0" dirty="0">
               <a:ln>
                 <a:noFill/>
               </a:ln>
@@ -12036,6 +11480,77 @@
               <a:ea typeface="+mn-ea"/>
               <a:cs typeface="+mn-cs"/>
             </a:endParaRPr>
+          </a:p>
+          <a:p>
+            <a:pPr lvl="2" algn="ctr">
+              <a:defRPr/>
+            </a:pPr>
+            <a:r>
+              <a:rPr lang="pt-BR" sz="2000" dirty="0" err="1">
+                <a:solidFill>
+                  <a:prstClr val="black"/>
+                </a:solidFill>
+                <a:latin typeface="+mj-lt"/>
+              </a:rPr>
+              <a:t>Dendograma</a:t>
+            </a:r>
+            <a:endParaRPr lang="pt-BR" sz="2400" dirty="0">
+              <a:solidFill>
+                <a:prstClr val="black"/>
+              </a:solidFill>
+              <a:latin typeface="+mj-lt"/>
+            </a:endParaRPr>
+          </a:p>
+        </p:txBody>
+      </p:sp>
+      <p:sp>
+        <p:nvSpPr>
+          <p:cNvPr id="26" name="TextBox 25">
+            <a:extLst>
+              <a:ext uri="{FF2B5EF4-FFF2-40B4-BE49-F238E27FC236}">
+                <a16:creationId xmlns:a16="http://schemas.microsoft.com/office/drawing/2014/main" id="{091A5185-0BCD-57FA-E0A5-9EE04F743CF4}"/>
+              </a:ext>
+            </a:extLst>
+          </p:cNvPr>
+          <p:cNvSpPr txBox="1"/>
+          <p:nvPr/>
+        </p:nvSpPr>
+        <p:spPr>
+          <a:xfrm>
+            <a:off x="5627850" y="979228"/>
+            <a:ext cx="5430966" cy="2677656"/>
+          </a:xfrm>
+          <a:prstGeom prst="rect">
+            <a:avLst/>
+          </a:prstGeom>
+          <a:noFill/>
+        </p:spPr>
+        <p:txBody>
+          <a:bodyPr wrap="square">
+            <a:spAutoFit/>
+          </a:bodyPr>
+          <a:lstStyle/>
+          <a:p>
+            <a:pPr lvl="2">
+              <a:defRPr/>
+            </a:pPr>
+            <a:r>
+              <a:rPr kumimoji="0" lang="pt-BR" sz="2400" b="1" i="0" u="none" strike="noStrike" kern="1200" cap="none" spc="0" normalizeH="0" baseline="0" noProof="0" dirty="0">
+                <a:ln>
+                  <a:noFill/>
+                </a:ln>
+                <a:solidFill>
+                  <a:prstClr val="black"/>
+                </a:solidFill>
+                <a:effectLst/>
+                <a:uLnTx/>
+                <a:uFillTx/>
+                <a:latin typeface="+mj-lt"/>
+                <a:ea typeface="+mn-ea"/>
+                <a:cs typeface="+mn-cs"/>
+              </a:rPr>
+              <a:t>Métodos de Cálculo das Distâncias</a:t>
+            </a:r>
           </a:p>
           <a:p>
             <a:pPr lvl="2">
@@ -12063,14 +11578,38 @@
               <a:defRPr/>
             </a:pPr>
             <a:r>
+              <a:rPr lang="pt-BR" sz="2000" dirty="0" err="1">
+                <a:solidFill>
+                  <a:prstClr val="black"/>
+                </a:solidFill>
+                <a:latin typeface="+mj-lt"/>
+              </a:rPr>
+              <a:t>Euclidian</a:t>
+            </a:r>
+            <a:r>
               <a:rPr lang="pt-BR" sz="2000" dirty="0">
                 <a:solidFill>
                   <a:prstClr val="black"/>
                 </a:solidFill>
                 <a:latin typeface="+mj-lt"/>
               </a:rPr>
-              <a:t>Dendograma</a:t>
-            </a:r>
+              <a:t> </a:t>
+            </a:r>
+            <a:r>
+              <a:rPr lang="pt-BR" sz="2000" dirty="0" err="1">
+                <a:solidFill>
+                  <a:prstClr val="black"/>
+                </a:solidFill>
+                <a:latin typeface="+mj-lt"/>
+              </a:rPr>
+              <a:t>Distance</a:t>
+            </a:r>
+            <a:endParaRPr lang="pt-BR" sz="2000" dirty="0">
+              <a:solidFill>
+                <a:prstClr val="black"/>
+              </a:solidFill>
+              <a:latin typeface="+mj-lt"/>
+            </a:endParaRPr>
           </a:p>
           <a:p>
             <a:pPr lvl="2" indent="-342900">
@@ -12085,8 +11624,23 @@
                 </a:solidFill>
                 <a:latin typeface="+mj-lt"/>
               </a:rPr>
-              <a:t>Coeficiente R2</a:t>
-            </a:r>
+              <a:t>Manhattan </a:t>
+            </a:r>
+            <a:r>
+              <a:rPr lang="pt-BR" sz="2000" dirty="0" err="1">
+                <a:solidFill>
+                  <a:prstClr val="black"/>
+                </a:solidFill>
+                <a:latin typeface="+mj-lt"/>
+              </a:rPr>
+              <a:t>Distance</a:t>
+            </a:r>
+            <a:endParaRPr lang="pt-BR" sz="2000" dirty="0">
+              <a:solidFill>
+                <a:prstClr val="black"/>
+              </a:solidFill>
+              <a:latin typeface="+mj-lt"/>
+            </a:endParaRPr>
           </a:p>
           <a:p>
             <a:pPr lvl="2" indent="-342900">
@@ -12101,7 +11655,7 @@
                 </a:solidFill>
                 <a:latin typeface="+mj-lt"/>
               </a:rPr>
-              <a:t>Método “</a:t>
+              <a:t>Canberra </a:t>
             </a:r>
             <a:r>
               <a:rPr lang="pt-BR" sz="2000" dirty="0" err="1">
@@ -12110,17 +11664,14 @@
                 </a:solidFill>
                 <a:latin typeface="+mj-lt"/>
               </a:rPr>
-              <a:t>Elbow</a:t>
-            </a:r>
-            <a:r>
-              <a:rPr lang="pt-BR" sz="2000" dirty="0">
-                <a:solidFill>
-                  <a:prstClr val="black"/>
-                </a:solidFill>
-                <a:latin typeface="+mj-lt"/>
-              </a:rPr>
-              <a:t>”</a:t>
-            </a:r>
+              <a:t>Distance</a:t>
+            </a:r>
+            <a:endParaRPr lang="pt-BR" sz="2000" dirty="0">
+              <a:solidFill>
+                <a:prstClr val="black"/>
+              </a:solidFill>
+              <a:latin typeface="+mj-lt"/>
+            </a:endParaRPr>
           </a:p>
           <a:p>
             <a:pPr lvl="2" indent="-342900">
@@ -12135,7 +11686,7 @@
                 </a:solidFill>
                 <a:latin typeface="+mj-lt"/>
               </a:rPr>
-              <a:t>Método "</a:t>
+              <a:t>Minkowski </a:t>
             </a:r>
             <a:r>
               <a:rPr lang="pt-BR" sz="2000" dirty="0" err="1">
@@ -12144,17 +11695,14 @@
                 </a:solidFill>
                 <a:latin typeface="+mj-lt"/>
               </a:rPr>
-              <a:t>Silhouette</a:t>
-            </a:r>
-            <a:r>
-              <a:rPr lang="pt-BR" sz="2000" dirty="0">
-                <a:solidFill>
-                  <a:prstClr val="black"/>
-                </a:solidFill>
-                <a:latin typeface="+mj-lt"/>
-              </a:rPr>
-              <a:t>".</a:t>
-            </a:r>
+              <a:t>Distance</a:t>
+            </a:r>
+            <a:endParaRPr lang="pt-BR" sz="2000" dirty="0">
+              <a:solidFill>
+                <a:prstClr val="black"/>
+              </a:solidFill>
+              <a:latin typeface="+mj-lt"/>
+            </a:endParaRPr>
           </a:p>
           <a:p>
             <a:pPr lvl="2" indent="-342900">
@@ -12163,13 +11711,513 @@
               <a:defRPr/>
             </a:pPr>
             <a:r>
+              <a:rPr lang="pt-BR" sz="2000" dirty="0" err="1">
+                <a:solidFill>
+                  <a:prstClr val="black"/>
+                </a:solidFill>
+                <a:latin typeface="+mj-lt"/>
+              </a:rPr>
+              <a:t>Maximum</a:t>
+            </a:r>
+            <a:r>
               <a:rPr lang="pt-BR" sz="2000" dirty="0">
                 <a:solidFill>
                   <a:prstClr val="black"/>
                 </a:solidFill>
                 <a:latin typeface="+mj-lt"/>
               </a:rPr>
-              <a:t>Premissas da área de negócios</a:t>
+              <a:t> </a:t>
+            </a:r>
+            <a:r>
+              <a:rPr lang="pt-BR" sz="2000" dirty="0" err="1">
+                <a:solidFill>
+                  <a:prstClr val="black"/>
+                </a:solidFill>
+                <a:latin typeface="+mj-lt"/>
+              </a:rPr>
+              <a:t>Distance</a:t>
+            </a:r>
+            <a:endParaRPr lang="pt-BR" sz="2000" dirty="0">
+              <a:solidFill>
+                <a:prstClr val="black"/>
+              </a:solidFill>
+              <a:latin typeface="+mj-lt"/>
+            </a:endParaRPr>
+          </a:p>
+          <a:p>
+            <a:pPr lvl="2" indent="-342900">
+              <a:buFont typeface="Arial" panose="020B0604020202020204" pitchFamily="34" charset="0"/>
+              <a:buChar char="•"/>
+              <a:defRPr/>
+            </a:pPr>
+            <a:r>
+              <a:rPr lang="pt-BR" sz="2000" dirty="0" err="1">
+                <a:solidFill>
+                  <a:prstClr val="black"/>
+                </a:solidFill>
+                <a:latin typeface="+mj-lt"/>
+              </a:rPr>
+              <a:t>Binary</a:t>
+            </a:r>
+            <a:r>
+              <a:rPr lang="pt-BR" sz="2000" dirty="0">
+                <a:solidFill>
+                  <a:prstClr val="black"/>
+                </a:solidFill>
+                <a:latin typeface="+mj-lt"/>
+              </a:rPr>
+              <a:t> </a:t>
+            </a:r>
+            <a:r>
+              <a:rPr lang="pt-BR" sz="2000" dirty="0" err="1">
+                <a:solidFill>
+                  <a:prstClr val="black"/>
+                </a:solidFill>
+                <a:latin typeface="+mj-lt"/>
+              </a:rPr>
+              <a:t>Distance</a:t>
+            </a:r>
+            <a:endParaRPr lang="pt-BR" sz="2000" dirty="0">
+              <a:solidFill>
+                <a:prstClr val="black"/>
+              </a:solidFill>
+              <a:latin typeface="+mj-lt"/>
+            </a:endParaRPr>
+          </a:p>
+        </p:txBody>
+      </p:sp>
+      <p:sp>
+        <p:nvSpPr>
+          <p:cNvPr id="24" name="TextBox 23">
+            <a:extLst>
+              <a:ext uri="{FF2B5EF4-FFF2-40B4-BE49-F238E27FC236}">
+                <a16:creationId xmlns:a16="http://schemas.microsoft.com/office/drawing/2014/main" id="{0EDD68C1-AF59-CC4C-F28B-8760A29C4AD0}"/>
+              </a:ext>
+            </a:extLst>
+          </p:cNvPr>
+          <p:cNvSpPr txBox="1"/>
+          <p:nvPr/>
+        </p:nvSpPr>
+        <p:spPr>
+          <a:xfrm>
+            <a:off x="2257632" y="3071527"/>
+            <a:ext cx="3066656" cy="1077218"/>
+          </a:xfrm>
+          <a:prstGeom prst="rect">
+            <a:avLst/>
+          </a:prstGeom>
+          <a:noFill/>
+        </p:spPr>
+        <p:txBody>
+          <a:bodyPr wrap="square">
+            <a:spAutoFit/>
+          </a:bodyPr>
+          <a:lstStyle/>
+          <a:p>
+            <a:pPr lvl="2" algn="ctr">
+              <a:defRPr/>
+            </a:pPr>
+            <a:r>
+              <a:rPr kumimoji="0" lang="pt-BR" sz="2000" b="1" i="0" u="none" strike="noStrike" kern="1200" cap="none" spc="0" normalizeH="0" baseline="0" noProof="0" dirty="0">
+                <a:ln>
+                  <a:noFill/>
+                </a:ln>
+                <a:solidFill>
+                  <a:prstClr val="black"/>
+                </a:solidFill>
+                <a:effectLst/>
+                <a:uLnTx/>
+                <a:uFillTx/>
+                <a:latin typeface="+mj-lt"/>
+                <a:ea typeface="+mn-ea"/>
+                <a:cs typeface="+mn-cs"/>
+              </a:rPr>
+              <a:t>Não Hierárquico</a:t>
+            </a:r>
+          </a:p>
+          <a:p>
+            <a:pPr lvl="2" algn="ctr">
+              <a:defRPr/>
+            </a:pPr>
+            <a:endParaRPr kumimoji="0" lang="pt-BR" sz="2400" b="0" i="0" u="none" strike="noStrike" kern="1200" cap="none" spc="0" normalizeH="0" baseline="0" noProof="0" dirty="0">
+              <a:ln>
+                <a:noFill/>
+              </a:ln>
+              <a:solidFill>
+                <a:prstClr val="black"/>
+              </a:solidFill>
+              <a:effectLst/>
+              <a:uLnTx/>
+              <a:uFillTx/>
+              <a:latin typeface="+mj-lt"/>
+              <a:ea typeface="+mn-ea"/>
+              <a:cs typeface="+mn-cs"/>
+            </a:endParaRPr>
+          </a:p>
+          <a:p>
+            <a:pPr lvl="2" algn="ctr">
+              <a:defRPr/>
+            </a:pPr>
+            <a:r>
+              <a:rPr lang="pt-BR" sz="2000" dirty="0">
+                <a:solidFill>
+                  <a:prstClr val="black"/>
+                </a:solidFill>
+                <a:latin typeface="+mj-lt"/>
+              </a:rPr>
+              <a:t>K-</a:t>
+            </a:r>
+            <a:r>
+              <a:rPr lang="pt-BR" sz="2000" dirty="0" err="1">
+                <a:solidFill>
+                  <a:prstClr val="black"/>
+                </a:solidFill>
+                <a:latin typeface="+mj-lt"/>
+              </a:rPr>
+              <a:t>Means</a:t>
+            </a:r>
+            <a:endParaRPr lang="pt-BR" sz="2400" dirty="0">
+              <a:solidFill>
+                <a:prstClr val="black"/>
+              </a:solidFill>
+              <a:latin typeface="+mj-lt"/>
+            </a:endParaRPr>
+          </a:p>
+        </p:txBody>
+      </p:sp>
+      <p:sp>
+        <p:nvSpPr>
+          <p:cNvPr id="28" name="TextBox 27">
+            <a:extLst>
+              <a:ext uri="{FF2B5EF4-FFF2-40B4-BE49-F238E27FC236}">
+                <a16:creationId xmlns:a16="http://schemas.microsoft.com/office/drawing/2014/main" id="{46B2B9A9-9947-6838-E2CD-130C88DDC3B6}"/>
+              </a:ext>
+            </a:extLst>
+          </p:cNvPr>
+          <p:cNvSpPr txBox="1"/>
+          <p:nvPr/>
+        </p:nvSpPr>
+        <p:spPr>
+          <a:xfrm>
+            <a:off x="87362" y="2390338"/>
+            <a:ext cx="4931719" cy="461665"/>
+          </a:xfrm>
+          <a:prstGeom prst="rect">
+            <a:avLst/>
+          </a:prstGeom>
+          <a:noFill/>
+        </p:spPr>
+        <p:txBody>
+          <a:bodyPr wrap="square">
+            <a:spAutoFit/>
+          </a:bodyPr>
+          <a:lstStyle/>
+          <a:p>
+            <a:pPr lvl="2">
+              <a:defRPr/>
+            </a:pPr>
+            <a:r>
+              <a:rPr kumimoji="0" lang="pt-BR" sz="2400" b="1" i="0" u="none" strike="noStrike" kern="1200" cap="none" spc="0" normalizeH="0" baseline="0" noProof="0" dirty="0">
+                <a:ln>
+                  <a:noFill/>
+                </a:ln>
+                <a:solidFill>
+                  <a:prstClr val="black"/>
+                </a:solidFill>
+                <a:effectLst/>
+                <a:uLnTx/>
+                <a:uFillTx/>
+                <a:latin typeface="+mj-lt"/>
+                <a:ea typeface="+mn-ea"/>
+                <a:cs typeface="+mn-cs"/>
+              </a:rPr>
+              <a:t>Esquemas de Aglomeração</a:t>
+            </a:r>
+          </a:p>
+        </p:txBody>
+      </p:sp>
+      <p:sp>
+        <p:nvSpPr>
+          <p:cNvPr id="3" name="TextBox 2">
+            <a:extLst>
+              <a:ext uri="{FF2B5EF4-FFF2-40B4-BE49-F238E27FC236}">
+                <a16:creationId xmlns:a16="http://schemas.microsoft.com/office/drawing/2014/main" id="{E37DAB5D-0F54-E601-6762-65A906FA0B68}"/>
+              </a:ext>
+            </a:extLst>
+          </p:cNvPr>
+          <p:cNvSpPr txBox="1"/>
+          <p:nvPr/>
+        </p:nvSpPr>
+        <p:spPr>
+          <a:xfrm>
+            <a:off x="5637237" y="3971605"/>
+            <a:ext cx="4496381" cy="2062103"/>
+          </a:xfrm>
+          <a:prstGeom prst="rect">
+            <a:avLst/>
+          </a:prstGeom>
+          <a:noFill/>
+        </p:spPr>
+        <p:txBody>
+          <a:bodyPr wrap="square">
+            <a:spAutoFit/>
+          </a:bodyPr>
+          <a:lstStyle/>
+          <a:p>
+            <a:pPr lvl="2">
+              <a:defRPr/>
+            </a:pPr>
+            <a:r>
+              <a:rPr kumimoji="0" lang="pt-BR" sz="2400" b="1" i="0" u="none" strike="noStrike" kern="1200" cap="none" spc="0" normalizeH="0" baseline="0" noProof="0" dirty="0">
+                <a:ln>
+                  <a:noFill/>
+                </a:ln>
+                <a:solidFill>
+                  <a:prstClr val="black"/>
+                </a:solidFill>
+                <a:effectLst/>
+                <a:uLnTx/>
+                <a:uFillTx/>
+                <a:latin typeface="+mj-lt"/>
+                <a:ea typeface="+mn-ea"/>
+                <a:cs typeface="+mn-cs"/>
+              </a:rPr>
+              <a:t>Métodos de Encadeamento</a:t>
+            </a:r>
+          </a:p>
+          <a:p>
+            <a:pPr lvl="2">
+              <a:defRPr/>
+            </a:pPr>
+            <a:endParaRPr kumimoji="0" lang="pt-BR" sz="2400" b="0" i="0" u="none" strike="noStrike" kern="1200" cap="none" spc="0" normalizeH="0" baseline="0" noProof="0" dirty="0">
+              <a:ln>
+                <a:noFill/>
+              </a:ln>
+              <a:solidFill>
+                <a:prstClr val="black"/>
+              </a:solidFill>
+              <a:effectLst/>
+              <a:uLnTx/>
+              <a:uFillTx/>
+              <a:latin typeface="+mj-lt"/>
+              <a:ea typeface="+mn-ea"/>
+              <a:cs typeface="+mn-cs"/>
+            </a:endParaRPr>
+          </a:p>
+          <a:p>
+            <a:pPr lvl="2" indent="-342900">
+              <a:buFont typeface="Arial" panose="020B0604020202020204" pitchFamily="34" charset="0"/>
+              <a:buChar char="•"/>
+              <a:defRPr/>
+            </a:pPr>
+            <a:r>
+              <a:rPr lang="pt-BR" sz="2000" dirty="0">
+                <a:solidFill>
+                  <a:prstClr val="black"/>
+                </a:solidFill>
+                <a:latin typeface="+mj-lt"/>
+              </a:rPr>
+              <a:t>Complete </a:t>
+            </a:r>
+            <a:r>
+              <a:rPr lang="pt-BR" sz="2000" dirty="0" err="1">
+                <a:solidFill>
+                  <a:prstClr val="black"/>
+                </a:solidFill>
+                <a:latin typeface="+mj-lt"/>
+              </a:rPr>
+              <a:t>Linkage</a:t>
+            </a:r>
+            <a:endParaRPr lang="pt-BR" sz="2000" dirty="0">
+              <a:solidFill>
+                <a:prstClr val="black"/>
+              </a:solidFill>
+              <a:latin typeface="+mj-lt"/>
+            </a:endParaRPr>
+          </a:p>
+          <a:p>
+            <a:pPr lvl="2" indent="-342900">
+              <a:buFont typeface="Arial" panose="020B0604020202020204" pitchFamily="34" charset="0"/>
+              <a:buChar char="•"/>
+              <a:defRPr/>
+            </a:pPr>
+            <a:r>
+              <a:rPr lang="pt-BR" sz="2000" dirty="0">
+                <a:solidFill>
+                  <a:prstClr val="black"/>
+                </a:solidFill>
+                <a:latin typeface="+mj-lt"/>
+              </a:rPr>
+              <a:t>Single </a:t>
+            </a:r>
+            <a:r>
+              <a:rPr lang="pt-BR" sz="2000" dirty="0" err="1">
+                <a:solidFill>
+                  <a:prstClr val="black"/>
+                </a:solidFill>
+                <a:latin typeface="+mj-lt"/>
+              </a:rPr>
+              <a:t>Linkage</a:t>
+            </a:r>
+            <a:endParaRPr lang="pt-BR" sz="2000" dirty="0">
+              <a:solidFill>
+                <a:prstClr val="black"/>
+              </a:solidFill>
+              <a:latin typeface="+mj-lt"/>
+            </a:endParaRPr>
+          </a:p>
+          <a:p>
+            <a:pPr lvl="2" indent="-342900">
+              <a:buFont typeface="Arial" panose="020B0604020202020204" pitchFamily="34" charset="0"/>
+              <a:buChar char="•"/>
+              <a:defRPr/>
+            </a:pPr>
+            <a:r>
+              <a:rPr lang="pt-BR" sz="2000" dirty="0" err="1">
+                <a:solidFill>
+                  <a:prstClr val="black"/>
+                </a:solidFill>
+                <a:latin typeface="+mj-lt"/>
+              </a:rPr>
+              <a:t>Average</a:t>
+            </a:r>
+            <a:r>
+              <a:rPr lang="pt-BR" sz="2000" dirty="0">
+                <a:solidFill>
+                  <a:prstClr val="black"/>
+                </a:solidFill>
+                <a:latin typeface="+mj-lt"/>
+              </a:rPr>
+              <a:t> </a:t>
+            </a:r>
+            <a:r>
+              <a:rPr lang="pt-BR" sz="2000" dirty="0" err="1">
+                <a:solidFill>
+                  <a:prstClr val="black"/>
+                </a:solidFill>
+                <a:latin typeface="+mj-lt"/>
+              </a:rPr>
+              <a:t>Linkage</a:t>
+            </a:r>
+            <a:endParaRPr lang="pt-BR" sz="2000" dirty="0">
+              <a:solidFill>
+                <a:prstClr val="black"/>
+              </a:solidFill>
+              <a:latin typeface="+mj-lt"/>
+            </a:endParaRPr>
+          </a:p>
+          <a:p>
+            <a:pPr lvl="2" indent="-342900">
+              <a:buFont typeface="Arial" panose="020B0604020202020204" pitchFamily="34" charset="0"/>
+              <a:buChar char="•"/>
+              <a:defRPr/>
+            </a:pPr>
+            <a:r>
+              <a:rPr lang="pt-BR" sz="2000" dirty="0" err="1">
+                <a:solidFill>
+                  <a:prstClr val="black"/>
+                </a:solidFill>
+                <a:latin typeface="+mj-lt"/>
+              </a:rPr>
+              <a:t>Ward.D</a:t>
+            </a:r>
+            <a:endParaRPr lang="pt-BR" sz="2000" dirty="0">
+              <a:solidFill>
+                <a:prstClr val="black"/>
+              </a:solidFill>
+              <a:latin typeface="+mj-lt"/>
+            </a:endParaRPr>
+          </a:p>
+        </p:txBody>
+      </p:sp>
+      <p:sp>
+        <p:nvSpPr>
+          <p:cNvPr id="5" name="TextBox 4">
+            <a:extLst>
+              <a:ext uri="{FF2B5EF4-FFF2-40B4-BE49-F238E27FC236}">
+                <a16:creationId xmlns:a16="http://schemas.microsoft.com/office/drawing/2014/main" id="{F672F6F2-E55C-3A28-0750-7D30C056C928}"/>
+              </a:ext>
+            </a:extLst>
+          </p:cNvPr>
+          <p:cNvSpPr txBox="1"/>
+          <p:nvPr/>
+        </p:nvSpPr>
+        <p:spPr>
+          <a:xfrm>
+            <a:off x="0" y="4455528"/>
+            <a:ext cx="5430966" cy="1138773"/>
+          </a:xfrm>
+          <a:prstGeom prst="rect">
+            <a:avLst/>
+          </a:prstGeom>
+          <a:noFill/>
+        </p:spPr>
+        <p:txBody>
+          <a:bodyPr wrap="square">
+            <a:spAutoFit/>
+          </a:bodyPr>
+          <a:lstStyle/>
+          <a:p>
+            <a:pPr lvl="2">
+              <a:defRPr/>
+            </a:pPr>
+            <a:r>
+              <a:rPr lang="pt-BR" sz="2400" b="1" dirty="0">
+                <a:solidFill>
+                  <a:prstClr val="black"/>
+                </a:solidFill>
+                <a:latin typeface="+mj-lt"/>
+              </a:rPr>
+              <a:t>Padronização das Variáveis</a:t>
+            </a:r>
+            <a:endParaRPr kumimoji="0" lang="pt-BR" sz="2400" b="1" i="0" u="none" strike="noStrike" kern="1200" cap="none" spc="0" normalizeH="0" baseline="0" noProof="0" dirty="0">
+              <a:ln>
+                <a:noFill/>
+              </a:ln>
+              <a:solidFill>
+                <a:prstClr val="black"/>
+              </a:solidFill>
+              <a:effectLst/>
+              <a:uLnTx/>
+              <a:uFillTx/>
+              <a:latin typeface="+mj-lt"/>
+              <a:ea typeface="+mn-ea"/>
+              <a:cs typeface="+mn-cs"/>
+            </a:endParaRPr>
+          </a:p>
+          <a:p>
+            <a:pPr lvl="2">
+              <a:defRPr/>
+            </a:pPr>
+            <a:endParaRPr kumimoji="0" lang="pt-BR" sz="2400" b="0" i="0" u="none" strike="noStrike" kern="1200" cap="none" spc="0" normalizeH="0" baseline="0" noProof="0" dirty="0">
+              <a:ln>
+                <a:noFill/>
+              </a:ln>
+              <a:solidFill>
+                <a:prstClr val="black"/>
+              </a:solidFill>
+              <a:effectLst/>
+              <a:uLnTx/>
+              <a:uFillTx/>
+              <a:latin typeface="+mj-lt"/>
+              <a:ea typeface="+mn-ea"/>
+              <a:cs typeface="+mn-cs"/>
+            </a:endParaRPr>
+          </a:p>
+          <a:p>
+            <a:pPr lvl="2" indent="-342900">
+              <a:buFont typeface="Arial" panose="020B0604020202020204" pitchFamily="34" charset="0"/>
+              <a:buChar char="•"/>
+              <a:defRPr/>
+            </a:pPr>
+            <a:r>
+              <a:rPr lang="pt-BR" sz="2000" dirty="0">
+                <a:solidFill>
+                  <a:prstClr val="black"/>
+                </a:solidFill>
+                <a:latin typeface="+mj-lt"/>
+              </a:rPr>
+              <a:t>Procedimento Z-Scores</a:t>
             </a:r>
           </a:p>
         </p:txBody>
@@ -12177,7 +12225,7 @@
     </p:spTree>
     <p:extLst>
       <p:ext uri="{BB962C8B-B14F-4D97-AF65-F5344CB8AC3E}">
-        <p14:creationId xmlns:p14="http://schemas.microsoft.com/office/powerpoint/2010/main" val="2514729475"/>
+        <p14:creationId xmlns:p14="http://schemas.microsoft.com/office/powerpoint/2010/main" val="3841105550"/>
       </p:ext>
     </p:extLst>
   </p:cSld>
@@ -12187,7 +12235,7 @@
 </p:sld>
 </file>
 
-<file path=ppt/slides/slide7.xml><?xml version="1.0" encoding="utf-8"?>
+<file path=ppt/slides/slide6.xml><?xml version="1.0" encoding="utf-8"?>
 <p:sld xmlns:a="http://schemas.openxmlformats.org/drawingml/2006/main" xmlns:r="http://schemas.openxmlformats.org/officeDocument/2006/relationships" xmlns:p="http://schemas.openxmlformats.org/presentationml/2006/main">
   <p:cSld>
     <p:bg>
@@ -12212,6 +12260,66 @@
           <a:chExt cx="0" cy="0"/>
         </a:xfrm>
       </p:grpSpPr>
+      <p:sp useBgFill="1">
+        <p:nvSpPr>
+          <p:cNvPr id="12" name="Rectangle 11">
+            <a:extLst>
+              <a:ext uri="{FF2B5EF4-FFF2-40B4-BE49-F238E27FC236}">
+                <a16:creationId xmlns:a16="http://schemas.microsoft.com/office/drawing/2014/main" id="{201CC55D-ED54-4C5C-95E6-10947BD1103B}"/>
+              </a:ext>
+              <a:ext uri="{C183D7F6-B498-43B3-948B-1728B52AA6E4}">
+                <adec:decorative xmlns:adec="http://schemas.microsoft.com/office/drawing/2017/decorative" val="1"/>
+              </a:ext>
+            </a:extLst>
+          </p:cNvPr>
+          <p:cNvSpPr>
+            <a:spLocks noGrp="1" noRot="1" noChangeAspect="1" noMove="1" noResize="1" noEditPoints="1" noAdjustHandles="1" noChangeArrowheads="1" noChangeShapeType="1" noTextEdit="1"/>
+          </p:cNvSpPr>
+          <p:nvPr>
+            <p:extLst>
+              <p:ext uri="{386F3935-93C4-4BCD-93E2-E3B085C9AB24}">
+                <p16:designElem xmlns:p16="http://schemas.microsoft.com/office/powerpoint/2015/main" val="1"/>
+              </p:ext>
+            </p:extLst>
+          </p:nvPr>
+        </p:nvSpPr>
+        <p:spPr>
+          <a:xfrm>
+            <a:off x="0" y="0"/>
+            <a:ext cx="12191999" cy="6857365"/>
+          </a:xfrm>
+          <a:prstGeom prst="rect">
+            <a:avLst/>
+          </a:prstGeom>
+          <a:ln>
+            <a:noFill/>
+          </a:ln>
+        </p:spPr>
+        <p:style>
+          <a:lnRef idx="2">
+            <a:schemeClr val="accent1">
+              <a:shade val="50000"/>
+            </a:schemeClr>
+          </a:lnRef>
+          <a:fillRef idx="1">
+            <a:schemeClr val="accent1"/>
+          </a:fillRef>
+          <a:effectRef idx="0">
+            <a:schemeClr val="accent1"/>
+          </a:effectRef>
+          <a:fontRef idx="minor">
+            <a:schemeClr val="lt1"/>
+          </a:fontRef>
+        </p:style>
+        <p:txBody>
+          <a:bodyPr rtlCol="0" anchor="ctr"/>
+          <a:lstStyle/>
+          <a:p>
+            <a:pPr algn="ctr"/>
+            <a:endParaRPr lang="en-US"/>
+          </a:p>
+        </p:txBody>
+      </p:sp>
       <p:grpSp>
         <p:nvGrpSpPr>
           <p:cNvPr id="14" name="Group 13">
@@ -12576,8 +12684,8 @@
         </p:nvSpPr>
         <p:spPr>
           <a:xfrm>
-            <a:off x="9886359" y="3346516"/>
-            <a:ext cx="1289789" cy="584775"/>
+            <a:off x="665085" y="1172169"/>
+            <a:ext cx="4297680" cy="584775"/>
           </a:xfrm>
           <a:prstGeom prst="rect">
             <a:avLst/>
@@ -12591,11 +12699,14 @@
           <a:lstStyle/>
           <a:p>
             <a:r>
-              <a:rPr lang="pt-BR" sz="3200" b="1" dirty="0">
-                <a:latin typeface="+mj-lt"/>
-              </a:rPr>
-              <a:t>AWS</a:t>
-            </a:r>
+              <a:rPr lang="pt-BR" sz="3200" b="1" dirty="0" err="1">
+                <a:latin typeface="+mj-lt"/>
+              </a:rPr>
+              <a:t>Clustering</a:t>
+            </a:r>
+            <a:endParaRPr lang="pt-BR" sz="3200" b="1" dirty="0">
+              <a:latin typeface="+mj-lt"/>
+            </a:endParaRPr>
           </a:p>
         </p:txBody>
       </p:sp>
@@ -12613,8 +12724,8 @@
         </p:nvSpPr>
         <p:spPr>
           <a:xfrm>
-            <a:off x="996023" y="3677764"/>
-            <a:ext cx="2940469" cy="2369880"/>
+            <a:off x="355196" y="2757020"/>
+            <a:ext cx="5741931" cy="2739211"/>
           </a:xfrm>
           <a:prstGeom prst="rect">
             <a:avLst/>
@@ -12627,44 +12738,84 @@
           </a:bodyPr>
           <a:lstStyle/>
           <a:p>
+            <a:pPr lvl="2">
+              <a:defRPr/>
+            </a:pPr>
+            <a:r>
+              <a:rPr kumimoji="0" lang="pt-BR" sz="2400" b="1" i="0" u="none" strike="noStrike" kern="1200" cap="none" spc="0" normalizeH="0" baseline="0" noProof="0" dirty="0">
+                <a:ln>
+                  <a:noFill/>
+                </a:ln>
+                <a:solidFill>
+                  <a:prstClr val="black"/>
+                </a:solidFill>
+                <a:effectLst/>
+                <a:uLnTx/>
+                <a:uFillTx/>
+                <a:latin typeface="+mj-lt"/>
+                <a:ea typeface="+mn-ea"/>
+                <a:cs typeface="+mn-cs"/>
+              </a:rPr>
+              <a:t>Alguns métodos </a:t>
+            </a:r>
+            <a:r>
+              <a:rPr lang="pt-BR" sz="2400" b="1" dirty="0">
+                <a:solidFill>
+                  <a:prstClr val="black"/>
+                </a:solidFill>
+                <a:latin typeface="+mj-lt"/>
+              </a:rPr>
+              <a:t>para escolha de número ideal de Clusters</a:t>
+            </a:r>
+            <a:endParaRPr kumimoji="0" lang="pt-BR" sz="2400" b="1" i="0" u="none" strike="noStrike" kern="1200" cap="none" spc="0" normalizeH="0" baseline="0" noProof="0" dirty="0">
+              <a:ln>
+                <a:noFill/>
+              </a:ln>
+              <a:solidFill>
+                <a:prstClr val="black"/>
+              </a:solidFill>
+              <a:effectLst/>
+              <a:uLnTx/>
+              <a:uFillTx/>
+              <a:latin typeface="+mj-lt"/>
+              <a:ea typeface="+mn-ea"/>
+              <a:cs typeface="+mn-cs"/>
+            </a:endParaRPr>
+          </a:p>
+          <a:p>
+            <a:pPr lvl="2">
+              <a:defRPr/>
+            </a:pPr>
+            <a:endParaRPr kumimoji="0" lang="pt-BR" sz="2400" b="0" i="0" u="none" strike="noStrike" kern="1200" cap="none" spc="0" normalizeH="0" baseline="0" noProof="0" dirty="0">
+              <a:ln>
+                <a:noFill/>
+              </a:ln>
+              <a:solidFill>
+                <a:prstClr val="black"/>
+              </a:solidFill>
+              <a:effectLst/>
+              <a:uLnTx/>
+              <a:uFillTx/>
+              <a:latin typeface="+mj-lt"/>
+              <a:ea typeface="+mn-ea"/>
+              <a:cs typeface="+mn-cs"/>
+            </a:endParaRPr>
+          </a:p>
+          <a:p>
             <a:pPr lvl="2" indent="-342900">
               <a:buFont typeface="Arial" panose="020B0604020202020204" pitchFamily="34" charset="0"/>
               <a:buChar char="•"/>
               <a:defRPr/>
             </a:pPr>
             <a:r>
-              <a:rPr lang="en-US" sz="2000" dirty="0">
+              <a:rPr lang="pt-BR" sz="2000" dirty="0">
                 <a:solidFill>
                   <a:prstClr val="black"/>
                 </a:solidFill>
                 <a:latin typeface="+mj-lt"/>
               </a:rPr>
-              <a:t>   </a:t>
-            </a:r>
-            <a:r>
-              <a:rPr lang="en-US" sz="1600" dirty="0">
-                <a:solidFill>
-                  <a:prstClr val="black"/>
-                </a:solidFill>
-                <a:latin typeface="+mj-lt"/>
-              </a:rPr>
-              <a:t> - library </a:t>
-            </a:r>
-            <a:r>
-              <a:rPr lang="en-US" sz="1600" dirty="0" err="1">
-                <a:solidFill>
-                  <a:prstClr val="black"/>
-                </a:solidFill>
-                <a:latin typeface="+mj-lt"/>
-              </a:rPr>
-              <a:t>tidyverse</a:t>
-            </a:r>
-            <a:endParaRPr lang="en-US" sz="1600" dirty="0">
-              <a:solidFill>
-                <a:prstClr val="black"/>
-              </a:solidFill>
-              <a:latin typeface="+mj-lt"/>
-            </a:endParaRPr>
+              <a:t>Dendograma</a:t>
+            </a:r>
           </a:p>
           <a:p>
             <a:pPr lvl="2" indent="-342900">
@@ -12673,13 +12824,13 @@
               <a:defRPr/>
             </a:pPr>
             <a:r>
-              <a:rPr lang="en-US" sz="1600" dirty="0">
+              <a:rPr lang="pt-BR" sz="2000" dirty="0">
                 <a:solidFill>
                   <a:prstClr val="black"/>
                 </a:solidFill>
                 <a:latin typeface="+mj-lt"/>
               </a:rPr>
-              <a:t>    - library (cluster) </a:t>
+              <a:t>Coeficiente R2</a:t>
             </a:r>
           </a:p>
           <a:p>
@@ -12689,29 +12840,32 @@
               <a:defRPr/>
             </a:pPr>
             <a:r>
-              <a:rPr lang="en-US" sz="1600" dirty="0">
+              <a:rPr lang="pt-BR" sz="2000" dirty="0">
                 <a:solidFill>
                   <a:prstClr val="black"/>
                 </a:solidFill>
                 <a:latin typeface="+mj-lt"/>
               </a:rPr>
-              <a:t>    - library </a:t>
-            </a:r>
-            <a:r>
-              <a:rPr lang="en-US" sz="1600" dirty="0" err="1">
+              <a:t>Método “</a:t>
+            </a:r>
+            <a:r>
+              <a:rPr lang="pt-BR" sz="2000" dirty="0" err="1">
                 <a:solidFill>
                   <a:prstClr val="black"/>
                 </a:solidFill>
                 <a:latin typeface="+mj-lt"/>
               </a:rPr>
-              <a:t>dendextend</a:t>
-            </a:r>
-            <a:endParaRPr lang="en-US" sz="1600" dirty="0">
-              <a:solidFill>
-                <a:prstClr val="black"/>
-              </a:solidFill>
-              <a:latin typeface="+mj-lt"/>
-            </a:endParaRPr>
+              <a:t>Elbow</a:t>
+            </a:r>
+            <a:r>
+              <a:rPr lang="pt-BR" sz="2000" dirty="0">
+                <a:solidFill>
+                  <a:prstClr val="black"/>
+                </a:solidFill>
+                <a:latin typeface="+mj-lt"/>
+              </a:rPr>
+              <a:t>”</a:t>
+            </a:r>
           </a:p>
           <a:p>
             <a:pPr lvl="2" indent="-342900">
@@ -12720,29 +12874,32 @@
               <a:defRPr/>
             </a:pPr>
             <a:r>
-              <a:rPr lang="en-US" sz="1600" dirty="0">
+              <a:rPr lang="pt-BR" sz="2000" dirty="0">
                 <a:solidFill>
                   <a:prstClr val="black"/>
                 </a:solidFill>
                 <a:latin typeface="+mj-lt"/>
               </a:rPr>
-              <a:t>    - library </a:t>
-            </a:r>
-            <a:r>
-              <a:rPr lang="en-US" sz="1600" dirty="0" err="1">
+              <a:t>Método "</a:t>
+            </a:r>
+            <a:r>
+              <a:rPr lang="pt-BR" sz="2000" dirty="0" err="1">
                 <a:solidFill>
                   <a:prstClr val="black"/>
                 </a:solidFill>
                 <a:latin typeface="+mj-lt"/>
               </a:rPr>
-              <a:t>factoextra</a:t>
-            </a:r>
-            <a:endParaRPr lang="en-US" sz="1600" dirty="0">
-              <a:solidFill>
-                <a:prstClr val="black"/>
-              </a:solidFill>
-              <a:latin typeface="+mj-lt"/>
-            </a:endParaRPr>
+              <a:t>Silhouette</a:t>
+            </a:r>
+            <a:r>
+              <a:rPr lang="pt-BR" sz="2000" dirty="0">
+                <a:solidFill>
+                  <a:prstClr val="black"/>
+                </a:solidFill>
+                <a:latin typeface="+mj-lt"/>
+              </a:rPr>
+              <a:t>".</a:t>
+            </a:r>
           </a:p>
           <a:p>
             <a:pPr lvl="2" indent="-342900">
@@ -12751,400 +12908,50 @@
               <a:defRPr/>
             </a:pPr>
             <a:r>
-              <a:rPr lang="en-US" sz="1600" dirty="0">
+              <a:rPr lang="pt-BR" sz="2000" dirty="0">
                 <a:solidFill>
                   <a:prstClr val="black"/>
                 </a:solidFill>
                 <a:latin typeface="+mj-lt"/>
               </a:rPr>
-              <a:t>    - library </a:t>
-            </a:r>
-            <a:r>
-              <a:rPr lang="en-US" sz="1600" dirty="0" err="1">
+              <a:t> K-</a:t>
+            </a:r>
+            <a:r>
+              <a:rPr lang="pt-BR" sz="2000" dirty="0" err="1">
                 <a:solidFill>
                   <a:prstClr val="black"/>
                 </a:solidFill>
                 <a:latin typeface="+mj-lt"/>
               </a:rPr>
-              <a:t>fpc</a:t>
-            </a:r>
-            <a:endParaRPr lang="en-US" sz="1600" dirty="0">
-              <a:solidFill>
-                <a:prstClr val="black"/>
-              </a:solidFill>
-              <a:latin typeface="+mj-lt"/>
-            </a:endParaRPr>
-          </a:p>
-          <a:p>
-            <a:pPr lvl="2" indent="-342900">
-              <a:buFont typeface="Arial" panose="020B0604020202020204" pitchFamily="34" charset="0"/>
-              <a:buChar char="•"/>
-              <a:defRPr/>
-            </a:pPr>
-            <a:r>
-              <a:rPr lang="en-US" sz="1600" dirty="0">
+              <a:t>means</a:t>
+            </a:r>
+            <a:r>
+              <a:rPr lang="pt-BR" sz="2000" dirty="0">
                 <a:solidFill>
                   <a:prstClr val="black"/>
                 </a:solidFill>
                 <a:latin typeface="+mj-lt"/>
               </a:rPr>
-              <a:t>    - library </a:t>
-            </a:r>
-            <a:r>
-              <a:rPr lang="en-US" sz="1600" dirty="0" err="1">
+              <a:t> </a:t>
+            </a:r>
+            <a:r>
+              <a:rPr lang="pt-BR" dirty="0">
                 <a:solidFill>
                   <a:prstClr val="black"/>
                 </a:solidFill>
                 <a:latin typeface="+mj-lt"/>
               </a:rPr>
-              <a:t>gridExtra</a:t>
-            </a:r>
-            <a:endParaRPr lang="en-US" sz="1600" dirty="0">
-              <a:solidFill>
-                <a:prstClr val="black"/>
-              </a:solidFill>
-              <a:latin typeface="+mj-lt"/>
-            </a:endParaRPr>
-          </a:p>
-          <a:p>
-            <a:pPr lvl="2" indent="-342900">
-              <a:buFont typeface="Arial" panose="020B0604020202020204" pitchFamily="34" charset="0"/>
-              <a:buChar char="•"/>
-              <a:defRPr/>
-            </a:pPr>
-            <a:r>
-              <a:rPr lang="en-US" sz="1600" dirty="0">
-                <a:solidFill>
-                  <a:prstClr val="black"/>
-                </a:solidFill>
-                <a:latin typeface="+mj-lt"/>
-              </a:rPr>
-              <a:t>    - library </a:t>
-            </a:r>
-            <a:r>
-              <a:rPr lang="en-US" sz="1600" dirty="0" err="1">
-                <a:solidFill>
-                  <a:prstClr val="black"/>
-                </a:solidFill>
-                <a:latin typeface="+mj-lt"/>
-              </a:rPr>
-              <a:t>readxl</a:t>
-            </a:r>
-            <a:endParaRPr lang="en-US" sz="1600" dirty="0">
-              <a:solidFill>
-                <a:prstClr val="black"/>
-              </a:solidFill>
-              <a:latin typeface="+mj-lt"/>
-            </a:endParaRPr>
-          </a:p>
-          <a:p>
-            <a:pPr lvl="2" indent="-342900">
-              <a:buFont typeface="Arial" panose="020B0604020202020204" pitchFamily="34" charset="0"/>
-              <a:buChar char="•"/>
-              <a:defRPr/>
-            </a:pPr>
-            <a:r>
-              <a:rPr lang="en-US" sz="1600" dirty="0">
-                <a:solidFill>
-                  <a:prstClr val="black"/>
-                </a:solidFill>
-                <a:latin typeface="+mj-lt"/>
-              </a:rPr>
-              <a:t>    - library reshape</a:t>
-            </a:r>
-          </a:p>
-          <a:p>
-            <a:pPr lvl="2" indent="-342900">
-              <a:buFont typeface="Arial" panose="020B0604020202020204" pitchFamily="34" charset="0"/>
-              <a:buChar char="•"/>
-              <a:defRPr/>
-            </a:pPr>
-            <a:r>
-              <a:rPr lang="en-US" sz="1600" dirty="0">
-                <a:solidFill>
-                  <a:prstClr val="black"/>
-                </a:solidFill>
-                <a:latin typeface="+mj-lt"/>
-              </a:rPr>
-              <a:t>    - library </a:t>
-            </a:r>
-            <a:r>
-              <a:rPr lang="en-US" sz="1600" dirty="0" err="1">
-                <a:solidFill>
-                  <a:prstClr val="black"/>
-                </a:solidFill>
-                <a:latin typeface="+mj-lt"/>
-              </a:rPr>
-              <a:t>dplyr</a:t>
-            </a:r>
-            <a:endParaRPr lang="pt-BR" sz="2000" dirty="0">
-              <a:solidFill>
-                <a:prstClr val="black"/>
-              </a:solidFill>
-              <a:latin typeface="+mj-lt"/>
-            </a:endParaRPr>
+              <a:t>(Premissas da área de negócios)</a:t>
+            </a:r>
           </a:p>
         </p:txBody>
       </p:sp>
       <p:pic>
         <p:nvPicPr>
-          <p:cNvPr id="6" name="Picture 5" descr="A black background with a black square&#10;&#10;Description automatically generated with medium confidence">
-            <a:extLst>
-              <a:ext uri="{FF2B5EF4-FFF2-40B4-BE49-F238E27FC236}">
-                <a16:creationId xmlns:a16="http://schemas.microsoft.com/office/drawing/2014/main" id="{2DADC3C0-D8F5-7120-72ED-612CFB2417CA}"/>
-              </a:ext>
-            </a:extLst>
-          </p:cNvPr>
-          <p:cNvPicPr>
-            <a:picLocks noChangeAspect="1"/>
-          </p:cNvPicPr>
-          <p:nvPr/>
-        </p:nvPicPr>
-        <p:blipFill>
-          <a:blip r:embed="rId2">
-            <a:extLst>
-              <a:ext uri="{28A0092B-C50C-407E-A947-70E740481C1C}">
-                <a14:useLocalDpi xmlns:a14="http://schemas.microsoft.com/office/drawing/2010/main" val="0"/>
-              </a:ext>
-            </a:extLst>
-          </a:blip>
-          <a:stretch>
-            <a:fillRect/>
-          </a:stretch>
-        </p:blipFill>
-        <p:spPr>
-          <a:xfrm>
-            <a:off x="7956319" y="3277536"/>
-            <a:ext cx="1184602" cy="666339"/>
-          </a:xfrm>
-          <a:prstGeom prst="rect">
-            <a:avLst/>
-          </a:prstGeom>
-        </p:spPr>
-      </p:pic>
-      <p:pic>
-        <p:nvPicPr>
-          <p:cNvPr id="8" name="Picture 7" descr="A black background with a black square&#10;&#10;Description automatically generated with medium confidence">
-            <a:extLst>
-              <a:ext uri="{FF2B5EF4-FFF2-40B4-BE49-F238E27FC236}">
-                <a16:creationId xmlns:a16="http://schemas.microsoft.com/office/drawing/2014/main" id="{7F91BD1B-7226-6F28-6604-8CC9F5CCB599}"/>
-              </a:ext>
-            </a:extLst>
-          </p:cNvPr>
-          <p:cNvPicPr>
-            <a:picLocks noChangeAspect="1"/>
-          </p:cNvPicPr>
-          <p:nvPr/>
-        </p:nvPicPr>
-        <p:blipFill>
-          <a:blip r:embed="rId3">
-            <a:extLst>
-              <a:ext uri="{28A0092B-C50C-407E-A947-70E740481C1C}">
-                <a14:useLocalDpi xmlns:a14="http://schemas.microsoft.com/office/drawing/2010/main" val="0"/>
-              </a:ext>
-            </a:extLst>
-          </a:blip>
-          <a:stretch>
-            <a:fillRect/>
-          </a:stretch>
-        </p:blipFill>
-        <p:spPr>
-          <a:xfrm>
-            <a:off x="7978438" y="1936892"/>
-            <a:ext cx="1064112" cy="641169"/>
-          </a:xfrm>
-          <a:prstGeom prst="rect">
-            <a:avLst/>
-          </a:prstGeom>
-        </p:spPr>
-      </p:pic>
-      <p:pic>
-        <p:nvPicPr>
-          <p:cNvPr id="10" name="Picture 9" descr="A logo with a globe and text&#10;&#10;Description automatically generated">
-            <a:extLst>
-              <a:ext uri="{FF2B5EF4-FFF2-40B4-BE49-F238E27FC236}">
-                <a16:creationId xmlns:a16="http://schemas.microsoft.com/office/drawing/2014/main" id="{234AE1BE-74EE-61C2-C092-7D7DA773D586}"/>
-              </a:ext>
-            </a:extLst>
-          </p:cNvPr>
-          <p:cNvPicPr>
-            <a:picLocks noChangeAspect="1"/>
-          </p:cNvPicPr>
-          <p:nvPr/>
-        </p:nvPicPr>
-        <p:blipFill>
-          <a:blip r:embed="rId4">
-            <a:extLst>
-              <a:ext uri="{28A0092B-C50C-407E-A947-70E740481C1C}">
-                <a14:useLocalDpi xmlns:a14="http://schemas.microsoft.com/office/drawing/2010/main" val="0"/>
-              </a:ext>
-            </a:extLst>
-          </a:blip>
-          <a:stretch>
-            <a:fillRect/>
-          </a:stretch>
-        </p:blipFill>
-        <p:spPr>
-          <a:xfrm>
-            <a:off x="5904133" y="1957403"/>
-            <a:ext cx="1743346" cy="611780"/>
-          </a:xfrm>
-          <a:prstGeom prst="rect">
-            <a:avLst/>
-          </a:prstGeom>
-        </p:spPr>
-      </p:pic>
-      <p:pic>
-        <p:nvPicPr>
-          <p:cNvPr id="26" name="Picture 25" descr="A blue ribbon with a cross&#10;&#10;Description automatically generated">
-            <a:extLst>
-              <a:ext uri="{FF2B5EF4-FFF2-40B4-BE49-F238E27FC236}">
-                <a16:creationId xmlns:a16="http://schemas.microsoft.com/office/drawing/2014/main" id="{3A7479DD-78F2-939D-E60F-C5537853CE98}"/>
-              </a:ext>
-            </a:extLst>
-          </p:cNvPr>
-          <p:cNvPicPr>
-            <a:picLocks noChangeAspect="1"/>
-          </p:cNvPicPr>
-          <p:nvPr/>
-        </p:nvPicPr>
-        <p:blipFill>
-          <a:blip r:embed="rId5">
-            <a:extLst>
-              <a:ext uri="{28A0092B-C50C-407E-A947-70E740481C1C}">
-                <a14:useLocalDpi xmlns:a14="http://schemas.microsoft.com/office/drawing/2010/main" val="0"/>
-              </a:ext>
-            </a:extLst>
-          </a:blip>
-          <a:stretch>
-            <a:fillRect/>
-          </a:stretch>
-        </p:blipFill>
-        <p:spPr>
-          <a:xfrm>
-            <a:off x="6491561" y="3290122"/>
-            <a:ext cx="641169" cy="641169"/>
-          </a:xfrm>
-          <a:prstGeom prst="rect">
-            <a:avLst/>
-          </a:prstGeom>
-        </p:spPr>
-      </p:pic>
-      <p:pic>
-        <p:nvPicPr>
-          <p:cNvPr id="30" name="Picture 29" descr="A black text on a white background&#10;&#10;Description automatically generated">
-            <a:extLst>
-              <a:ext uri="{FF2B5EF4-FFF2-40B4-BE49-F238E27FC236}">
-                <a16:creationId xmlns:a16="http://schemas.microsoft.com/office/drawing/2014/main" id="{9C461F4B-DAB9-2C77-7FBB-78C3EA0D9B66}"/>
-              </a:ext>
-            </a:extLst>
-          </p:cNvPr>
-          <p:cNvPicPr>
-            <a:picLocks noChangeAspect="1"/>
-          </p:cNvPicPr>
-          <p:nvPr/>
-        </p:nvPicPr>
-        <p:blipFill>
-          <a:blip r:embed="rId6">
-            <a:extLst>
-              <a:ext uri="{28A0092B-C50C-407E-A947-70E740481C1C}">
-                <a14:useLocalDpi xmlns:a14="http://schemas.microsoft.com/office/drawing/2010/main" val="0"/>
-              </a:ext>
-            </a:extLst>
-          </a:blip>
-          <a:stretch>
-            <a:fillRect/>
-          </a:stretch>
-        </p:blipFill>
-        <p:spPr>
-          <a:xfrm>
-            <a:off x="9255932" y="1666190"/>
-            <a:ext cx="2181530" cy="1211961"/>
-          </a:xfrm>
-          <a:prstGeom prst="rect">
-            <a:avLst/>
-          </a:prstGeom>
-        </p:spPr>
-      </p:pic>
-      <p:pic>
-        <p:nvPicPr>
-          <p:cNvPr id="32" name="Picture 31" descr="A blue and grey logo&#10;&#10;Description automatically generated">
-            <a:extLst>
-              <a:ext uri="{FF2B5EF4-FFF2-40B4-BE49-F238E27FC236}">
-                <a16:creationId xmlns:a16="http://schemas.microsoft.com/office/drawing/2014/main" id="{680DAA13-9569-EECF-1F41-0135784D7524}"/>
-              </a:ext>
-            </a:extLst>
-          </p:cNvPr>
-          <p:cNvPicPr>
-            <a:picLocks noChangeAspect="1"/>
-          </p:cNvPicPr>
-          <p:nvPr/>
-        </p:nvPicPr>
-        <p:blipFill>
-          <a:blip r:embed="rId7">
-            <a:extLst>
-              <a:ext uri="{28A0092B-C50C-407E-A947-70E740481C1C}">
-                <a14:useLocalDpi xmlns:a14="http://schemas.microsoft.com/office/drawing/2010/main" val="0"/>
-              </a:ext>
-            </a:extLst>
-          </a:blip>
-          <a:stretch>
-            <a:fillRect/>
-          </a:stretch>
-        </p:blipFill>
-        <p:spPr>
-          <a:xfrm>
-            <a:off x="2150713" y="2578061"/>
-            <a:ext cx="1029167" cy="797604"/>
-          </a:xfrm>
-          <a:prstGeom prst="rect">
-            <a:avLst/>
-          </a:prstGeom>
-        </p:spPr>
-      </p:pic>
-      <p:sp>
-        <p:nvSpPr>
-          <p:cNvPr id="21" name="TextBox 20">
-            <a:extLst>
-              <a:ext uri="{FF2B5EF4-FFF2-40B4-BE49-F238E27FC236}">
-                <a16:creationId xmlns:a16="http://schemas.microsoft.com/office/drawing/2014/main" id="{EA2159FE-D43C-7849-5632-06B91D65A64E}"/>
-              </a:ext>
-            </a:extLst>
-          </p:cNvPr>
-          <p:cNvSpPr txBox="1"/>
-          <p:nvPr/>
-        </p:nvSpPr>
-        <p:spPr>
-          <a:xfrm>
-            <a:off x="817485" y="1324569"/>
-            <a:ext cx="4297680" cy="584775"/>
-          </a:xfrm>
-          <a:prstGeom prst="rect">
-            <a:avLst/>
-          </a:prstGeom>
-          <a:noFill/>
-        </p:spPr>
-        <p:txBody>
-          <a:bodyPr wrap="square">
-            <a:spAutoFit/>
-          </a:bodyPr>
-          <a:lstStyle/>
-          <a:p>
-            <a:r>
-              <a:rPr lang="pt-BR" sz="3200" b="1" dirty="0">
-                <a:latin typeface="+mj-lt"/>
-              </a:rPr>
-              <a:t>Tecnologias Utilizadas</a:t>
-            </a:r>
-          </a:p>
-        </p:txBody>
-      </p:sp>
-      <p:pic>
-        <p:nvPicPr>
-          <p:cNvPr id="1026" name="Picture 2" descr="Media Assets | New Relic">
-            <a:extLst>
-              <a:ext uri="{FF2B5EF4-FFF2-40B4-BE49-F238E27FC236}">
-                <a16:creationId xmlns:a16="http://schemas.microsoft.com/office/drawing/2014/main" id="{BE4E5674-0AFA-041C-8E8D-7A05655F73F8}"/>
+          <p:cNvPr id="1028" name="Picture 4">
+            <a:extLst>
+              <a:ext uri="{FF2B5EF4-FFF2-40B4-BE49-F238E27FC236}">
+                <a16:creationId xmlns:a16="http://schemas.microsoft.com/office/drawing/2014/main" id="{DA9CF22F-B1B0-7373-4E2C-B28E68EA49C5}"/>
               </a:ext>
             </a:extLst>
           </p:cNvPr>
@@ -13154,7 +12961,7 @@
           <p:nvPr/>
         </p:nvPicPr>
         <p:blipFill>
-          <a:blip r:embed="rId8">
+          <a:blip r:embed="rId2">
             <a:extLst>
               <a:ext uri="{28A0092B-C50C-407E-A947-70E740481C1C}">
                 <a14:useLocalDpi xmlns:a14="http://schemas.microsoft.com/office/drawing/2010/main" val="0"/>
@@ -13168,8 +12975,8 @@
         </p:blipFill>
         <p:spPr bwMode="auto">
           <a:xfrm>
-            <a:off x="6555061" y="4589438"/>
-            <a:ext cx="1625360" cy="316183"/>
+            <a:off x="7116582" y="3369830"/>
+            <a:ext cx="4461306" cy="2956414"/>
           </a:xfrm>
           <a:prstGeom prst="rect">
             <a:avLst/>
@@ -13186,40 +12993,129 @@
           </a:extLst>
         </p:spPr>
       </p:pic>
+      <p:sp>
+        <p:nvSpPr>
+          <p:cNvPr id="17" name="TextBox 16">
+            <a:extLst>
+              <a:ext uri="{FF2B5EF4-FFF2-40B4-BE49-F238E27FC236}">
+                <a16:creationId xmlns:a16="http://schemas.microsoft.com/office/drawing/2014/main" id="{F322D89F-4ED9-09E9-67E9-41B55ABE319A}"/>
+              </a:ext>
+            </a:extLst>
+          </p:cNvPr>
+          <p:cNvSpPr txBox="1"/>
+          <p:nvPr/>
+        </p:nvSpPr>
+        <p:spPr>
+          <a:xfrm>
+            <a:off x="6171868" y="4431742"/>
+            <a:ext cx="827426" cy="338554"/>
+          </a:xfrm>
+          <a:prstGeom prst="rect">
+            <a:avLst/>
+          </a:prstGeom>
+          <a:noFill/>
+        </p:spPr>
+        <p:txBody>
+          <a:bodyPr wrap="square">
+            <a:spAutoFit/>
+          </a:bodyPr>
+          <a:lstStyle/>
+          <a:p>
+            <a:r>
+              <a:rPr lang="pt-BR" sz="1600" dirty="0" err="1"/>
+              <a:t>Elbow</a:t>
+            </a:r>
+            <a:endParaRPr lang="pt-BR" sz="1600" dirty="0"/>
+          </a:p>
+        </p:txBody>
+      </p:sp>
       <p:pic>
         <p:nvPicPr>
-          <p:cNvPr id="13" name="Picture 12">
-            <a:extLst>
-              <a:ext uri="{FF2B5EF4-FFF2-40B4-BE49-F238E27FC236}">
-                <a16:creationId xmlns:a16="http://schemas.microsoft.com/office/drawing/2014/main" id="{2CFC6777-AAC3-DDE0-413E-B3ED739E80D5}"/>
+          <p:cNvPr id="1030" name="Picture 6" descr="Hierarchical clustering explained | by Prasad Pai | Towards Data Science">
+            <a:extLst>
+              <a:ext uri="{FF2B5EF4-FFF2-40B4-BE49-F238E27FC236}">
+                <a16:creationId xmlns:a16="http://schemas.microsoft.com/office/drawing/2014/main" id="{B4FC13DF-2295-752D-5E01-FE26997D9085}"/>
               </a:ext>
             </a:extLst>
           </p:cNvPr>
           <p:cNvPicPr>
-            <a:picLocks noChangeAspect="1"/>
+            <a:picLocks noChangeAspect="1" noChangeArrowheads="1"/>
           </p:cNvPicPr>
           <p:nvPr/>
         </p:nvPicPr>
         <p:blipFill>
-          <a:blip r:embed="rId9"/>
+          <a:blip r:embed="rId3">
+            <a:extLst>
+              <a:ext uri="{28A0092B-C50C-407E-A947-70E740481C1C}">
+                <a14:useLocalDpi xmlns:a14="http://schemas.microsoft.com/office/drawing/2010/main" val="0"/>
+              </a:ext>
+            </a:extLst>
+          </a:blip>
+          <a:srcRect/>
           <a:stretch>
             <a:fillRect/>
           </a:stretch>
         </p:blipFill>
-        <p:spPr>
+        <p:spPr bwMode="auto">
           <a:xfrm>
-            <a:off x="9252746" y="4556673"/>
-            <a:ext cx="1803728" cy="381713"/>
+            <a:off x="7437130" y="837459"/>
+            <a:ext cx="4140758" cy="2266226"/>
           </a:xfrm>
           <a:prstGeom prst="rect">
             <a:avLst/>
           </a:prstGeom>
+          <a:noFill/>
+          <a:extLst>
+            <a:ext uri="{909E8E84-426E-40DD-AFC4-6F175D3DCCD1}">
+              <a14:hiddenFill xmlns:a14="http://schemas.microsoft.com/office/drawing/2010/main">
+                <a:solidFill>
+                  <a:srgbClr val="FFFFFF"/>
+                </a:solidFill>
+              </a14:hiddenFill>
+            </a:ext>
+          </a:extLst>
         </p:spPr>
       </p:pic>
+      <p:sp>
+        <p:nvSpPr>
+          <p:cNvPr id="21" name="TextBox 20">
+            <a:extLst>
+              <a:ext uri="{FF2B5EF4-FFF2-40B4-BE49-F238E27FC236}">
+                <a16:creationId xmlns:a16="http://schemas.microsoft.com/office/drawing/2014/main" id="{44749FC3-4E14-2265-3D80-1B34CB74415D}"/>
+              </a:ext>
+            </a:extLst>
+          </p:cNvPr>
+          <p:cNvSpPr txBox="1"/>
+          <p:nvPr/>
+        </p:nvSpPr>
+        <p:spPr>
+          <a:xfrm>
+            <a:off x="5965617" y="1918428"/>
+            <a:ext cx="1274671" cy="338554"/>
+          </a:xfrm>
+          <a:prstGeom prst="rect">
+            <a:avLst/>
+          </a:prstGeom>
+          <a:noFill/>
+        </p:spPr>
+        <p:txBody>
+          <a:bodyPr wrap="square">
+            <a:spAutoFit/>
+          </a:bodyPr>
+          <a:lstStyle/>
+          <a:p>
+            <a:r>
+              <a:rPr lang="pt-BR" sz="1600" dirty="0" err="1"/>
+              <a:t>Dendrogram</a:t>
+            </a:r>
+            <a:endParaRPr lang="pt-BR" sz="1600" dirty="0"/>
+          </a:p>
+        </p:txBody>
+      </p:sp>
     </p:spTree>
     <p:extLst>
       <p:ext uri="{BB962C8B-B14F-4D97-AF65-F5344CB8AC3E}">
-        <p14:creationId xmlns:p14="http://schemas.microsoft.com/office/powerpoint/2010/main" val="1350243638"/>
+        <p14:creationId xmlns:p14="http://schemas.microsoft.com/office/powerpoint/2010/main" val="2514729475"/>
       </p:ext>
     </p:extLst>
   </p:cSld>
@@ -13229,7 +13125,7 @@
 </p:sld>
 </file>
 
-<file path=ppt/slides/slide8.xml><?xml version="1.0" encoding="utf-8"?>
+<file path=ppt/slides/slide7.xml><?xml version="1.0" encoding="utf-8"?>
 <p:sld xmlns:a="http://schemas.openxmlformats.org/drawingml/2006/main" xmlns:r="http://schemas.openxmlformats.org/officeDocument/2006/relationships" xmlns:p="http://schemas.openxmlformats.org/presentationml/2006/main">
   <p:cSld>
     <p:bg>
@@ -13254,66 +13150,6 @@
           <a:chExt cx="0" cy="0"/>
         </a:xfrm>
       </p:grpSpPr>
-      <p:sp useBgFill="1">
-        <p:nvSpPr>
-          <p:cNvPr id="12" name="Rectangle 11">
-            <a:extLst>
-              <a:ext uri="{FF2B5EF4-FFF2-40B4-BE49-F238E27FC236}">
-                <a16:creationId xmlns:a16="http://schemas.microsoft.com/office/drawing/2014/main" id="{201CC55D-ED54-4C5C-95E6-10947BD1103B}"/>
-              </a:ext>
-              <a:ext uri="{C183D7F6-B498-43B3-948B-1728B52AA6E4}">
-                <adec:decorative xmlns:adec="http://schemas.microsoft.com/office/drawing/2017/decorative" val="1"/>
-              </a:ext>
-            </a:extLst>
-          </p:cNvPr>
-          <p:cNvSpPr>
-            <a:spLocks noGrp="1" noRot="1" noChangeAspect="1" noMove="1" noResize="1" noEditPoints="1" noAdjustHandles="1" noChangeArrowheads="1" noChangeShapeType="1" noTextEdit="1"/>
-          </p:cNvSpPr>
-          <p:nvPr>
-            <p:extLst>
-              <p:ext uri="{386F3935-93C4-4BCD-93E2-E3B085C9AB24}">
-                <p16:designElem xmlns:p16="http://schemas.microsoft.com/office/powerpoint/2015/main" val="1"/>
-              </p:ext>
-            </p:extLst>
-          </p:nvPr>
-        </p:nvSpPr>
-        <p:spPr>
-          <a:xfrm>
-            <a:off x="0" y="0"/>
-            <a:ext cx="12191999" cy="6857365"/>
-          </a:xfrm>
-          <a:prstGeom prst="rect">
-            <a:avLst/>
-          </a:prstGeom>
-          <a:ln>
-            <a:noFill/>
-          </a:ln>
-        </p:spPr>
-        <p:style>
-          <a:lnRef idx="2">
-            <a:schemeClr val="accent1">
-              <a:shade val="50000"/>
-            </a:schemeClr>
-          </a:lnRef>
-          <a:fillRef idx="1">
-            <a:schemeClr val="accent1"/>
-          </a:fillRef>
-          <a:effectRef idx="0">
-            <a:schemeClr val="accent1"/>
-          </a:effectRef>
-          <a:fontRef idx="minor">
-            <a:schemeClr val="lt1"/>
-          </a:fontRef>
-        </p:style>
-        <p:txBody>
-          <a:bodyPr rtlCol="0" anchor="ctr"/>
-          <a:lstStyle/>
-          <a:p>
-            <a:pPr algn="ctr"/>
-            <a:endParaRPr lang="en-US"/>
-          </a:p>
-        </p:txBody>
-      </p:sp>
       <p:grpSp>
         <p:nvGrpSpPr>
           <p:cNvPr id="14" name="Group 13">
@@ -13666,10 +13502,10 @@
       </p:sp>
       <p:sp>
         <p:nvSpPr>
-          <p:cNvPr id="17" name="TextBox 16">
-            <a:extLst>
-              <a:ext uri="{FF2B5EF4-FFF2-40B4-BE49-F238E27FC236}">
-                <a16:creationId xmlns:a16="http://schemas.microsoft.com/office/drawing/2014/main" id="{0B5302A3-C5F3-1064-9A0F-A467F6D6CF91}"/>
+          <p:cNvPr id="19" name="TextBox 18">
+            <a:extLst>
+              <a:ext uri="{FF2B5EF4-FFF2-40B4-BE49-F238E27FC236}">
+                <a16:creationId xmlns:a16="http://schemas.microsoft.com/office/drawing/2014/main" id="{A76D44D6-8403-EC12-207F-BEED86A7B0EC}"/>
               </a:ext>
             </a:extLst>
           </p:cNvPr>
@@ -13678,8 +13514,8 @@
         </p:nvSpPr>
         <p:spPr>
           <a:xfrm>
-            <a:off x="355196" y="2757020"/>
-            <a:ext cx="8344304" cy="3359061"/>
+            <a:off x="9886359" y="3346516"/>
+            <a:ext cx="1289789" cy="584775"/>
           </a:xfrm>
           <a:prstGeom prst="rect">
             <a:avLst/>
@@ -13692,176 +13528,21 @@
           </a:bodyPr>
           <a:lstStyle/>
           <a:p>
-            <a:pPr lvl="2" indent="-342900">
-              <a:lnSpc>
-                <a:spcPct val="150000"/>
-              </a:lnSpc>
-              <a:buFont typeface="Arial" panose="020B0604020202020204" pitchFamily="34" charset="0"/>
-              <a:buChar char="•"/>
-              <a:defRPr/>
-            </a:pPr>
-            <a:r>
-              <a:rPr kumimoji="0" lang="pt-BR" sz="2400" b="1" i="0" u="none" strike="noStrike" kern="1200" cap="none" spc="0" normalizeH="0" baseline="0" noProof="0" dirty="0" err="1">
-                <a:ln>
-                  <a:noFill/>
-                </a:ln>
-                <a:solidFill>
-                  <a:prstClr val="black"/>
-                </a:solidFill>
-                <a:effectLst/>
-                <a:uLnTx/>
-                <a:uFillTx/>
-                <a:latin typeface="+mj-lt"/>
-                <a:ea typeface="+mn-ea"/>
-                <a:cs typeface="+mn-cs"/>
-              </a:rPr>
-              <a:t>Readme</a:t>
-            </a:r>
-            <a:endParaRPr kumimoji="0" lang="pt-BR" sz="2400" b="1" i="0" u="none" strike="noStrike" kern="1200" cap="none" spc="0" normalizeH="0" baseline="0" noProof="0" dirty="0">
-              <a:ln>
-                <a:noFill/>
-              </a:ln>
-              <a:solidFill>
-                <a:prstClr val="black"/>
-              </a:solidFill>
-              <a:effectLst/>
-              <a:uLnTx/>
-              <a:uFillTx/>
-              <a:latin typeface="+mj-lt"/>
-              <a:ea typeface="+mn-ea"/>
-              <a:cs typeface="+mn-cs"/>
-            </a:endParaRPr>
-          </a:p>
-          <a:p>
-            <a:pPr lvl="2" indent="-342900">
-              <a:lnSpc>
-                <a:spcPct val="150000"/>
-              </a:lnSpc>
-              <a:buFont typeface="Arial" panose="020B0604020202020204" pitchFamily="34" charset="0"/>
-              <a:buChar char="•"/>
-              <a:defRPr/>
-            </a:pPr>
-            <a:r>
-              <a:rPr lang="pt-BR" sz="2400" b="1" dirty="0">
-                <a:solidFill>
-                  <a:prstClr val="black"/>
-                </a:solidFill>
-                <a:latin typeface="+mj-lt"/>
-              </a:rPr>
-              <a:t>Testes Unitários (</a:t>
-            </a:r>
-            <a:r>
-              <a:rPr lang="pt-BR" sz="2400" b="1" dirty="0" err="1">
-                <a:solidFill>
-                  <a:prstClr val="black"/>
-                </a:solidFill>
-                <a:latin typeface="+mj-lt"/>
-              </a:rPr>
-              <a:t>Jest</a:t>
-            </a:r>
-            <a:r>
-              <a:rPr lang="pt-BR" sz="2400" b="1" dirty="0">
-                <a:solidFill>
-                  <a:prstClr val="black"/>
-                </a:solidFill>
-                <a:latin typeface="+mj-lt"/>
-              </a:rPr>
-              <a:t>)</a:t>
-            </a:r>
-          </a:p>
-          <a:p>
-            <a:pPr lvl="2" indent="-342900">
-              <a:lnSpc>
-                <a:spcPct val="150000"/>
-              </a:lnSpc>
-              <a:buFont typeface="Arial" panose="020B0604020202020204" pitchFamily="34" charset="0"/>
-              <a:buChar char="•"/>
-              <a:defRPr/>
-            </a:pPr>
-            <a:r>
-              <a:rPr lang="pt-BR" sz="2400" b="1" dirty="0">
-                <a:solidFill>
-                  <a:prstClr val="black"/>
-                </a:solidFill>
-                <a:latin typeface="+mj-lt"/>
-              </a:rPr>
-              <a:t>Cobertura (Sonar)</a:t>
-            </a:r>
-          </a:p>
-          <a:p>
-            <a:pPr lvl="2" indent="-342900">
-              <a:lnSpc>
-                <a:spcPct val="150000"/>
-              </a:lnSpc>
-              <a:buFont typeface="Arial" panose="020B0604020202020204" pitchFamily="34" charset="0"/>
-              <a:buChar char="•"/>
-              <a:defRPr/>
-            </a:pPr>
-            <a:r>
-              <a:rPr lang="pt-BR" sz="2400" b="1" dirty="0" err="1">
-                <a:solidFill>
-                  <a:prstClr val="black"/>
-                </a:solidFill>
-                <a:latin typeface="+mj-lt"/>
-              </a:rPr>
-              <a:t>Deployado</a:t>
-            </a:r>
-            <a:r>
-              <a:rPr lang="pt-BR" sz="2400" b="1" dirty="0">
-                <a:solidFill>
-                  <a:prstClr val="black"/>
-                </a:solidFill>
-                <a:latin typeface="+mj-lt"/>
-              </a:rPr>
-              <a:t> em produção (AWS)</a:t>
-            </a:r>
-          </a:p>
-          <a:p>
-            <a:pPr lvl="2" indent="-342900">
-              <a:lnSpc>
-                <a:spcPct val="150000"/>
-              </a:lnSpc>
-              <a:buFont typeface="Arial" panose="020B0604020202020204" pitchFamily="34" charset="0"/>
-              <a:buChar char="•"/>
-              <a:defRPr/>
-            </a:pPr>
-            <a:r>
-              <a:rPr lang="it-IT" sz="2400" b="1" dirty="0">
-                <a:solidFill>
-                  <a:prstClr val="black"/>
-                </a:solidFill>
-                <a:latin typeface="+mj-lt"/>
-              </a:rPr>
-              <a:t>Pipeline de CI/CD (Github CI/CD)</a:t>
-            </a:r>
-          </a:p>
-          <a:p>
-            <a:pPr lvl="2" indent="-342900">
-              <a:lnSpc>
-                <a:spcPct val="150000"/>
-              </a:lnSpc>
-              <a:buFont typeface="Arial" panose="020B0604020202020204" pitchFamily="34" charset="0"/>
-              <a:buChar char="•"/>
-              <a:defRPr/>
-            </a:pPr>
-            <a:r>
-              <a:rPr lang="it-IT" sz="2400" b="1" dirty="0">
-                <a:solidFill>
-                  <a:prstClr val="black"/>
-                </a:solidFill>
-                <a:latin typeface="+mj-lt"/>
-              </a:rPr>
-              <a:t>Monitoramento (NewRelic)</a:t>
+            <a:r>
+              <a:rPr lang="pt-BR" sz="3200" b="1" dirty="0">
+                <a:latin typeface="+mj-lt"/>
+              </a:rPr>
+              <a:t>AWS</a:t>
             </a:r>
           </a:p>
         </p:txBody>
       </p:sp>
       <p:sp>
         <p:nvSpPr>
-          <p:cNvPr id="21" name="TextBox 20">
-            <a:extLst>
-              <a:ext uri="{FF2B5EF4-FFF2-40B4-BE49-F238E27FC236}">
-                <a16:creationId xmlns:a16="http://schemas.microsoft.com/office/drawing/2014/main" id="{D2B0B4CE-7B37-7CA8-7B23-722C1C24D572}"/>
+          <p:cNvPr id="3" name="TextBox 2">
+            <a:extLst>
+              <a:ext uri="{FF2B5EF4-FFF2-40B4-BE49-F238E27FC236}">
+                <a16:creationId xmlns:a16="http://schemas.microsoft.com/office/drawing/2014/main" id="{E37DAB5D-0F54-E601-6762-65A906FA0B68}"/>
               </a:ext>
             </a:extLst>
           </p:cNvPr>
@@ -13870,8 +13551,8 @@
         </p:nvSpPr>
         <p:spPr>
           <a:xfrm>
-            <a:off x="761056" y="964999"/>
-            <a:ext cx="3184620" cy="584775"/>
+            <a:off x="1171556" y="4241795"/>
+            <a:ext cx="3107362" cy="2369880"/>
           </a:xfrm>
           <a:prstGeom prst="rect">
             <a:avLst/>
@@ -13879,6 +13560,509 @@
           <a:noFill/>
         </p:spPr>
         <p:txBody>
+          <a:bodyPr wrap="square" numCol="1">
+            <a:spAutoFit/>
+          </a:bodyPr>
+          <a:lstStyle/>
+          <a:p>
+            <a:pPr lvl="2" indent="-342900">
+              <a:buFont typeface="Arial" panose="020B0604020202020204" pitchFamily="34" charset="0"/>
+              <a:buChar char="•"/>
+              <a:defRPr/>
+            </a:pPr>
+            <a:r>
+              <a:rPr lang="en-US" sz="2000" dirty="0">
+                <a:solidFill>
+                  <a:prstClr val="black"/>
+                </a:solidFill>
+                <a:latin typeface="+mj-lt"/>
+              </a:rPr>
+              <a:t>   </a:t>
+            </a:r>
+            <a:r>
+              <a:rPr lang="en-US" sz="1600" dirty="0">
+                <a:solidFill>
+                  <a:prstClr val="black"/>
+                </a:solidFill>
+                <a:latin typeface="+mj-lt"/>
+              </a:rPr>
+              <a:t> - library </a:t>
+            </a:r>
+            <a:r>
+              <a:rPr lang="en-US" sz="1600" dirty="0" err="1">
+                <a:solidFill>
+                  <a:prstClr val="black"/>
+                </a:solidFill>
+                <a:latin typeface="+mj-lt"/>
+              </a:rPr>
+              <a:t>tidyverse</a:t>
+            </a:r>
+            <a:endParaRPr lang="en-US" sz="1600" dirty="0">
+              <a:solidFill>
+                <a:prstClr val="black"/>
+              </a:solidFill>
+              <a:latin typeface="+mj-lt"/>
+            </a:endParaRPr>
+          </a:p>
+          <a:p>
+            <a:pPr lvl="2" indent="-342900">
+              <a:buFont typeface="Arial" panose="020B0604020202020204" pitchFamily="34" charset="0"/>
+              <a:buChar char="•"/>
+              <a:defRPr/>
+            </a:pPr>
+            <a:r>
+              <a:rPr lang="en-US" sz="1600" dirty="0">
+                <a:solidFill>
+                  <a:prstClr val="black"/>
+                </a:solidFill>
+                <a:latin typeface="+mj-lt"/>
+              </a:rPr>
+              <a:t>    - library (cluster) </a:t>
+            </a:r>
+          </a:p>
+          <a:p>
+            <a:pPr lvl="2" indent="-342900">
+              <a:buFont typeface="Arial" panose="020B0604020202020204" pitchFamily="34" charset="0"/>
+              <a:buChar char="•"/>
+              <a:defRPr/>
+            </a:pPr>
+            <a:r>
+              <a:rPr lang="en-US" sz="1600" dirty="0">
+                <a:solidFill>
+                  <a:prstClr val="black"/>
+                </a:solidFill>
+                <a:latin typeface="+mj-lt"/>
+              </a:rPr>
+              <a:t>    - library </a:t>
+            </a:r>
+            <a:r>
+              <a:rPr lang="en-US" sz="1600" dirty="0" err="1">
+                <a:solidFill>
+                  <a:prstClr val="black"/>
+                </a:solidFill>
+                <a:latin typeface="+mj-lt"/>
+              </a:rPr>
+              <a:t>dendextend</a:t>
+            </a:r>
+            <a:endParaRPr lang="en-US" sz="1600" dirty="0">
+              <a:solidFill>
+                <a:prstClr val="black"/>
+              </a:solidFill>
+              <a:latin typeface="+mj-lt"/>
+            </a:endParaRPr>
+          </a:p>
+          <a:p>
+            <a:pPr lvl="2" indent="-342900">
+              <a:buFont typeface="Arial" panose="020B0604020202020204" pitchFamily="34" charset="0"/>
+              <a:buChar char="•"/>
+              <a:defRPr/>
+            </a:pPr>
+            <a:r>
+              <a:rPr lang="en-US" sz="1600" dirty="0">
+                <a:solidFill>
+                  <a:prstClr val="black"/>
+                </a:solidFill>
+                <a:latin typeface="+mj-lt"/>
+              </a:rPr>
+              <a:t>    - library </a:t>
+            </a:r>
+            <a:r>
+              <a:rPr lang="en-US" sz="1600" dirty="0" err="1">
+                <a:solidFill>
+                  <a:prstClr val="black"/>
+                </a:solidFill>
+                <a:latin typeface="+mj-lt"/>
+              </a:rPr>
+              <a:t>factoextra</a:t>
+            </a:r>
+            <a:endParaRPr lang="en-US" sz="1600" dirty="0">
+              <a:solidFill>
+                <a:prstClr val="black"/>
+              </a:solidFill>
+              <a:latin typeface="+mj-lt"/>
+            </a:endParaRPr>
+          </a:p>
+          <a:p>
+            <a:pPr lvl="2" indent="-342900">
+              <a:buFont typeface="Arial" panose="020B0604020202020204" pitchFamily="34" charset="0"/>
+              <a:buChar char="•"/>
+              <a:defRPr/>
+            </a:pPr>
+            <a:r>
+              <a:rPr lang="en-US" sz="1600" dirty="0">
+                <a:solidFill>
+                  <a:prstClr val="black"/>
+                </a:solidFill>
+                <a:latin typeface="+mj-lt"/>
+              </a:rPr>
+              <a:t>    - library </a:t>
+            </a:r>
+            <a:r>
+              <a:rPr lang="en-US" sz="1600" dirty="0" err="1">
+                <a:solidFill>
+                  <a:prstClr val="black"/>
+                </a:solidFill>
+                <a:latin typeface="+mj-lt"/>
+              </a:rPr>
+              <a:t>fpc</a:t>
+            </a:r>
+            <a:endParaRPr lang="en-US" sz="1600" dirty="0">
+              <a:solidFill>
+                <a:prstClr val="black"/>
+              </a:solidFill>
+              <a:latin typeface="+mj-lt"/>
+            </a:endParaRPr>
+          </a:p>
+          <a:p>
+            <a:pPr lvl="2" indent="-342900">
+              <a:buFont typeface="Arial" panose="020B0604020202020204" pitchFamily="34" charset="0"/>
+              <a:buChar char="•"/>
+              <a:defRPr/>
+            </a:pPr>
+            <a:r>
+              <a:rPr lang="en-US" sz="1600" dirty="0">
+                <a:solidFill>
+                  <a:prstClr val="black"/>
+                </a:solidFill>
+                <a:latin typeface="+mj-lt"/>
+              </a:rPr>
+              <a:t>    - library </a:t>
+            </a:r>
+            <a:r>
+              <a:rPr lang="en-US" sz="1600" dirty="0" err="1">
+                <a:solidFill>
+                  <a:prstClr val="black"/>
+                </a:solidFill>
+                <a:latin typeface="+mj-lt"/>
+              </a:rPr>
+              <a:t>gridExtra</a:t>
+            </a:r>
+            <a:endParaRPr lang="en-US" sz="1600" dirty="0">
+              <a:solidFill>
+                <a:prstClr val="black"/>
+              </a:solidFill>
+              <a:latin typeface="+mj-lt"/>
+            </a:endParaRPr>
+          </a:p>
+          <a:p>
+            <a:pPr lvl="2" indent="-342900">
+              <a:buFont typeface="Arial" panose="020B0604020202020204" pitchFamily="34" charset="0"/>
+              <a:buChar char="•"/>
+              <a:defRPr/>
+            </a:pPr>
+            <a:r>
+              <a:rPr lang="en-US" sz="1600" dirty="0">
+                <a:solidFill>
+                  <a:prstClr val="black"/>
+                </a:solidFill>
+                <a:latin typeface="+mj-lt"/>
+              </a:rPr>
+              <a:t>    - library </a:t>
+            </a:r>
+            <a:r>
+              <a:rPr lang="en-US" sz="1600" dirty="0" err="1">
+                <a:solidFill>
+                  <a:prstClr val="black"/>
+                </a:solidFill>
+                <a:latin typeface="+mj-lt"/>
+              </a:rPr>
+              <a:t>readxl</a:t>
+            </a:r>
+            <a:endParaRPr lang="en-US" sz="1600" dirty="0">
+              <a:solidFill>
+                <a:prstClr val="black"/>
+              </a:solidFill>
+              <a:latin typeface="+mj-lt"/>
+            </a:endParaRPr>
+          </a:p>
+          <a:p>
+            <a:pPr lvl="2" indent="-342900">
+              <a:buFont typeface="Arial" panose="020B0604020202020204" pitchFamily="34" charset="0"/>
+              <a:buChar char="•"/>
+              <a:defRPr/>
+            </a:pPr>
+            <a:r>
+              <a:rPr lang="en-US" sz="1600" dirty="0">
+                <a:solidFill>
+                  <a:prstClr val="black"/>
+                </a:solidFill>
+                <a:latin typeface="+mj-lt"/>
+              </a:rPr>
+              <a:t>    - library reshape</a:t>
+            </a:r>
+          </a:p>
+          <a:p>
+            <a:pPr lvl="2" indent="-342900">
+              <a:buFont typeface="Arial" panose="020B0604020202020204" pitchFamily="34" charset="0"/>
+              <a:buChar char="•"/>
+              <a:defRPr/>
+            </a:pPr>
+            <a:r>
+              <a:rPr lang="en-US" sz="1600" dirty="0">
+                <a:solidFill>
+                  <a:prstClr val="black"/>
+                </a:solidFill>
+                <a:latin typeface="+mj-lt"/>
+              </a:rPr>
+              <a:t>    - library </a:t>
+            </a:r>
+            <a:r>
+              <a:rPr lang="en-US" sz="1600" dirty="0" err="1">
+                <a:solidFill>
+                  <a:prstClr val="black"/>
+                </a:solidFill>
+                <a:latin typeface="+mj-lt"/>
+              </a:rPr>
+              <a:t>dplyr</a:t>
+            </a:r>
+            <a:endParaRPr lang="pt-BR" sz="2000" dirty="0">
+              <a:solidFill>
+                <a:prstClr val="black"/>
+              </a:solidFill>
+              <a:latin typeface="+mj-lt"/>
+            </a:endParaRPr>
+          </a:p>
+        </p:txBody>
+      </p:sp>
+      <p:pic>
+        <p:nvPicPr>
+          <p:cNvPr id="6" name="Picture 5" descr="A black background with a black square&#10;&#10;Description automatically generated with medium confidence">
+            <a:extLst>
+              <a:ext uri="{FF2B5EF4-FFF2-40B4-BE49-F238E27FC236}">
+                <a16:creationId xmlns:a16="http://schemas.microsoft.com/office/drawing/2014/main" id="{2DADC3C0-D8F5-7120-72ED-612CFB2417CA}"/>
+              </a:ext>
+            </a:extLst>
+          </p:cNvPr>
+          <p:cNvPicPr>
+            <a:picLocks noChangeAspect="1"/>
+          </p:cNvPicPr>
+          <p:nvPr/>
+        </p:nvPicPr>
+        <p:blipFill>
+          <a:blip r:embed="rId2">
+            <a:extLst>
+              <a:ext uri="{28A0092B-C50C-407E-A947-70E740481C1C}">
+                <a14:useLocalDpi xmlns:a14="http://schemas.microsoft.com/office/drawing/2010/main" val="0"/>
+              </a:ext>
+            </a:extLst>
+          </a:blip>
+          <a:stretch>
+            <a:fillRect/>
+          </a:stretch>
+        </p:blipFill>
+        <p:spPr>
+          <a:xfrm>
+            <a:off x="7956319" y="3277536"/>
+            <a:ext cx="1184602" cy="666339"/>
+          </a:xfrm>
+          <a:prstGeom prst="rect">
+            <a:avLst/>
+          </a:prstGeom>
+        </p:spPr>
+      </p:pic>
+      <p:pic>
+        <p:nvPicPr>
+          <p:cNvPr id="8" name="Picture 7" descr="A black background with a black square&#10;&#10;Description automatically generated with medium confidence">
+            <a:extLst>
+              <a:ext uri="{FF2B5EF4-FFF2-40B4-BE49-F238E27FC236}">
+                <a16:creationId xmlns:a16="http://schemas.microsoft.com/office/drawing/2014/main" id="{7F91BD1B-7226-6F28-6604-8CC9F5CCB599}"/>
+              </a:ext>
+            </a:extLst>
+          </p:cNvPr>
+          <p:cNvPicPr>
+            <a:picLocks noChangeAspect="1"/>
+          </p:cNvPicPr>
+          <p:nvPr/>
+        </p:nvPicPr>
+        <p:blipFill>
+          <a:blip r:embed="rId3">
+            <a:extLst>
+              <a:ext uri="{28A0092B-C50C-407E-A947-70E740481C1C}">
+                <a14:useLocalDpi xmlns:a14="http://schemas.microsoft.com/office/drawing/2010/main" val="0"/>
+              </a:ext>
+            </a:extLst>
+          </a:blip>
+          <a:stretch>
+            <a:fillRect/>
+          </a:stretch>
+        </p:blipFill>
+        <p:spPr>
+          <a:xfrm>
+            <a:off x="7978438" y="1936892"/>
+            <a:ext cx="1064112" cy="641169"/>
+          </a:xfrm>
+          <a:prstGeom prst="rect">
+            <a:avLst/>
+          </a:prstGeom>
+        </p:spPr>
+      </p:pic>
+      <p:pic>
+        <p:nvPicPr>
+          <p:cNvPr id="10" name="Picture 9" descr="A logo with a globe and text&#10;&#10;Description automatically generated">
+            <a:extLst>
+              <a:ext uri="{FF2B5EF4-FFF2-40B4-BE49-F238E27FC236}">
+                <a16:creationId xmlns:a16="http://schemas.microsoft.com/office/drawing/2014/main" id="{234AE1BE-74EE-61C2-C092-7D7DA773D586}"/>
+              </a:ext>
+            </a:extLst>
+          </p:cNvPr>
+          <p:cNvPicPr>
+            <a:picLocks noChangeAspect="1"/>
+          </p:cNvPicPr>
+          <p:nvPr/>
+        </p:nvPicPr>
+        <p:blipFill>
+          <a:blip r:embed="rId4">
+            <a:extLst>
+              <a:ext uri="{28A0092B-C50C-407E-A947-70E740481C1C}">
+                <a14:useLocalDpi xmlns:a14="http://schemas.microsoft.com/office/drawing/2010/main" val="0"/>
+              </a:ext>
+            </a:extLst>
+          </a:blip>
+          <a:stretch>
+            <a:fillRect/>
+          </a:stretch>
+        </p:blipFill>
+        <p:spPr>
+          <a:xfrm>
+            <a:off x="5904133" y="1957403"/>
+            <a:ext cx="1743346" cy="611780"/>
+          </a:xfrm>
+          <a:prstGeom prst="rect">
+            <a:avLst/>
+          </a:prstGeom>
+        </p:spPr>
+      </p:pic>
+      <p:pic>
+        <p:nvPicPr>
+          <p:cNvPr id="26" name="Picture 25" descr="A blue ribbon with a cross&#10;&#10;Description automatically generated">
+            <a:extLst>
+              <a:ext uri="{FF2B5EF4-FFF2-40B4-BE49-F238E27FC236}">
+                <a16:creationId xmlns:a16="http://schemas.microsoft.com/office/drawing/2014/main" id="{3A7479DD-78F2-939D-E60F-C5537853CE98}"/>
+              </a:ext>
+            </a:extLst>
+          </p:cNvPr>
+          <p:cNvPicPr>
+            <a:picLocks noChangeAspect="1"/>
+          </p:cNvPicPr>
+          <p:nvPr/>
+        </p:nvPicPr>
+        <p:blipFill>
+          <a:blip r:embed="rId5">
+            <a:extLst>
+              <a:ext uri="{28A0092B-C50C-407E-A947-70E740481C1C}">
+                <a14:useLocalDpi xmlns:a14="http://schemas.microsoft.com/office/drawing/2010/main" val="0"/>
+              </a:ext>
+            </a:extLst>
+          </a:blip>
+          <a:stretch>
+            <a:fillRect/>
+          </a:stretch>
+        </p:blipFill>
+        <p:spPr>
+          <a:xfrm>
+            <a:off x="6491561" y="3290122"/>
+            <a:ext cx="641169" cy="641169"/>
+          </a:xfrm>
+          <a:prstGeom prst="rect">
+            <a:avLst/>
+          </a:prstGeom>
+        </p:spPr>
+      </p:pic>
+      <p:pic>
+        <p:nvPicPr>
+          <p:cNvPr id="30" name="Picture 29" descr="A black text on a white background&#10;&#10;Description automatically generated">
+            <a:extLst>
+              <a:ext uri="{FF2B5EF4-FFF2-40B4-BE49-F238E27FC236}">
+                <a16:creationId xmlns:a16="http://schemas.microsoft.com/office/drawing/2014/main" id="{9C461F4B-DAB9-2C77-7FBB-78C3EA0D9B66}"/>
+              </a:ext>
+            </a:extLst>
+          </p:cNvPr>
+          <p:cNvPicPr>
+            <a:picLocks noChangeAspect="1"/>
+          </p:cNvPicPr>
+          <p:nvPr/>
+        </p:nvPicPr>
+        <p:blipFill>
+          <a:blip r:embed="rId6">
+            <a:extLst>
+              <a:ext uri="{28A0092B-C50C-407E-A947-70E740481C1C}">
+                <a14:useLocalDpi xmlns:a14="http://schemas.microsoft.com/office/drawing/2010/main" val="0"/>
+              </a:ext>
+            </a:extLst>
+          </a:blip>
+          <a:stretch>
+            <a:fillRect/>
+          </a:stretch>
+        </p:blipFill>
+        <p:spPr>
+          <a:xfrm>
+            <a:off x="9255932" y="1666190"/>
+            <a:ext cx="2181530" cy="1211961"/>
+          </a:xfrm>
+          <a:prstGeom prst="rect">
+            <a:avLst/>
+          </a:prstGeom>
+        </p:spPr>
+      </p:pic>
+      <p:pic>
+        <p:nvPicPr>
+          <p:cNvPr id="32" name="Picture 31" descr="A blue and grey logo&#10;&#10;Description automatically generated">
+            <a:extLst>
+              <a:ext uri="{FF2B5EF4-FFF2-40B4-BE49-F238E27FC236}">
+                <a16:creationId xmlns:a16="http://schemas.microsoft.com/office/drawing/2014/main" id="{680DAA13-9569-EECF-1F41-0135784D7524}"/>
+              </a:ext>
+            </a:extLst>
+          </p:cNvPr>
+          <p:cNvPicPr>
+            <a:picLocks noChangeAspect="1"/>
+          </p:cNvPicPr>
+          <p:nvPr/>
+        </p:nvPicPr>
+        <p:blipFill>
+          <a:blip r:embed="rId7">
+            <a:extLst>
+              <a:ext uri="{28A0092B-C50C-407E-A947-70E740481C1C}">
+                <a14:useLocalDpi xmlns:a14="http://schemas.microsoft.com/office/drawing/2010/main" val="0"/>
+              </a:ext>
+            </a:extLst>
+          </a:blip>
+          <a:stretch>
+            <a:fillRect/>
+          </a:stretch>
+        </p:blipFill>
+        <p:spPr>
+          <a:xfrm>
+            <a:off x="1613035" y="2380753"/>
+            <a:ext cx="2062310" cy="1598290"/>
+          </a:xfrm>
+          <a:prstGeom prst="rect">
+            <a:avLst/>
+          </a:prstGeom>
+        </p:spPr>
+      </p:pic>
+      <p:sp>
+        <p:nvSpPr>
+          <p:cNvPr id="21" name="TextBox 20">
+            <a:extLst>
+              <a:ext uri="{FF2B5EF4-FFF2-40B4-BE49-F238E27FC236}">
+                <a16:creationId xmlns:a16="http://schemas.microsoft.com/office/drawing/2014/main" id="{EA2159FE-D43C-7849-5632-06B91D65A64E}"/>
+              </a:ext>
+            </a:extLst>
+          </p:cNvPr>
+          <p:cNvSpPr txBox="1"/>
+          <p:nvPr/>
+        </p:nvSpPr>
+        <p:spPr>
+          <a:xfrm>
+            <a:off x="817485" y="1324569"/>
+            <a:ext cx="4297680" cy="584775"/>
+          </a:xfrm>
+          <a:prstGeom prst="rect">
+            <a:avLst/>
+          </a:prstGeom>
+          <a:noFill/>
+        </p:spPr>
+        <p:txBody>
           <a:bodyPr wrap="square">
             <a:spAutoFit/>
           </a:bodyPr>
@@ -13888,15 +14072,92 @@
               <a:rPr lang="pt-BR" sz="3200" b="1" dirty="0">
                 <a:latin typeface="+mj-lt"/>
               </a:rPr>
-              <a:t>Estrutura </a:t>
-            </a:r>
-          </a:p>
-        </p:txBody>
-      </p:sp>
+              <a:t>Tecnologias Utilizadas</a:t>
+            </a:r>
+          </a:p>
+        </p:txBody>
+      </p:sp>
+      <p:pic>
+        <p:nvPicPr>
+          <p:cNvPr id="1026" name="Picture 2" descr="Media Assets | New Relic">
+            <a:extLst>
+              <a:ext uri="{FF2B5EF4-FFF2-40B4-BE49-F238E27FC236}">
+                <a16:creationId xmlns:a16="http://schemas.microsoft.com/office/drawing/2014/main" id="{BE4E5674-0AFA-041C-8E8D-7A05655F73F8}"/>
+              </a:ext>
+            </a:extLst>
+          </p:cNvPr>
+          <p:cNvPicPr>
+            <a:picLocks noChangeAspect="1" noChangeArrowheads="1"/>
+          </p:cNvPicPr>
+          <p:nvPr/>
+        </p:nvPicPr>
+        <p:blipFill>
+          <a:blip r:embed="rId8">
+            <a:extLst>
+              <a:ext uri="{28A0092B-C50C-407E-A947-70E740481C1C}">
+                <a14:useLocalDpi xmlns:a14="http://schemas.microsoft.com/office/drawing/2010/main" val="0"/>
+              </a:ext>
+            </a:extLst>
+          </a:blip>
+          <a:srcRect/>
+          <a:stretch>
+            <a:fillRect/>
+          </a:stretch>
+        </p:blipFill>
+        <p:spPr bwMode="auto">
+          <a:xfrm>
+            <a:off x="6555061" y="4589438"/>
+            <a:ext cx="1625360" cy="316183"/>
+          </a:xfrm>
+          <a:prstGeom prst="rect">
+            <a:avLst/>
+          </a:prstGeom>
+          <a:noFill/>
+          <a:extLst>
+            <a:ext uri="{909E8E84-426E-40DD-AFC4-6F175D3DCCD1}">
+              <a14:hiddenFill xmlns:a14="http://schemas.microsoft.com/office/drawing/2010/main">
+                <a:solidFill>
+                  <a:srgbClr val="FFFFFF"/>
+                </a:solidFill>
+              </a14:hiddenFill>
+            </a:ext>
+          </a:extLst>
+        </p:spPr>
+      </p:pic>
+      <p:pic>
+        <p:nvPicPr>
+          <p:cNvPr id="13" name="Picture 12">
+            <a:extLst>
+              <a:ext uri="{FF2B5EF4-FFF2-40B4-BE49-F238E27FC236}">
+                <a16:creationId xmlns:a16="http://schemas.microsoft.com/office/drawing/2014/main" id="{2CFC6777-AAC3-DDE0-413E-B3ED739E80D5}"/>
+              </a:ext>
+            </a:extLst>
+          </p:cNvPr>
+          <p:cNvPicPr>
+            <a:picLocks noChangeAspect="1"/>
+          </p:cNvPicPr>
+          <p:nvPr/>
+        </p:nvPicPr>
+        <p:blipFill>
+          <a:blip r:embed="rId9"/>
+          <a:stretch>
+            <a:fillRect/>
+          </a:stretch>
+        </p:blipFill>
+        <p:spPr>
+          <a:xfrm>
+            <a:off x="9252746" y="4556673"/>
+            <a:ext cx="1803728" cy="381713"/>
+          </a:xfrm>
+          <a:prstGeom prst="rect">
+            <a:avLst/>
+          </a:prstGeom>
+        </p:spPr>
+      </p:pic>
     </p:spTree>
     <p:extLst>
       <p:ext uri="{BB962C8B-B14F-4D97-AF65-F5344CB8AC3E}">
-        <p14:creationId xmlns:p14="http://schemas.microsoft.com/office/powerpoint/2010/main" val="2708099228"/>
+        <p14:creationId xmlns:p14="http://schemas.microsoft.com/office/powerpoint/2010/main" val="1350243638"/>
       </p:ext>
     </p:extLst>
   </p:cSld>
@@ -13906,7 +14167,7 @@
 </p:sld>
 </file>
 
-<file path=ppt/slides/slide9.xml><?xml version="1.0" encoding="utf-8"?>
+<file path=ppt/slides/slide8.xml><?xml version="1.0" encoding="utf-8"?>
 <p:sld xmlns:a="http://schemas.openxmlformats.org/drawingml/2006/main" xmlns:r="http://schemas.openxmlformats.org/officeDocument/2006/relationships" xmlns:p="http://schemas.openxmlformats.org/presentationml/2006/main">
   <p:cSld>
     <p:bg>
@@ -14343,10 +14604,10 @@
       </p:sp>
       <p:sp>
         <p:nvSpPr>
-          <p:cNvPr id="19" name="TextBox 18">
-            <a:extLst>
-              <a:ext uri="{FF2B5EF4-FFF2-40B4-BE49-F238E27FC236}">
-                <a16:creationId xmlns:a16="http://schemas.microsoft.com/office/drawing/2014/main" id="{A76D44D6-8403-EC12-207F-BEED86A7B0EC}"/>
+          <p:cNvPr id="17" name="TextBox 16">
+            <a:extLst>
+              <a:ext uri="{FF2B5EF4-FFF2-40B4-BE49-F238E27FC236}">
+                <a16:creationId xmlns:a16="http://schemas.microsoft.com/office/drawing/2014/main" id="{0B5302A3-C5F3-1064-9A0F-A467F6D6CF91}"/>
               </a:ext>
             </a:extLst>
           </p:cNvPr>
@@ -14355,7 +14616,684 @@
         </p:nvSpPr>
         <p:spPr>
           <a:xfrm>
-            <a:off x="665085" y="752897"/>
+            <a:off x="355196" y="2757020"/>
+            <a:ext cx="8344304" cy="3359061"/>
+          </a:xfrm>
+          <a:prstGeom prst="rect">
+            <a:avLst/>
+          </a:prstGeom>
+          <a:noFill/>
+        </p:spPr>
+        <p:txBody>
+          <a:bodyPr wrap="square">
+            <a:spAutoFit/>
+          </a:bodyPr>
+          <a:lstStyle/>
+          <a:p>
+            <a:pPr lvl="2" indent="-342900">
+              <a:lnSpc>
+                <a:spcPct val="150000"/>
+              </a:lnSpc>
+              <a:buFont typeface="Arial" panose="020B0604020202020204" pitchFamily="34" charset="0"/>
+              <a:buChar char="•"/>
+              <a:defRPr/>
+            </a:pPr>
+            <a:r>
+              <a:rPr kumimoji="0" lang="pt-BR" sz="2400" b="1" i="0" u="none" strike="noStrike" kern="1200" cap="none" spc="0" normalizeH="0" baseline="0" noProof="0" dirty="0" err="1">
+                <a:ln>
+                  <a:noFill/>
+                </a:ln>
+                <a:solidFill>
+                  <a:prstClr val="black"/>
+                </a:solidFill>
+                <a:effectLst/>
+                <a:uLnTx/>
+                <a:uFillTx/>
+                <a:latin typeface="+mj-lt"/>
+                <a:ea typeface="+mn-ea"/>
+                <a:cs typeface="+mn-cs"/>
+              </a:rPr>
+              <a:t>Readme</a:t>
+            </a:r>
+            <a:endParaRPr kumimoji="0" lang="pt-BR" sz="2400" b="1" i="0" u="none" strike="noStrike" kern="1200" cap="none" spc="0" normalizeH="0" baseline="0" noProof="0" dirty="0">
+              <a:ln>
+                <a:noFill/>
+              </a:ln>
+              <a:solidFill>
+                <a:prstClr val="black"/>
+              </a:solidFill>
+              <a:effectLst/>
+              <a:uLnTx/>
+              <a:uFillTx/>
+              <a:latin typeface="+mj-lt"/>
+              <a:ea typeface="+mn-ea"/>
+              <a:cs typeface="+mn-cs"/>
+            </a:endParaRPr>
+          </a:p>
+          <a:p>
+            <a:pPr lvl="2" indent="-342900">
+              <a:lnSpc>
+                <a:spcPct val="150000"/>
+              </a:lnSpc>
+              <a:buFont typeface="Arial" panose="020B0604020202020204" pitchFamily="34" charset="0"/>
+              <a:buChar char="•"/>
+              <a:defRPr/>
+            </a:pPr>
+            <a:r>
+              <a:rPr lang="pt-BR" sz="2400" b="1" dirty="0">
+                <a:solidFill>
+                  <a:prstClr val="black"/>
+                </a:solidFill>
+                <a:latin typeface="+mj-lt"/>
+              </a:rPr>
+              <a:t>Testes Unitários (</a:t>
+            </a:r>
+            <a:r>
+              <a:rPr lang="pt-BR" sz="2400" b="1" dirty="0" err="1">
+                <a:solidFill>
+                  <a:prstClr val="black"/>
+                </a:solidFill>
+                <a:latin typeface="+mj-lt"/>
+              </a:rPr>
+              <a:t>Jest</a:t>
+            </a:r>
+            <a:r>
+              <a:rPr lang="pt-BR" sz="2400" b="1" dirty="0">
+                <a:solidFill>
+                  <a:prstClr val="black"/>
+                </a:solidFill>
+                <a:latin typeface="+mj-lt"/>
+              </a:rPr>
+              <a:t>)</a:t>
+            </a:r>
+          </a:p>
+          <a:p>
+            <a:pPr lvl="2" indent="-342900">
+              <a:lnSpc>
+                <a:spcPct val="150000"/>
+              </a:lnSpc>
+              <a:buFont typeface="Arial" panose="020B0604020202020204" pitchFamily="34" charset="0"/>
+              <a:buChar char="•"/>
+              <a:defRPr/>
+            </a:pPr>
+            <a:r>
+              <a:rPr lang="pt-BR" sz="2400" b="1" dirty="0">
+                <a:solidFill>
+                  <a:prstClr val="black"/>
+                </a:solidFill>
+                <a:latin typeface="+mj-lt"/>
+              </a:rPr>
+              <a:t>Cobertura (Sonar)</a:t>
+            </a:r>
+          </a:p>
+          <a:p>
+            <a:pPr lvl="2" indent="-342900">
+              <a:lnSpc>
+                <a:spcPct val="150000"/>
+              </a:lnSpc>
+              <a:buFont typeface="Arial" panose="020B0604020202020204" pitchFamily="34" charset="0"/>
+              <a:buChar char="•"/>
+              <a:defRPr/>
+            </a:pPr>
+            <a:r>
+              <a:rPr lang="pt-BR" sz="2400" b="1" dirty="0" err="1">
+                <a:solidFill>
+                  <a:prstClr val="black"/>
+                </a:solidFill>
+                <a:latin typeface="+mj-lt"/>
+              </a:rPr>
+              <a:t>Deployado</a:t>
+            </a:r>
+            <a:r>
+              <a:rPr lang="pt-BR" sz="2400" b="1" dirty="0">
+                <a:solidFill>
+                  <a:prstClr val="black"/>
+                </a:solidFill>
+                <a:latin typeface="+mj-lt"/>
+              </a:rPr>
+              <a:t> em produção (AWS)</a:t>
+            </a:r>
+          </a:p>
+          <a:p>
+            <a:pPr lvl="2" indent="-342900">
+              <a:lnSpc>
+                <a:spcPct val="150000"/>
+              </a:lnSpc>
+              <a:buFont typeface="Arial" panose="020B0604020202020204" pitchFamily="34" charset="0"/>
+              <a:buChar char="•"/>
+              <a:defRPr/>
+            </a:pPr>
+            <a:r>
+              <a:rPr lang="it-IT" sz="2400" b="1" dirty="0">
+                <a:solidFill>
+                  <a:prstClr val="black"/>
+                </a:solidFill>
+                <a:latin typeface="+mj-lt"/>
+              </a:rPr>
+              <a:t>Pipeline de CI/CD (Github CI/CD)</a:t>
+            </a:r>
+          </a:p>
+          <a:p>
+            <a:pPr lvl="2" indent="-342900">
+              <a:lnSpc>
+                <a:spcPct val="150000"/>
+              </a:lnSpc>
+              <a:buFont typeface="Arial" panose="020B0604020202020204" pitchFamily="34" charset="0"/>
+              <a:buChar char="•"/>
+              <a:defRPr/>
+            </a:pPr>
+            <a:r>
+              <a:rPr lang="it-IT" sz="2400" b="1" dirty="0">
+                <a:solidFill>
+                  <a:prstClr val="black"/>
+                </a:solidFill>
+                <a:latin typeface="+mj-lt"/>
+              </a:rPr>
+              <a:t>Monitoramento (NewRelic)</a:t>
+            </a:r>
+          </a:p>
+        </p:txBody>
+      </p:sp>
+      <p:sp>
+        <p:nvSpPr>
+          <p:cNvPr id="21" name="TextBox 20">
+            <a:extLst>
+              <a:ext uri="{FF2B5EF4-FFF2-40B4-BE49-F238E27FC236}">
+                <a16:creationId xmlns:a16="http://schemas.microsoft.com/office/drawing/2014/main" id="{D2B0B4CE-7B37-7CA8-7B23-722C1C24D572}"/>
+              </a:ext>
+            </a:extLst>
+          </p:cNvPr>
+          <p:cNvSpPr txBox="1"/>
+          <p:nvPr/>
+        </p:nvSpPr>
+        <p:spPr>
+          <a:xfrm>
+            <a:off x="761056" y="964999"/>
+            <a:ext cx="3184620" cy="584775"/>
+          </a:xfrm>
+          <a:prstGeom prst="rect">
+            <a:avLst/>
+          </a:prstGeom>
+          <a:noFill/>
+        </p:spPr>
+        <p:txBody>
+          <a:bodyPr wrap="square">
+            <a:spAutoFit/>
+          </a:bodyPr>
+          <a:lstStyle/>
+          <a:p>
+            <a:r>
+              <a:rPr lang="pt-BR" sz="3200" b="1" dirty="0">
+                <a:latin typeface="+mj-lt"/>
+              </a:rPr>
+              <a:t>Estrutura </a:t>
+            </a:r>
+          </a:p>
+        </p:txBody>
+      </p:sp>
+    </p:spTree>
+    <p:extLst>
+      <p:ext uri="{BB962C8B-B14F-4D97-AF65-F5344CB8AC3E}">
+        <p14:creationId xmlns:p14="http://schemas.microsoft.com/office/powerpoint/2010/main" val="2708099228"/>
+      </p:ext>
+    </p:extLst>
+  </p:cSld>
+  <p:clrMapOvr>
+    <a:masterClrMapping/>
+  </p:clrMapOvr>
+</p:sld>
+</file>
+
+<file path=ppt/slides/slide9.xml><?xml version="1.0" encoding="utf-8"?>
+<p:sld xmlns:a="http://schemas.openxmlformats.org/drawingml/2006/main" xmlns:r="http://schemas.openxmlformats.org/officeDocument/2006/relationships" xmlns:p="http://schemas.openxmlformats.org/presentationml/2006/main">
+  <p:cSld>
+    <p:bg>
+      <p:bgPr>
+        <a:solidFill>
+          <a:schemeClr val="bg1"/>
+        </a:solidFill>
+        <a:effectLst/>
+      </p:bgPr>
+    </p:bg>
+    <p:spTree>
+      <p:nvGrpSpPr>
+        <p:cNvPr id="1" name=""/>
+        <p:cNvGrpSpPr/>
+        <p:nvPr/>
+      </p:nvGrpSpPr>
+      <p:grpSpPr>
+        <a:xfrm>
+          <a:off x="0" y="0"/>
+          <a:ext cx="0" cy="0"/>
+          <a:chOff x="0" y="0"/>
+          <a:chExt cx="0" cy="0"/>
+        </a:xfrm>
+      </p:grpSpPr>
+      <p:sp useBgFill="1">
+        <p:nvSpPr>
+          <p:cNvPr id="12" name="Rectangle 11">
+            <a:extLst>
+              <a:ext uri="{FF2B5EF4-FFF2-40B4-BE49-F238E27FC236}">
+                <a16:creationId xmlns:a16="http://schemas.microsoft.com/office/drawing/2014/main" id="{201CC55D-ED54-4C5C-95E6-10947BD1103B}"/>
+              </a:ext>
+              <a:ext uri="{C183D7F6-B498-43B3-948B-1728B52AA6E4}">
+                <adec:decorative xmlns:adec="http://schemas.microsoft.com/office/drawing/2017/decorative" val="1"/>
+              </a:ext>
+            </a:extLst>
+          </p:cNvPr>
+          <p:cNvSpPr>
+            <a:spLocks noGrp="1" noRot="1" noChangeAspect="1" noMove="1" noResize="1" noEditPoints="1" noAdjustHandles="1" noChangeArrowheads="1" noChangeShapeType="1" noTextEdit="1"/>
+          </p:cNvSpPr>
+          <p:nvPr>
+            <p:extLst>
+              <p:ext uri="{386F3935-93C4-4BCD-93E2-E3B085C9AB24}">
+                <p16:designElem xmlns:p16="http://schemas.microsoft.com/office/powerpoint/2015/main" val="1"/>
+              </p:ext>
+            </p:extLst>
+          </p:nvPr>
+        </p:nvSpPr>
+        <p:spPr>
+          <a:xfrm>
+            <a:off x="0" y="0"/>
+            <a:ext cx="12191999" cy="6857365"/>
+          </a:xfrm>
+          <a:prstGeom prst="rect">
+            <a:avLst/>
+          </a:prstGeom>
+          <a:ln>
+            <a:noFill/>
+          </a:ln>
+        </p:spPr>
+        <p:style>
+          <a:lnRef idx="2">
+            <a:schemeClr val="accent1">
+              <a:shade val="50000"/>
+            </a:schemeClr>
+          </a:lnRef>
+          <a:fillRef idx="1">
+            <a:schemeClr val="accent1"/>
+          </a:fillRef>
+          <a:effectRef idx="0">
+            <a:schemeClr val="accent1"/>
+          </a:effectRef>
+          <a:fontRef idx="minor">
+            <a:schemeClr val="lt1"/>
+          </a:fontRef>
+        </p:style>
+        <p:txBody>
+          <a:bodyPr rtlCol="0" anchor="ctr"/>
+          <a:lstStyle/>
+          <a:p>
+            <a:pPr algn="ctr"/>
+            <a:endParaRPr lang="en-US"/>
+          </a:p>
+        </p:txBody>
+      </p:sp>
+      <p:grpSp>
+        <p:nvGrpSpPr>
+          <p:cNvPr id="14" name="Group 13">
+            <a:extLst>
+              <a:ext uri="{FF2B5EF4-FFF2-40B4-BE49-F238E27FC236}">
+                <a16:creationId xmlns:a16="http://schemas.microsoft.com/office/drawing/2014/main" id="{1DE889C7-FAD6-4397-98E2-05D503484459}"/>
+              </a:ext>
+              <a:ext uri="{C183D7F6-B498-43B3-948B-1728B52AA6E4}">
+                <adec:decorative xmlns:adec="http://schemas.microsoft.com/office/drawing/2017/decorative" val="1"/>
+              </a:ext>
+            </a:extLst>
+          </p:cNvPr>
+          <p:cNvGrpSpPr>
+            <a:grpSpLocks noGrp="1" noUngrp="1" noRot="1" noChangeAspect="1" noMove="1" noResize="1"/>
+          </p:cNvGrpSpPr>
+          <p:nvPr>
+            <p:extLst>
+              <p:ext uri="{386F3935-93C4-4BCD-93E2-E3B085C9AB24}">
+                <p16:designElem xmlns:p16="http://schemas.microsoft.com/office/powerpoint/2015/main" val="1"/>
+              </p:ext>
+            </p:extLst>
+          </p:nvPr>
+        </p:nvGrpSpPr>
+        <p:grpSpPr>
+          <a:xfrm>
+            <a:off x="0" y="1083484"/>
+            <a:ext cx="355196" cy="673460"/>
+            <a:chOff x="0" y="823811"/>
+            <a:chExt cx="355196" cy="673460"/>
+          </a:xfrm>
+        </p:grpSpPr>
+        <p:sp>
+          <p:nvSpPr>
+            <p:cNvPr id="15" name="Rectangle 14">
+              <a:extLst>
+                <a:ext uri="{FF2B5EF4-FFF2-40B4-BE49-F238E27FC236}">
+                  <a16:creationId xmlns:a16="http://schemas.microsoft.com/office/drawing/2014/main" id="{F399A70F-F8CD-4992-9EF5-6CF15472E73F}"/>
+                </a:ext>
+                <a:ext uri="{C183D7F6-B498-43B3-948B-1728B52AA6E4}">
+                  <adec:decorative xmlns:adec="http://schemas.microsoft.com/office/drawing/2017/decorative" val="1"/>
+                </a:ext>
+              </a:extLst>
+            </p:cNvPr>
+            <p:cNvSpPr/>
+            <p:nvPr>
+              <p:extLst>
+                <p:ext uri="{386F3935-93C4-4BCD-93E2-E3B085C9AB24}">
+                  <p16:designElem xmlns:p16="http://schemas.microsoft.com/office/powerpoint/2015/main" val="1"/>
+                </p:ext>
+              </p:extLst>
+            </p:nvPr>
+          </p:nvSpPr>
+          <p:spPr>
+            <a:xfrm>
+              <a:off x="0" y="823811"/>
+              <a:ext cx="87363" cy="673460"/>
+            </a:xfrm>
+            <a:prstGeom prst="rect">
+              <a:avLst/>
+            </a:prstGeom>
+            <a:solidFill>
+              <a:schemeClr val="accent4"/>
+            </a:solidFill>
+            <a:ln>
+              <a:noFill/>
+            </a:ln>
+          </p:spPr>
+          <p:style>
+            <a:lnRef idx="2">
+              <a:schemeClr val="accent1">
+                <a:shade val="50000"/>
+              </a:schemeClr>
+            </a:lnRef>
+            <a:fillRef idx="1">
+              <a:schemeClr val="accent1"/>
+            </a:fillRef>
+            <a:effectRef idx="0">
+              <a:schemeClr val="accent1"/>
+            </a:effectRef>
+            <a:fontRef idx="minor">
+              <a:schemeClr val="lt1"/>
+            </a:fontRef>
+          </p:style>
+          <p:txBody>
+            <a:bodyPr rtlCol="0" anchor="ctr"/>
+            <a:lstStyle/>
+            <a:p>
+              <a:pPr algn="ctr"/>
+              <a:endParaRPr lang="en-US"/>
+            </a:p>
+          </p:txBody>
+        </p:sp>
+        <p:sp>
+          <p:nvSpPr>
+            <p:cNvPr id="16" name="Rectangle 15">
+              <a:extLst>
+                <a:ext uri="{FF2B5EF4-FFF2-40B4-BE49-F238E27FC236}">
+                  <a16:creationId xmlns:a16="http://schemas.microsoft.com/office/drawing/2014/main" id="{48F4FEDC-6D80-458C-A665-075D9B9500FD}"/>
+                </a:ext>
+                <a:ext uri="{C183D7F6-B498-43B3-948B-1728B52AA6E4}">
+                  <adec:decorative xmlns:adec="http://schemas.microsoft.com/office/drawing/2017/decorative" val="1"/>
+                </a:ext>
+              </a:extLst>
+            </p:cNvPr>
+            <p:cNvSpPr/>
+            <p:nvPr>
+              <p:extLst>
+                <p:ext uri="{386F3935-93C4-4BCD-93E2-E3B085C9AB24}">
+                  <p16:designElem xmlns:p16="http://schemas.microsoft.com/office/powerpoint/2015/main" val="1"/>
+                </p:ext>
+              </p:extLst>
+            </p:nvPr>
+          </p:nvSpPr>
+          <p:spPr>
+            <a:xfrm>
+              <a:off x="159341" y="823811"/>
+              <a:ext cx="195855" cy="673460"/>
+            </a:xfrm>
+            <a:prstGeom prst="rect">
+              <a:avLst/>
+            </a:prstGeom>
+            <a:solidFill>
+              <a:schemeClr val="accent4"/>
+            </a:solidFill>
+            <a:ln>
+              <a:noFill/>
+            </a:ln>
+          </p:spPr>
+          <p:style>
+            <a:lnRef idx="2">
+              <a:schemeClr val="accent1">
+                <a:shade val="50000"/>
+              </a:schemeClr>
+            </a:lnRef>
+            <a:fillRef idx="1">
+              <a:schemeClr val="accent1"/>
+            </a:fillRef>
+            <a:effectRef idx="0">
+              <a:schemeClr val="accent1"/>
+            </a:effectRef>
+            <a:fontRef idx="minor">
+              <a:schemeClr val="lt1"/>
+            </a:fontRef>
+          </p:style>
+          <p:txBody>
+            <a:bodyPr rtlCol="0" anchor="ctr"/>
+            <a:lstStyle/>
+            <a:p>
+              <a:pPr algn="ctr"/>
+              <a:endParaRPr lang="en-US"/>
+            </a:p>
+          </p:txBody>
+        </p:sp>
+      </p:grpSp>
+      <p:sp>
+        <p:nvSpPr>
+          <p:cNvPr id="18" name="Rectangle 17">
+            <a:extLst>
+              <a:ext uri="{FF2B5EF4-FFF2-40B4-BE49-F238E27FC236}">
+                <a16:creationId xmlns:a16="http://schemas.microsoft.com/office/drawing/2014/main" id="{3873B707-463F-40B0-8227-E8CC6C67EB25}"/>
+              </a:ext>
+              <a:ext uri="{C183D7F6-B498-43B3-948B-1728B52AA6E4}">
+                <adec:decorative xmlns:adec="http://schemas.microsoft.com/office/drawing/2017/decorative" val="1"/>
+              </a:ext>
+            </a:extLst>
+          </p:cNvPr>
+          <p:cNvSpPr>
+            <a:spLocks noGrp="1" noRot="1" noChangeAspect="1" noMove="1" noResize="1" noEditPoints="1" noAdjustHandles="1" noChangeArrowheads="1" noChangeShapeType="1" noTextEdit="1"/>
+          </p:cNvSpPr>
+          <p:nvPr>
+            <p:extLst>
+              <p:ext uri="{386F3935-93C4-4BCD-93E2-E3B085C9AB24}">
+                <p16:designElem xmlns:p16="http://schemas.microsoft.com/office/powerpoint/2015/main" val="1"/>
+              </p:ext>
+            </p:extLst>
+          </p:nvPr>
+        </p:nvSpPr>
+        <p:spPr>
+          <a:xfrm flipH="1">
+            <a:off x="665085" y="2090569"/>
+            <a:ext cx="4297680" cy="27432"/>
+          </a:xfrm>
+          <a:prstGeom prst="rect">
+            <a:avLst/>
+          </a:prstGeom>
+          <a:solidFill>
+            <a:schemeClr val="accent4"/>
+          </a:solidFill>
+          <a:ln>
+            <a:noFill/>
+          </a:ln>
+        </p:spPr>
+        <p:style>
+          <a:lnRef idx="2">
+            <a:schemeClr val="accent1">
+              <a:shade val="50000"/>
+            </a:schemeClr>
+          </a:lnRef>
+          <a:fillRef idx="1">
+            <a:schemeClr val="accent1"/>
+          </a:fillRef>
+          <a:effectRef idx="0">
+            <a:schemeClr val="accent1"/>
+          </a:effectRef>
+          <a:fontRef idx="minor">
+            <a:schemeClr val="lt1"/>
+          </a:fontRef>
+        </p:style>
+        <p:txBody>
+          <a:bodyPr rtlCol="0" anchor="ctr"/>
+          <a:lstStyle/>
+          <a:p>
+            <a:pPr algn="ctr"/>
+            <a:endParaRPr lang="en-US"/>
+          </a:p>
+        </p:txBody>
+      </p:sp>
+      <p:sp>
+        <p:nvSpPr>
+          <p:cNvPr id="20" name="Rectangle 19">
+            <a:extLst>
+              <a:ext uri="{FF2B5EF4-FFF2-40B4-BE49-F238E27FC236}">
+                <a16:creationId xmlns:a16="http://schemas.microsoft.com/office/drawing/2014/main" id="{C13237C8-E62C-4F0D-A318-BD6FB6C2D138}"/>
+              </a:ext>
+              <a:ext uri="{C183D7F6-B498-43B3-948B-1728B52AA6E4}">
+                <adec:decorative xmlns:adec="http://schemas.microsoft.com/office/drawing/2017/decorative" val="1"/>
+              </a:ext>
+            </a:extLst>
+          </p:cNvPr>
+          <p:cNvSpPr>
+            <a:spLocks noGrp="1" noRot="1" noChangeAspect="1" noMove="1" noResize="1" noEditPoints="1" noAdjustHandles="1" noChangeArrowheads="1" noChangeShapeType="1" noTextEdit="1"/>
+          </p:cNvSpPr>
+          <p:nvPr>
+            <p:extLst>
+              <p:ext uri="{386F3935-93C4-4BCD-93E2-E3B085C9AB24}">
+                <p16:designElem xmlns:p16="http://schemas.microsoft.com/office/powerpoint/2015/main" val="1"/>
+              </p:ext>
+            </p:extLst>
+          </p:nvPr>
+        </p:nvSpPr>
+        <p:spPr>
+          <a:xfrm flipH="1">
+            <a:off x="10697670" y="0"/>
+            <a:ext cx="1494330" cy="6858000"/>
+          </a:xfrm>
+          <a:prstGeom prst="rect">
+            <a:avLst/>
+          </a:prstGeom>
+          <a:solidFill>
+            <a:schemeClr val="accent4"/>
+          </a:solidFill>
+          <a:ln>
+            <a:noFill/>
+          </a:ln>
+        </p:spPr>
+        <p:style>
+          <a:lnRef idx="2">
+            <a:schemeClr val="accent1">
+              <a:shade val="50000"/>
+            </a:schemeClr>
+          </a:lnRef>
+          <a:fillRef idx="1">
+            <a:schemeClr val="accent1"/>
+          </a:fillRef>
+          <a:effectRef idx="0">
+            <a:schemeClr val="accent1"/>
+          </a:effectRef>
+          <a:fontRef idx="minor">
+            <a:schemeClr val="lt1"/>
+          </a:fontRef>
+        </p:style>
+        <p:txBody>
+          <a:bodyPr rtlCol="0" anchor="ctr"/>
+          <a:lstStyle/>
+          <a:p>
+            <a:pPr algn="ctr"/>
+            <a:endParaRPr lang="en-US"/>
+          </a:p>
+        </p:txBody>
+      </p:sp>
+      <p:sp>
+        <p:nvSpPr>
+          <p:cNvPr id="22" name="Rectangle 21">
+            <a:extLst>
+              <a:ext uri="{FF2B5EF4-FFF2-40B4-BE49-F238E27FC236}">
+                <a16:creationId xmlns:a16="http://schemas.microsoft.com/office/drawing/2014/main" id="{19C9EAEA-39D0-4B0E-A0EB-51E7B26740B1}"/>
+              </a:ext>
+              <a:ext uri="{C183D7F6-B498-43B3-948B-1728B52AA6E4}">
+                <adec:decorative xmlns:adec="http://schemas.microsoft.com/office/drawing/2017/decorative" val="1"/>
+              </a:ext>
+            </a:extLst>
+          </p:cNvPr>
+          <p:cNvSpPr>
+            <a:spLocks noGrp="1" noRot="1" noChangeAspect="1" noMove="1" noResize="1" noEditPoints="1" noAdjustHandles="1" noChangeArrowheads="1" noChangeShapeType="1" noTextEdit="1"/>
+          </p:cNvSpPr>
+          <p:nvPr>
+            <p:extLst>
+              <p:ext uri="{386F3935-93C4-4BCD-93E2-E3B085C9AB24}">
+                <p16:designElem xmlns:p16="http://schemas.microsoft.com/office/powerpoint/2015/main" val="1"/>
+              </p:ext>
+            </p:extLst>
+          </p:nvPr>
+        </p:nvSpPr>
+        <p:spPr>
+          <a:xfrm>
+            <a:off x="5685810" y="513853"/>
+            <a:ext cx="6009366" cy="5834577"/>
+          </a:xfrm>
+          <a:prstGeom prst="rect">
+            <a:avLst/>
+          </a:prstGeom>
+          <a:solidFill>
+            <a:schemeClr val="bg1"/>
+          </a:solidFill>
+          <a:ln>
+            <a:noFill/>
+          </a:ln>
+          <a:effectLst>
+            <a:outerShdw blurRad="139700" dist="127000" dir="5400000" algn="t" rotWithShape="0">
+              <a:prstClr val="black">
+                <a:alpha val="15000"/>
+              </a:prstClr>
+            </a:outerShdw>
+          </a:effectLst>
+        </p:spPr>
+        <p:style>
+          <a:lnRef idx="2">
+            <a:schemeClr val="accent1">
+              <a:shade val="50000"/>
+            </a:schemeClr>
+          </a:lnRef>
+          <a:fillRef idx="1">
+            <a:schemeClr val="accent1"/>
+          </a:fillRef>
+          <a:effectRef idx="0">
+            <a:schemeClr val="accent1"/>
+          </a:effectRef>
+          <a:fontRef idx="minor">
+            <a:schemeClr val="lt1"/>
+          </a:fontRef>
+        </p:style>
+        <p:txBody>
+          <a:bodyPr rtlCol="0" anchor="ctr"/>
+          <a:lstStyle/>
+          <a:p>
+            <a:pPr algn="ctr"/>
+            <a:endParaRPr lang="en-US"/>
+          </a:p>
+        </p:txBody>
+      </p:sp>
+      <p:sp>
+        <p:nvSpPr>
+          <p:cNvPr id="19" name="TextBox 18">
+            <a:extLst>
+              <a:ext uri="{FF2B5EF4-FFF2-40B4-BE49-F238E27FC236}">
+                <a16:creationId xmlns:a16="http://schemas.microsoft.com/office/drawing/2014/main" id="{A76D44D6-8403-EC12-207F-BEED86A7B0EC}"/>
+              </a:ext>
+            </a:extLst>
+          </p:cNvPr>
+          <p:cNvSpPr txBox="1"/>
+          <p:nvPr/>
+        </p:nvSpPr>
+        <p:spPr>
+          <a:xfrm>
+            <a:off x="817986" y="946665"/>
             <a:ext cx="1289789" cy="584775"/>
           </a:xfrm>
           <a:prstGeom prst="rect">
@@ -14440,7 +15378,7 @@
                 </a:solidFill>
                 <a:latin typeface="+mj-lt"/>
               </a:rPr>
-              <a:t>Não conseguir instalar R na conta Aluno pois precisa usuário root e na conta pessoal já logo como root</a:t>
+              <a:t>Não consegui instalar R na conta Aluno pois precisa usuário root e na conta pessoal já logo como root</a:t>
             </a:r>
           </a:p>
           <a:p>
@@ -14513,7 +15451,7 @@
                 </a:solidFill>
                 <a:latin typeface="+mj-lt"/>
               </a:rPr>
-              <a:t> Cloud (Máquina Virtual)</a:t>
+              <a:t> Cloud</a:t>
             </a:r>
           </a:p>
           <a:p>
@@ -14532,7 +15470,7 @@
                 </a:solidFill>
                 <a:latin typeface="+mj-lt"/>
               </a:rPr>
-              <a:t>Intanciei</a:t>
+              <a:t>Intancia</a:t>
             </a:r>
             <a:r>
               <a:rPr lang="pt-BR" sz="2000" dirty="0">

--- a/slides/Slides Portfólio Israel J. M. Carvalho.pptx
+++ b/slides/Slides Portfólio Israel J. M. Carvalho.pptx
@@ -13852,7 +13852,7 @@
         </p:blipFill>
         <p:spPr>
           <a:xfrm>
-            <a:off x="7956319" y="3277536"/>
+            <a:off x="8031247" y="3277536"/>
             <a:ext cx="1184602" cy="666339"/>
           </a:xfrm>
           <a:prstGeom prst="rect">
@@ -14152,6 +14152,53 @@
           <a:prstGeom prst="rect">
             <a:avLst/>
           </a:prstGeom>
+        </p:spPr>
+      </p:pic>
+      <p:pic>
+        <p:nvPicPr>
+          <p:cNvPr id="1028" name="Picture 4" descr="Logotipo Jest PNG transparente - StickPNG">
+            <a:extLst>
+              <a:ext uri="{FF2B5EF4-FFF2-40B4-BE49-F238E27FC236}">
+                <a16:creationId xmlns:a16="http://schemas.microsoft.com/office/drawing/2014/main" id="{BE3CE7A0-DF3C-7D01-0BB1-57ACCC0A106F}"/>
+              </a:ext>
+            </a:extLst>
+          </p:cNvPr>
+          <p:cNvPicPr>
+            <a:picLocks noChangeAspect="1" noChangeArrowheads="1"/>
+          </p:cNvPicPr>
+          <p:nvPr/>
+        </p:nvPicPr>
+        <p:blipFill>
+          <a:blip r:embed="rId10">
+            <a:extLst>
+              <a:ext uri="{28A0092B-C50C-407E-A947-70E740481C1C}">
+                <a14:useLocalDpi xmlns:a14="http://schemas.microsoft.com/office/drawing/2010/main" val="0"/>
+              </a:ext>
+            </a:extLst>
+          </a:blip>
+          <a:srcRect/>
+          <a:stretch>
+            <a:fillRect/>
+          </a:stretch>
+        </p:blipFill>
+        <p:spPr bwMode="auto">
+          <a:xfrm>
+            <a:off x="8064830" y="5037254"/>
+            <a:ext cx="1117437" cy="1117437"/>
+          </a:xfrm>
+          <a:prstGeom prst="rect">
+            <a:avLst/>
+          </a:prstGeom>
+          <a:noFill/>
+          <a:extLst>
+            <a:ext uri="{909E8E84-426E-40DD-AFC4-6F175D3DCCD1}">
+              <a14:hiddenFill xmlns:a14="http://schemas.microsoft.com/office/drawing/2010/main">
+                <a:solidFill>
+                  <a:srgbClr val="FFFFFF"/>
+                </a:solidFill>
+              </a14:hiddenFill>
+            </a:ext>
+          </a:extLst>
         </p:spPr>
       </p:pic>
     </p:spTree>

--- a/slides/Slides Portfólio Israel J. M. Carvalho.pptx
+++ b/slides/Slides Portfólio Israel J. M. Carvalho.pptx
@@ -15378,7 +15378,7 @@
         <p:spPr>
           <a:xfrm>
             <a:off x="-417328" y="2360236"/>
-            <a:ext cx="10963999" cy="3645613"/>
+            <a:ext cx="10963999" cy="4568943"/>
           </a:xfrm>
           <a:prstGeom prst="rect">
             <a:avLst/>
@@ -15609,6 +15609,25 @@
                 <a:latin typeface="+mj-lt"/>
               </a:rPr>
               <a:t> (Monitoramento)</a:t>
+            </a:r>
+          </a:p>
+          <a:p>
+            <a:pPr marL="1257300" lvl="2" indent="-342900">
+              <a:lnSpc>
+                <a:spcPct val="150000"/>
+              </a:lnSpc>
+              <a:buFont typeface="Arial" panose="020B0604020202020204" pitchFamily="34" charset="0"/>
+              <a:buChar char="•"/>
+              <a:defRPr/>
+            </a:pPr>
+            <a:r>
+              <a:rPr lang="pt-BR" sz="2000" dirty="0">
+                <a:solidFill>
+                  <a:prstClr val="black"/>
+                </a:solidFill>
+                <a:latin typeface="+mj-lt"/>
+              </a:rPr>
+              <a:t>Adicionado nova regra de entrada de rede na porta 3000 com TCP personalizado pois o Next roda na porta 3000 por padrão</a:t>
             </a:r>
           </a:p>
           <a:p>

--- a/slides/Slides Portfólio Israel J. M. Carvalho.pptx
+++ b/slides/Slides Portfólio Israel J. M. Carvalho.pptx
@@ -8067,7 +8067,7 @@
         <p:spPr>
           <a:xfrm>
             <a:off x="43681" y="2713871"/>
-            <a:ext cx="11091914" cy="1429622"/>
+            <a:ext cx="11091914" cy="1891287"/>
           </a:xfrm>
           <a:prstGeom prst="rect">
             <a:avLst/>
@@ -8120,7 +8120,7 @@
                 <a:ea typeface="+mn-ea"/>
                 <a:cs typeface="+mn-cs"/>
               </a:rPr>
-              <a:t>DataSciece</a:t>
+              <a:t>DataScience</a:t>
             </a:r>
             <a:r>
               <a:rPr kumimoji="0" lang="pt-BR" sz="2000" b="1" i="0" u="none" strike="noStrike" kern="1200" cap="none" spc="0" normalizeH="0" baseline="0" noProof="0" dirty="0">
@@ -8192,6 +8192,48 @@
               </a:rPr>
               <a:t>Vasta área ainda inexplorada</a:t>
             </a:r>
+          </a:p>
+          <a:p>
+            <a:pPr marL="1257300" lvl="2" indent="-342900">
+              <a:lnSpc>
+                <a:spcPct val="150000"/>
+              </a:lnSpc>
+              <a:buFontTx/>
+              <a:buChar char="-"/>
+              <a:defRPr/>
+            </a:pPr>
+            <a:r>
+              <a:rPr lang="pt-BR" sz="2000" b="1" dirty="0" err="1">
+                <a:solidFill>
+                  <a:prstClr val="black"/>
+                </a:solidFill>
+                <a:latin typeface="+mj-lt"/>
+              </a:rPr>
+              <a:t>DataScience</a:t>
+            </a:r>
+            <a:r>
+              <a:rPr lang="pt-BR" sz="2000" b="1" dirty="0">
+                <a:solidFill>
+                  <a:prstClr val="black"/>
+                </a:solidFill>
+                <a:latin typeface="+mj-lt"/>
+              </a:rPr>
+              <a:t> muito valorizada no mercado de trabalho</a:t>
+            </a:r>
+            <a:endParaRPr kumimoji="0" lang="pt-BR" sz="2000" b="1" i="0" u="none" strike="noStrike" kern="1200" cap="none" spc="0" normalizeH="0" baseline="0" noProof="0" dirty="0">
+              <a:ln>
+                <a:noFill/>
+              </a:ln>
+              <a:solidFill>
+                <a:prstClr val="black"/>
+              </a:solidFill>
+              <a:effectLst/>
+              <a:uLnTx/>
+              <a:uFillTx/>
+              <a:latin typeface="+mj-lt"/>
+              <a:ea typeface="+mn-ea"/>
+              <a:cs typeface="+mn-cs"/>
+            </a:endParaRPr>
           </a:p>
           <a:p>
             <a:pPr marL="1257300" lvl="2" indent="-342900">
@@ -12914,7 +12956,7 @@
                 </a:solidFill>
                 <a:latin typeface="+mj-lt"/>
               </a:rPr>
-              <a:t> K-</a:t>
+              <a:t>K-</a:t>
             </a:r>
             <a:r>
               <a:rPr lang="pt-BR" sz="2000" dirty="0" err="1">
@@ -13502,43 +13544,6 @@
       </p:sp>
       <p:sp>
         <p:nvSpPr>
-          <p:cNvPr id="19" name="TextBox 18">
-            <a:extLst>
-              <a:ext uri="{FF2B5EF4-FFF2-40B4-BE49-F238E27FC236}">
-                <a16:creationId xmlns:a16="http://schemas.microsoft.com/office/drawing/2014/main" id="{A76D44D6-8403-EC12-207F-BEED86A7B0EC}"/>
-              </a:ext>
-            </a:extLst>
-          </p:cNvPr>
-          <p:cNvSpPr txBox="1"/>
-          <p:nvPr/>
-        </p:nvSpPr>
-        <p:spPr>
-          <a:xfrm>
-            <a:off x="9886359" y="3346516"/>
-            <a:ext cx="1289789" cy="584775"/>
-          </a:xfrm>
-          <a:prstGeom prst="rect">
-            <a:avLst/>
-          </a:prstGeom>
-          <a:noFill/>
-        </p:spPr>
-        <p:txBody>
-          <a:bodyPr wrap="square">
-            <a:spAutoFit/>
-          </a:bodyPr>
-          <a:lstStyle/>
-          <a:p>
-            <a:r>
-              <a:rPr lang="pt-BR" sz="3200" b="1" dirty="0">
-                <a:latin typeface="+mj-lt"/>
-              </a:rPr>
-              <a:t>AWS</a:t>
-            </a:r>
-          </a:p>
-        </p:txBody>
-      </p:sp>
-      <p:sp>
-        <p:nvSpPr>
           <p:cNvPr id="3" name="TextBox 2">
             <a:extLst>
               <a:ext uri="{FF2B5EF4-FFF2-40B4-BE49-F238E27FC236}">
@@ -13827,6 +13832,7 @@
       <p:pic>
         <p:nvPicPr>
           <p:cNvPr id="6" name="Picture 5" descr="A black background with a black square&#10;&#10;Description automatically generated with medium confidence">
+            <a:hlinkClick r:id="rId2"/>
             <a:extLst>
               <a:ext uri="{FF2B5EF4-FFF2-40B4-BE49-F238E27FC236}">
                 <a16:creationId xmlns:a16="http://schemas.microsoft.com/office/drawing/2014/main" id="{2DADC3C0-D8F5-7120-72ED-612CFB2417CA}"/>
@@ -13839,7 +13845,7 @@
           <p:nvPr/>
         </p:nvPicPr>
         <p:blipFill>
-          <a:blip r:embed="rId2">
+          <a:blip r:embed="rId3">
             <a:extLst>
               <a:ext uri="{28A0092B-C50C-407E-A947-70E740481C1C}">
                 <a14:useLocalDpi xmlns:a14="http://schemas.microsoft.com/office/drawing/2010/main" val="0"/>
@@ -13875,7 +13881,7 @@
           <p:nvPr/>
         </p:nvPicPr>
         <p:blipFill>
-          <a:blip r:embed="rId3">
+          <a:blip r:embed="rId4">
             <a:extLst>
               <a:ext uri="{28A0092B-C50C-407E-A947-70E740481C1C}">
                 <a14:useLocalDpi xmlns:a14="http://schemas.microsoft.com/office/drawing/2010/main" val="0"/>
@@ -13911,7 +13917,7 @@
           <p:nvPr/>
         </p:nvPicPr>
         <p:blipFill>
-          <a:blip r:embed="rId4">
+          <a:blip r:embed="rId5">
             <a:extLst>
               <a:ext uri="{28A0092B-C50C-407E-A947-70E740481C1C}">
                 <a14:useLocalDpi xmlns:a14="http://schemas.microsoft.com/office/drawing/2010/main" val="0"/>
@@ -13947,7 +13953,7 @@
           <p:nvPr/>
         </p:nvPicPr>
         <p:blipFill>
-          <a:blip r:embed="rId5">
+          <a:blip r:embed="rId6">
             <a:extLst>
               <a:ext uri="{28A0092B-C50C-407E-A947-70E740481C1C}">
                 <a14:useLocalDpi xmlns:a14="http://schemas.microsoft.com/office/drawing/2010/main" val="0"/>
@@ -13983,7 +13989,7 @@
           <p:nvPr/>
         </p:nvPicPr>
         <p:blipFill>
-          <a:blip r:embed="rId6">
+          <a:blip r:embed="rId7">
             <a:extLst>
               <a:ext uri="{28A0092B-C50C-407E-A947-70E740481C1C}">
                 <a14:useLocalDpi xmlns:a14="http://schemas.microsoft.com/office/drawing/2010/main" val="0"/>
@@ -14019,7 +14025,7 @@
           <p:nvPr/>
         </p:nvPicPr>
         <p:blipFill>
-          <a:blip r:embed="rId7">
+          <a:blip r:embed="rId8">
             <a:extLst>
               <a:ext uri="{28A0092B-C50C-407E-A947-70E740481C1C}">
                 <a14:useLocalDpi xmlns:a14="http://schemas.microsoft.com/office/drawing/2010/main" val="0"/>
@@ -14080,6 +14086,7 @@
       <p:pic>
         <p:nvPicPr>
           <p:cNvPr id="1026" name="Picture 2" descr="Media Assets | New Relic">
+            <a:hlinkClick r:id="rId9"/>
             <a:extLst>
               <a:ext uri="{FF2B5EF4-FFF2-40B4-BE49-F238E27FC236}">
                 <a16:creationId xmlns:a16="http://schemas.microsoft.com/office/drawing/2014/main" id="{BE4E5674-0AFA-041C-8E8D-7A05655F73F8}"/>
@@ -14092,7 +14099,7 @@
           <p:nvPr/>
         </p:nvPicPr>
         <p:blipFill>
-          <a:blip r:embed="rId8">
+          <a:blip r:embed="rId10">
             <a:extLst>
               <a:ext uri="{28A0092B-C50C-407E-A947-70E740481C1C}">
                 <a14:useLocalDpi xmlns:a14="http://schemas.microsoft.com/office/drawing/2010/main" val="0"/>
@@ -14127,6 +14134,7 @@
       <p:pic>
         <p:nvPicPr>
           <p:cNvPr id="13" name="Picture 12">
+            <a:hlinkClick r:id="rId11"/>
             <a:extLst>
               <a:ext uri="{FF2B5EF4-FFF2-40B4-BE49-F238E27FC236}">
                 <a16:creationId xmlns:a16="http://schemas.microsoft.com/office/drawing/2014/main" id="{2CFC6777-AAC3-DDE0-413E-B3ED739E80D5}"/>
@@ -14139,7 +14147,7 @@
           <p:nvPr/>
         </p:nvPicPr>
         <p:blipFill>
-          <a:blip r:embed="rId9"/>
+          <a:blip r:embed="rId12"/>
           <a:stretch>
             <a:fillRect/>
           </a:stretch>
@@ -14169,7 +14177,7 @@
           <p:nvPr/>
         </p:nvPicPr>
         <p:blipFill>
-          <a:blip r:embed="rId10">
+          <a:blip r:embed="rId13">
             <a:extLst>
               <a:ext uri="{28A0092B-C50C-407E-A947-70E740481C1C}">
                 <a14:useLocalDpi xmlns:a14="http://schemas.microsoft.com/office/drawing/2010/main" val="0"/>
@@ -14185,6 +14193,54 @@
           <a:xfrm>
             <a:off x="8064830" y="5037254"/>
             <a:ext cx="1117437" cy="1117437"/>
+          </a:xfrm>
+          <a:prstGeom prst="rect">
+            <a:avLst/>
+          </a:prstGeom>
+          <a:noFill/>
+          <a:extLst>
+            <a:ext uri="{909E8E84-426E-40DD-AFC4-6F175D3DCCD1}">
+              <a14:hiddenFill xmlns:a14="http://schemas.microsoft.com/office/drawing/2010/main">
+                <a:solidFill>
+                  <a:srgbClr val="FFFFFF"/>
+                </a:solidFill>
+              </a14:hiddenFill>
+            </a:ext>
+          </a:extLst>
+        </p:spPr>
+      </p:pic>
+      <p:pic>
+        <p:nvPicPr>
+          <p:cNvPr id="2" name="Picture 2">
+            <a:hlinkClick r:id="rId14"/>
+            <a:extLst>
+              <a:ext uri="{FF2B5EF4-FFF2-40B4-BE49-F238E27FC236}">
+                <a16:creationId xmlns:a16="http://schemas.microsoft.com/office/drawing/2014/main" id="{6B907BF3-81E3-A1F4-CAF7-AC1D602A79E6}"/>
+              </a:ext>
+            </a:extLst>
+          </p:cNvPr>
+          <p:cNvPicPr>
+            <a:picLocks noChangeAspect="1" noChangeArrowheads="1"/>
+          </p:cNvPicPr>
+          <p:nvPr/>
+        </p:nvPicPr>
+        <p:blipFill>
+          <a:blip r:embed="rId15">
+            <a:extLst>
+              <a:ext uri="{28A0092B-C50C-407E-A947-70E740481C1C}">
+                <a14:useLocalDpi xmlns:a14="http://schemas.microsoft.com/office/drawing/2010/main" val="0"/>
+              </a:ext>
+            </a:extLst>
+          </a:blip>
+          <a:srcRect/>
+          <a:stretch>
+            <a:fillRect/>
+          </a:stretch>
+        </p:blipFill>
+        <p:spPr bwMode="auto">
+          <a:xfrm>
+            <a:off x="9938894" y="3392397"/>
+            <a:ext cx="935352" cy="560122"/>
           </a:xfrm>
           <a:prstGeom prst="rect">
             <a:avLst/>
@@ -14663,7 +14719,7 @@
         </p:nvSpPr>
         <p:spPr>
           <a:xfrm>
-            <a:off x="355196" y="2757020"/>
+            <a:off x="355196" y="2627624"/>
             <a:ext cx="8344304" cy="3359061"/>
           </a:xfrm>
           <a:prstGeom prst="rect">
@@ -15328,43 +15384,6 @@
       </p:sp>
       <p:sp>
         <p:nvSpPr>
-          <p:cNvPr id="19" name="TextBox 18">
-            <a:extLst>
-              <a:ext uri="{FF2B5EF4-FFF2-40B4-BE49-F238E27FC236}">
-                <a16:creationId xmlns:a16="http://schemas.microsoft.com/office/drawing/2014/main" id="{A76D44D6-8403-EC12-207F-BEED86A7B0EC}"/>
-              </a:ext>
-            </a:extLst>
-          </p:cNvPr>
-          <p:cNvSpPr txBox="1"/>
-          <p:nvPr/>
-        </p:nvSpPr>
-        <p:spPr>
-          <a:xfrm>
-            <a:off x="817986" y="946665"/>
-            <a:ext cx="1289789" cy="584775"/>
-          </a:xfrm>
-          <a:prstGeom prst="rect">
-            <a:avLst/>
-          </a:prstGeom>
-          <a:noFill/>
-        </p:spPr>
-        <p:txBody>
-          <a:bodyPr wrap="square">
-            <a:spAutoFit/>
-          </a:bodyPr>
-          <a:lstStyle/>
-          <a:p>
-            <a:r>
-              <a:rPr lang="pt-BR" sz="3200" b="1" dirty="0">
-                <a:latin typeface="+mj-lt"/>
-              </a:rPr>
-              <a:t>AWS</a:t>
-            </a:r>
-          </a:p>
-        </p:txBody>
-      </p:sp>
-      <p:sp>
-        <p:nvSpPr>
           <p:cNvPr id="25" name="TextBox 24">
             <a:extLst>
               <a:ext uri="{FF2B5EF4-FFF2-40B4-BE49-F238E27FC236}">
@@ -15680,6 +15699,54 @@
           </a:p>
         </p:txBody>
       </p:sp>
+      <p:pic>
+        <p:nvPicPr>
+          <p:cNvPr id="11" name="Picture 2">
+            <a:hlinkClick r:id="rId2"/>
+            <a:extLst>
+              <a:ext uri="{FF2B5EF4-FFF2-40B4-BE49-F238E27FC236}">
+                <a16:creationId xmlns:a16="http://schemas.microsoft.com/office/drawing/2014/main" id="{E1B42CA4-2709-6B00-E23A-BF13F8DBEDE0}"/>
+              </a:ext>
+            </a:extLst>
+          </p:cNvPr>
+          <p:cNvPicPr>
+            <a:picLocks noChangeAspect="1" noChangeArrowheads="1"/>
+          </p:cNvPicPr>
+          <p:nvPr/>
+        </p:nvPicPr>
+        <p:blipFill>
+          <a:blip r:embed="rId3">
+            <a:extLst>
+              <a:ext uri="{28A0092B-C50C-407E-A947-70E740481C1C}">
+                <a14:useLocalDpi xmlns:a14="http://schemas.microsoft.com/office/drawing/2010/main" val="0"/>
+              </a:ext>
+            </a:extLst>
+          </a:blip>
+          <a:srcRect/>
+          <a:stretch>
+            <a:fillRect/>
+          </a:stretch>
+        </p:blipFill>
+        <p:spPr bwMode="auto">
+          <a:xfrm>
+            <a:off x="772524" y="1156984"/>
+            <a:ext cx="935352" cy="560122"/>
+          </a:xfrm>
+          <a:prstGeom prst="rect">
+            <a:avLst/>
+          </a:prstGeom>
+          <a:noFill/>
+          <a:extLst>
+            <a:ext uri="{909E8E84-426E-40DD-AFC4-6F175D3DCCD1}">
+              <a14:hiddenFill xmlns:a14="http://schemas.microsoft.com/office/drawing/2010/main">
+                <a:solidFill>
+                  <a:srgbClr val="FFFFFF"/>
+                </a:solidFill>
+              </a14:hiddenFill>
+            </a:ext>
+          </a:extLst>
+        </p:spPr>
+      </p:pic>
     </p:spTree>
     <p:extLst>
       <p:ext uri="{BB962C8B-B14F-4D97-AF65-F5344CB8AC3E}">

--- a/slides/Slides Portfólio Israel J. M. Carvalho.pptx
+++ b/slides/Slides Portfólio Israel J. M. Carvalho.pptx
@@ -8726,8 +8726,8 @@
         </p:nvSpPr>
         <p:spPr>
           <a:xfrm>
-            <a:off x="665085" y="1172169"/>
-            <a:ext cx="6836546" cy="584775"/>
+            <a:off x="638260" y="446072"/>
+            <a:ext cx="6836546" cy="1569660"/>
           </a:xfrm>
           <a:prstGeom prst="rect">
             <a:avLst/>
@@ -8739,6 +8739,19 @@
             <a:spAutoFit/>
           </a:bodyPr>
           <a:lstStyle/>
+          <a:p>
+            <a:r>
+              <a:rPr lang="pt-BR" sz="3200" b="1" dirty="0">
+                <a:latin typeface="+mj-lt"/>
+              </a:rPr>
+              <a:t>MOTIVAÇÃO DA ESCOLHA</a:t>
+            </a:r>
+          </a:p>
+          <a:p>
+            <a:endParaRPr lang="pt-BR" sz="3200" b="1" dirty="0">
+              <a:latin typeface="+mj-lt"/>
+            </a:endParaRPr>
+          </a:p>
           <a:p>
             <a:r>
               <a:rPr lang="pt-BR" sz="3200" b="1" dirty="0">
